--- a/vs  ASP.NET MVC Final/AzureMVC/使用手冊.pptx
+++ b/vs  ASP.NET MVC Final/AzureMVC/使用手冊.pptx
@@ -7,27 +7,28 @@
   <p:sldIdLst>
     <p:sldId id="270" r:id="rId2"/>
     <p:sldId id="276" r:id="rId3"/>
-    <p:sldId id="274" r:id="rId4"/>
-    <p:sldId id="284" r:id="rId5"/>
-    <p:sldId id="258" r:id="rId6"/>
-    <p:sldId id="256" r:id="rId7"/>
-    <p:sldId id="260" r:id="rId8"/>
-    <p:sldId id="261" r:id="rId9"/>
-    <p:sldId id="281" r:id="rId10"/>
-    <p:sldId id="262" r:id="rId11"/>
-    <p:sldId id="263" r:id="rId12"/>
-    <p:sldId id="264" r:id="rId13"/>
-    <p:sldId id="266" r:id="rId14"/>
-    <p:sldId id="267" r:id="rId15"/>
-    <p:sldId id="268" r:id="rId16"/>
-    <p:sldId id="265" r:id="rId17"/>
-    <p:sldId id="269" r:id="rId18"/>
-    <p:sldId id="277" r:id="rId19"/>
-    <p:sldId id="279" r:id="rId20"/>
-    <p:sldId id="283" r:id="rId21"/>
-    <p:sldId id="271" r:id="rId22"/>
-    <p:sldId id="272" r:id="rId23"/>
-    <p:sldId id="273" r:id="rId24"/>
+    <p:sldId id="285" r:id="rId4"/>
+    <p:sldId id="274" r:id="rId5"/>
+    <p:sldId id="284" r:id="rId6"/>
+    <p:sldId id="258" r:id="rId7"/>
+    <p:sldId id="256" r:id="rId8"/>
+    <p:sldId id="260" r:id="rId9"/>
+    <p:sldId id="261" r:id="rId10"/>
+    <p:sldId id="281" r:id="rId11"/>
+    <p:sldId id="262" r:id="rId12"/>
+    <p:sldId id="263" r:id="rId13"/>
+    <p:sldId id="264" r:id="rId14"/>
+    <p:sldId id="266" r:id="rId15"/>
+    <p:sldId id="267" r:id="rId16"/>
+    <p:sldId id="268" r:id="rId17"/>
+    <p:sldId id="265" r:id="rId18"/>
+    <p:sldId id="269" r:id="rId19"/>
+    <p:sldId id="277" r:id="rId20"/>
+    <p:sldId id="279" r:id="rId21"/>
+    <p:sldId id="283" r:id="rId22"/>
+    <p:sldId id="271" r:id="rId23"/>
+    <p:sldId id="272" r:id="rId24"/>
+    <p:sldId id="273" r:id="rId25"/>
   </p:sldIdLst>
   <p:sldSz cx="12192000" cy="6858000"/>
   <p:notesSz cx="6858000" cy="9144000"/>
@@ -281,7 +282,7 @@
           <a:p>
             <a:fld id="{B97AF8C7-24A2-4FEB-A16C-6CA5B085B5CD}" type="datetimeFigureOut">
               <a:rPr lang="zh-TW" altLang="en-US" smtClean="0"/>
-              <a:t>2023/8/30</a:t>
+              <a:t>2023/8/31</a:t>
             </a:fld>
             <a:endParaRPr lang="zh-TW" altLang="en-US"/>
           </a:p>
@@ -479,7 +480,7 @@
           <a:p>
             <a:fld id="{B97AF8C7-24A2-4FEB-A16C-6CA5B085B5CD}" type="datetimeFigureOut">
               <a:rPr lang="zh-TW" altLang="en-US" smtClean="0"/>
-              <a:t>2023/8/30</a:t>
+              <a:t>2023/8/31</a:t>
             </a:fld>
             <a:endParaRPr lang="zh-TW" altLang="en-US"/>
           </a:p>
@@ -687,7 +688,7 @@
           <a:p>
             <a:fld id="{B97AF8C7-24A2-4FEB-A16C-6CA5B085B5CD}" type="datetimeFigureOut">
               <a:rPr lang="zh-TW" altLang="en-US" smtClean="0"/>
-              <a:t>2023/8/30</a:t>
+              <a:t>2023/8/31</a:t>
             </a:fld>
             <a:endParaRPr lang="zh-TW" altLang="en-US"/>
           </a:p>
@@ -885,7 +886,7 @@
           <a:p>
             <a:fld id="{B97AF8C7-24A2-4FEB-A16C-6CA5B085B5CD}" type="datetimeFigureOut">
               <a:rPr lang="zh-TW" altLang="en-US" smtClean="0"/>
-              <a:t>2023/8/30</a:t>
+              <a:t>2023/8/31</a:t>
             </a:fld>
             <a:endParaRPr lang="zh-TW" altLang="en-US"/>
           </a:p>
@@ -1160,7 +1161,7 @@
           <a:p>
             <a:fld id="{B97AF8C7-24A2-4FEB-A16C-6CA5B085B5CD}" type="datetimeFigureOut">
               <a:rPr lang="zh-TW" altLang="en-US" smtClean="0"/>
-              <a:t>2023/8/30</a:t>
+              <a:t>2023/8/31</a:t>
             </a:fld>
             <a:endParaRPr lang="zh-TW" altLang="en-US"/>
           </a:p>
@@ -1425,7 +1426,7 @@
           <a:p>
             <a:fld id="{B97AF8C7-24A2-4FEB-A16C-6CA5B085B5CD}" type="datetimeFigureOut">
               <a:rPr lang="zh-TW" altLang="en-US" smtClean="0"/>
-              <a:t>2023/8/30</a:t>
+              <a:t>2023/8/31</a:t>
             </a:fld>
             <a:endParaRPr lang="zh-TW" altLang="en-US"/>
           </a:p>
@@ -1837,7 +1838,7 @@
           <a:p>
             <a:fld id="{B97AF8C7-24A2-4FEB-A16C-6CA5B085B5CD}" type="datetimeFigureOut">
               <a:rPr lang="zh-TW" altLang="en-US" smtClean="0"/>
-              <a:t>2023/8/30</a:t>
+              <a:t>2023/8/31</a:t>
             </a:fld>
             <a:endParaRPr lang="zh-TW" altLang="en-US"/>
           </a:p>
@@ -1978,7 +1979,7 @@
           <a:p>
             <a:fld id="{B97AF8C7-24A2-4FEB-A16C-6CA5B085B5CD}" type="datetimeFigureOut">
               <a:rPr lang="zh-TW" altLang="en-US" smtClean="0"/>
-              <a:t>2023/8/30</a:t>
+              <a:t>2023/8/31</a:t>
             </a:fld>
             <a:endParaRPr lang="zh-TW" altLang="en-US"/>
           </a:p>
@@ -2091,7 +2092,7 @@
           <a:p>
             <a:fld id="{B97AF8C7-24A2-4FEB-A16C-6CA5B085B5CD}" type="datetimeFigureOut">
               <a:rPr lang="zh-TW" altLang="en-US" smtClean="0"/>
-              <a:t>2023/8/30</a:t>
+              <a:t>2023/8/31</a:t>
             </a:fld>
             <a:endParaRPr lang="zh-TW" altLang="en-US"/>
           </a:p>
@@ -2402,7 +2403,7 @@
           <a:p>
             <a:fld id="{B97AF8C7-24A2-4FEB-A16C-6CA5B085B5CD}" type="datetimeFigureOut">
               <a:rPr lang="zh-TW" altLang="en-US" smtClean="0"/>
-              <a:t>2023/8/30</a:t>
+              <a:t>2023/8/31</a:t>
             </a:fld>
             <a:endParaRPr lang="zh-TW" altLang="en-US"/>
           </a:p>
@@ -2690,7 +2691,7 @@
           <a:p>
             <a:fld id="{B97AF8C7-24A2-4FEB-A16C-6CA5B085B5CD}" type="datetimeFigureOut">
               <a:rPr lang="zh-TW" altLang="en-US" smtClean="0"/>
-              <a:t>2023/8/30</a:t>
+              <a:t>2023/8/31</a:t>
             </a:fld>
             <a:endParaRPr lang="zh-TW" altLang="en-US"/>
           </a:p>
@@ -2931,7 +2932,7 @@
           <a:p>
             <a:fld id="{B97AF8C7-24A2-4FEB-A16C-6CA5B085B5CD}" type="datetimeFigureOut">
               <a:rPr lang="zh-TW" altLang="en-US" smtClean="0"/>
-              <a:t>2023/8/30</a:t>
+              <a:t>2023/8/31</a:t>
             </a:fld>
             <a:endParaRPr lang="zh-TW" altLang="en-US"/>
           </a:p>
@@ -3613,6 +3614,1575 @@
           <a:chExt cx="0" cy="0"/>
         </a:xfrm>
       </p:grpSpPr>
+      <p:pic>
+        <p:nvPicPr>
+          <p:cNvPr id="16" name="圖片 15">
+            <a:extLst>
+              <a:ext uri="{FF2B5EF4-FFF2-40B4-BE49-F238E27FC236}">
+                <a16:creationId xmlns:a16="http://schemas.microsoft.com/office/drawing/2014/main" id="{B3CB1531-082B-7287-7C6A-2D498642B3B2}"/>
+              </a:ext>
+            </a:extLst>
+          </p:cNvPr>
+          <p:cNvPicPr>
+            <a:picLocks noChangeAspect="1"/>
+          </p:cNvPicPr>
+          <p:nvPr/>
+        </p:nvPicPr>
+        <p:blipFill>
+          <a:blip r:embed="rId2"/>
+          <a:stretch>
+            <a:fillRect/>
+          </a:stretch>
+        </p:blipFill>
+        <p:spPr>
+          <a:xfrm>
+            <a:off x="5961257" y="3428493"/>
+            <a:ext cx="3349754" cy="923330"/>
+          </a:xfrm>
+          <a:prstGeom prst="rect">
+            <a:avLst/>
+          </a:prstGeom>
+        </p:spPr>
+      </p:pic>
+      <p:sp>
+        <p:nvSpPr>
+          <p:cNvPr id="7" name="Rectangle 9">
+            <a:extLst>
+              <a:ext uri="{FF2B5EF4-FFF2-40B4-BE49-F238E27FC236}">
+                <a16:creationId xmlns:a16="http://schemas.microsoft.com/office/drawing/2014/main" id="{3EE76470-6D9F-769C-F8CF-09B765DB98E8}"/>
+              </a:ext>
+            </a:extLst>
+          </p:cNvPr>
+          <p:cNvSpPr>
+            <a:spLocks noChangeArrowheads="1"/>
+          </p:cNvSpPr>
+          <p:nvPr/>
+        </p:nvSpPr>
+        <p:spPr bwMode="auto">
+          <a:xfrm>
+            <a:off x="262265" y="421178"/>
+            <a:ext cx="3877985" cy="646331"/>
+          </a:xfrm>
+          <a:prstGeom prst="rect">
+            <a:avLst/>
+          </a:prstGeom>
+          <a:noFill/>
+          <a:ln>
+            <a:noFill/>
+          </a:ln>
+          <a:effectLst/>
+          <a:extLst>
+            <a:ext uri="{909E8E84-426E-40DD-AFC4-6F175D3DCCD1}">
+              <a14:hiddenFill xmlns:a14="http://schemas.microsoft.com/office/drawing/2010/main">
+                <a:solidFill>
+                  <a:schemeClr val="accent1"/>
+                </a:solidFill>
+              </a14:hiddenFill>
+            </a:ext>
+            <a:ext uri="{91240B29-F687-4F45-9708-019B960494DF}">
+              <a14:hiddenLine xmlns:a14="http://schemas.microsoft.com/office/drawing/2010/main" w="9525">
+                <a:solidFill>
+                  <a:schemeClr val="tx1"/>
+                </a:solidFill>
+                <a:miter lim="800000"/>
+                <a:headEnd/>
+                <a:tailEnd/>
+              </a14:hiddenLine>
+            </a:ext>
+            <a:ext uri="{AF507438-7753-43E0-B8FC-AC1667EBCBE1}">
+              <a14:hiddenEffects xmlns:a14="http://schemas.microsoft.com/office/drawing/2010/main">
+                <a:effectLst>
+                  <a:outerShdw dist="35921" dir="2700000" algn="ctr" rotWithShape="0">
+                    <a:schemeClr val="bg2"/>
+                  </a:outerShdw>
+                </a:effectLst>
+              </a14:hiddenEffects>
+            </a:ext>
+          </a:extLst>
+        </p:spPr>
+        <p:txBody>
+          <a:bodyPr vert="horz" wrap="none" lIns="91440" tIns="45720" rIns="91440" bIns="45720" numCol="1" anchor="ctr" anchorCtr="0" compatLnSpc="1">
+            <a:prstTxWarp prst="textNoShape">
+              <a:avLst/>
+            </a:prstTxWarp>
+            <a:spAutoFit/>
+          </a:bodyPr>
+          <a:lstStyle>
+            <a:lvl1pPr eaLnBrk="0" fontAlgn="base" hangingPunct="0">
+              <a:spcBef>
+                <a:spcPct val="0"/>
+              </a:spcBef>
+              <a:spcAft>
+                <a:spcPct val="0"/>
+              </a:spcAft>
+              <a:defRPr>
+                <a:solidFill>
+                  <a:schemeClr val="tx1"/>
+                </a:solidFill>
+                <a:latin typeface="Arial" panose="020B0604020202020204" pitchFamily="34" charset="0"/>
+              </a:defRPr>
+            </a:lvl1pPr>
+            <a:lvl2pPr eaLnBrk="0" fontAlgn="base" hangingPunct="0">
+              <a:spcBef>
+                <a:spcPct val="0"/>
+              </a:spcBef>
+              <a:spcAft>
+                <a:spcPct val="0"/>
+              </a:spcAft>
+              <a:defRPr>
+                <a:solidFill>
+                  <a:schemeClr val="tx1"/>
+                </a:solidFill>
+                <a:latin typeface="Arial" panose="020B0604020202020204" pitchFamily="34" charset="0"/>
+              </a:defRPr>
+            </a:lvl2pPr>
+            <a:lvl3pPr eaLnBrk="0" fontAlgn="base" hangingPunct="0">
+              <a:spcBef>
+                <a:spcPct val="0"/>
+              </a:spcBef>
+              <a:spcAft>
+                <a:spcPct val="0"/>
+              </a:spcAft>
+              <a:defRPr>
+                <a:solidFill>
+                  <a:schemeClr val="tx1"/>
+                </a:solidFill>
+                <a:latin typeface="Arial" panose="020B0604020202020204" pitchFamily="34" charset="0"/>
+              </a:defRPr>
+            </a:lvl3pPr>
+            <a:lvl4pPr eaLnBrk="0" fontAlgn="base" hangingPunct="0">
+              <a:spcBef>
+                <a:spcPct val="0"/>
+              </a:spcBef>
+              <a:spcAft>
+                <a:spcPct val="0"/>
+              </a:spcAft>
+              <a:defRPr>
+                <a:solidFill>
+                  <a:schemeClr val="tx1"/>
+                </a:solidFill>
+                <a:latin typeface="Arial" panose="020B0604020202020204" pitchFamily="34" charset="0"/>
+              </a:defRPr>
+            </a:lvl4pPr>
+            <a:lvl5pPr eaLnBrk="0" fontAlgn="base" hangingPunct="0">
+              <a:spcBef>
+                <a:spcPct val="0"/>
+              </a:spcBef>
+              <a:spcAft>
+                <a:spcPct val="0"/>
+              </a:spcAft>
+              <a:defRPr>
+                <a:solidFill>
+                  <a:schemeClr val="tx1"/>
+                </a:solidFill>
+                <a:latin typeface="Arial" panose="020B0604020202020204" pitchFamily="34" charset="0"/>
+              </a:defRPr>
+            </a:lvl5pPr>
+            <a:lvl6pPr eaLnBrk="0" fontAlgn="base" hangingPunct="0">
+              <a:spcBef>
+                <a:spcPct val="0"/>
+              </a:spcBef>
+              <a:spcAft>
+                <a:spcPct val="0"/>
+              </a:spcAft>
+              <a:defRPr>
+                <a:solidFill>
+                  <a:schemeClr val="tx1"/>
+                </a:solidFill>
+                <a:latin typeface="Arial" panose="020B0604020202020204" pitchFamily="34" charset="0"/>
+              </a:defRPr>
+            </a:lvl6pPr>
+            <a:lvl7pPr eaLnBrk="0" fontAlgn="base" hangingPunct="0">
+              <a:spcBef>
+                <a:spcPct val="0"/>
+              </a:spcBef>
+              <a:spcAft>
+                <a:spcPct val="0"/>
+              </a:spcAft>
+              <a:defRPr>
+                <a:solidFill>
+                  <a:schemeClr val="tx1"/>
+                </a:solidFill>
+                <a:latin typeface="Arial" panose="020B0604020202020204" pitchFamily="34" charset="0"/>
+              </a:defRPr>
+            </a:lvl7pPr>
+            <a:lvl8pPr eaLnBrk="0" fontAlgn="base" hangingPunct="0">
+              <a:spcBef>
+                <a:spcPct val="0"/>
+              </a:spcBef>
+              <a:spcAft>
+                <a:spcPct val="0"/>
+              </a:spcAft>
+              <a:defRPr>
+                <a:solidFill>
+                  <a:schemeClr val="tx1"/>
+                </a:solidFill>
+                <a:latin typeface="Arial" panose="020B0604020202020204" pitchFamily="34" charset="0"/>
+              </a:defRPr>
+            </a:lvl8pPr>
+            <a:lvl9pPr eaLnBrk="0" fontAlgn="base" hangingPunct="0">
+              <a:spcBef>
+                <a:spcPct val="0"/>
+              </a:spcBef>
+              <a:spcAft>
+                <a:spcPct val="0"/>
+              </a:spcAft>
+              <a:defRPr>
+                <a:solidFill>
+                  <a:schemeClr val="tx1"/>
+                </a:solidFill>
+                <a:latin typeface="Arial" panose="020B0604020202020204" pitchFamily="34" charset="0"/>
+              </a:defRPr>
+            </a:lvl9pPr>
+          </a:lstStyle>
+          <a:p>
+            <a:pPr marL="0" marR="0" lvl="0" indent="0" algn="l" defTabSz="914400" rtl="0" eaLnBrk="0" fontAlgn="ctr" latinLnBrk="0" hangingPunct="0">
+              <a:lnSpc>
+                <a:spcPct val="100000"/>
+              </a:lnSpc>
+              <a:spcBef>
+                <a:spcPct val="0"/>
+              </a:spcBef>
+              <a:spcAft>
+                <a:spcPct val="0"/>
+              </a:spcAft>
+              <a:buClrTx/>
+              <a:buSzTx/>
+              <a:buFontTx/>
+              <a:buNone/>
+              <a:tabLst/>
+            </a:pPr>
+            <a:r>
+              <a:rPr kumimoji="0" lang="zh-TW" altLang="zh-TW" sz="3600" b="1" i="0" u="none" strike="noStrike" cap="none" normalizeH="0" baseline="0" dirty="0">
+                <a:ln>
+                  <a:noFill/>
+                </a:ln>
+                <a:solidFill>
+                  <a:schemeClr val="tx1"/>
+                </a:solidFill>
+                <a:effectLst/>
+                <a:latin typeface="微軟正黑體" panose="020B0604030504040204" pitchFamily="34" charset="-120"/>
+                <a:ea typeface="微軟正黑體" panose="020B0604030504040204" pitchFamily="34" charset="-120"/>
+                <a:cs typeface="Calibri" panose="020F0502020204030204" pitchFamily="34" charset="0"/>
+              </a:rPr>
+              <a:t>專案須注意的地方</a:t>
+            </a:r>
+            <a:endParaRPr kumimoji="0" lang="zh-TW" altLang="zh-TW" sz="3600" b="0" i="0" u="none" strike="noStrike" cap="none" normalizeH="0" baseline="0" dirty="0">
+              <a:ln>
+                <a:noFill/>
+              </a:ln>
+              <a:solidFill>
+                <a:schemeClr val="tx1"/>
+              </a:solidFill>
+              <a:effectLst/>
+            </a:endParaRPr>
+          </a:p>
+        </p:txBody>
+      </p:sp>
+      <p:sp>
+        <p:nvSpPr>
+          <p:cNvPr id="13" name="文字方塊 12">
+            <a:extLst>
+              <a:ext uri="{FF2B5EF4-FFF2-40B4-BE49-F238E27FC236}">
+                <a16:creationId xmlns:a16="http://schemas.microsoft.com/office/drawing/2014/main" id="{ECA205BF-5DF6-28BF-C222-2EBC66A9E2F5}"/>
+              </a:ext>
+            </a:extLst>
+          </p:cNvPr>
+          <p:cNvSpPr txBox="1"/>
+          <p:nvPr/>
+        </p:nvSpPr>
+        <p:spPr>
+          <a:xfrm>
+            <a:off x="262265" y="1874456"/>
+            <a:ext cx="10141823" cy="923330"/>
+          </a:xfrm>
+          <a:prstGeom prst="rect">
+            <a:avLst/>
+          </a:prstGeom>
+          <a:noFill/>
+        </p:spPr>
+        <p:txBody>
+          <a:bodyPr wrap="square">
+            <a:spAutoFit/>
+          </a:bodyPr>
+          <a:lstStyle/>
+          <a:p>
+            <a:pPr marL="742950" marR="0" lvl="1" indent="-285750" algn="l" defTabSz="914400" rtl="0" eaLnBrk="0" fontAlgn="ctr" latinLnBrk="0" hangingPunct="0">
+              <a:lnSpc>
+                <a:spcPct val="150000"/>
+              </a:lnSpc>
+              <a:spcBef>
+                <a:spcPct val="0"/>
+              </a:spcBef>
+              <a:spcAft>
+                <a:spcPct val="0"/>
+              </a:spcAft>
+              <a:buClrTx/>
+              <a:buSzTx/>
+              <a:buFont typeface="Wingdings" panose="05000000000000000000" pitchFamily="2" charset="2"/>
+              <a:buChar char="p"/>
+              <a:tabLst/>
+            </a:pPr>
+            <a:r>
+              <a:rPr kumimoji="0" lang="zh-TW" altLang="zh-TW" b="0" i="0" u="none" strike="noStrike" cap="none" normalizeH="0" baseline="0" dirty="0">
+                <a:ln>
+                  <a:noFill/>
+                </a:ln>
+                <a:solidFill>
+                  <a:schemeClr val="tx1"/>
+                </a:solidFill>
+                <a:effectLst/>
+                <a:latin typeface="微軟正黑體" panose="020B0604030504040204" pitchFamily="34" charset="-120"/>
+                <a:ea typeface="微軟正黑體" panose="020B0604030504040204" pitchFamily="34" charset="-120"/>
+                <a:cs typeface="Calibri" panose="020F0502020204030204" pitchFamily="34" charset="0"/>
+              </a:rPr>
+              <a:t>上傳檔案會有檔案大小的限制，不然會出現 </a:t>
+            </a:r>
+            <a:r>
+              <a:rPr kumimoji="0" lang="zh-TW" altLang="en-US" b="0" i="0" u="none" strike="noStrike" cap="none" normalizeH="0" baseline="0" dirty="0">
+                <a:ln>
+                  <a:noFill/>
+                </a:ln>
+                <a:solidFill>
+                  <a:schemeClr val="tx1"/>
+                </a:solidFill>
+                <a:effectLst/>
+                <a:latin typeface="Calibri" panose="020F0502020204030204" pitchFamily="34" charset="0"/>
+                <a:ea typeface="微軟正黑體" panose="020B0604030504040204" pitchFamily="34" charset="-120"/>
+                <a:cs typeface="Calibri" panose="020F0502020204030204" pitchFamily="34" charset="0"/>
+              </a:rPr>
+              <a:t>“</a:t>
+            </a:r>
+            <a:r>
+              <a:rPr kumimoji="0" lang="zh-TW" altLang="en-US" b="0" i="0" u="none" strike="noStrike" cap="none" normalizeH="0" baseline="0" dirty="0">
+                <a:ln>
+                  <a:noFill/>
+                </a:ln>
+                <a:solidFill>
+                  <a:schemeClr val="tx1"/>
+                </a:solidFill>
+                <a:effectLst/>
+                <a:latin typeface="微軟正黑體" panose="020B0604030504040204" pitchFamily="34" charset="-120"/>
+                <a:ea typeface="微軟正黑體" panose="020B0604030504040204" pitchFamily="34" charset="-120"/>
+                <a:cs typeface="Calibri" panose="020F0502020204030204" pitchFamily="34" charset="0"/>
+              </a:rPr>
+              <a:t>檔案超過限制的</a:t>
+            </a:r>
+            <a:r>
+              <a:rPr kumimoji="0" lang="zh-TW" altLang="en-US" b="0" i="0" u="none" strike="noStrike" cap="none" normalizeH="0" baseline="0" dirty="0">
+                <a:ln>
+                  <a:noFill/>
+                </a:ln>
+                <a:solidFill>
+                  <a:schemeClr val="tx1"/>
+                </a:solidFill>
+                <a:effectLst/>
+                <a:latin typeface="Calibri" panose="020F0502020204030204" pitchFamily="34" charset="0"/>
+                <a:ea typeface="微軟正黑體" panose="020B0604030504040204" pitchFamily="34" charset="-120"/>
+                <a:cs typeface="Calibri" panose="020F0502020204030204" pitchFamily="34" charset="0"/>
+              </a:rPr>
+              <a:t>”</a:t>
+            </a:r>
+            <a:r>
+              <a:rPr kumimoji="0" lang="zh-TW" altLang="en-US" b="0" i="0" u="none" strike="noStrike" cap="none" normalizeH="0" baseline="0" dirty="0">
+                <a:ln>
+                  <a:noFill/>
+                </a:ln>
+                <a:solidFill>
+                  <a:schemeClr val="tx1"/>
+                </a:solidFill>
+                <a:effectLst/>
+                <a:latin typeface="微軟正黑體" panose="020B0604030504040204" pitchFamily="34" charset="-120"/>
+                <a:ea typeface="微軟正黑體" panose="020B0604030504040204" pitchFamily="34" charset="-120"/>
+                <a:cs typeface="Calibri" panose="020F0502020204030204" pitchFamily="34" charset="0"/>
+              </a:rPr>
+              <a:t>的問題</a:t>
+            </a:r>
+            <a:r>
+              <a:rPr lang="zh-TW" altLang="en-US" dirty="0"/>
+              <a:t>，</a:t>
+            </a:r>
+            <a:r>
+              <a:rPr kumimoji="0" lang="zh-TW" altLang="en-US" b="0" i="0" u="none" strike="noStrike" cap="none" normalizeH="0" baseline="0" dirty="0">
+                <a:ln>
+                  <a:noFill/>
+                </a:ln>
+                <a:solidFill>
+                  <a:schemeClr val="tx1"/>
+                </a:solidFill>
+                <a:effectLst/>
+                <a:latin typeface="微軟正黑體" panose="020B0604030504040204" pitchFamily="34" charset="-120"/>
+                <a:ea typeface="微軟正黑體" panose="020B0604030504040204" pitchFamily="34" charset="-120"/>
+                <a:cs typeface="Calibri" panose="020F0502020204030204" pitchFamily="34" charset="0"/>
+              </a:rPr>
+              <a:t>因此需要加入設定</a:t>
+            </a:r>
+          </a:p>
+          <a:p>
+            <a:pPr lvl="2" eaLnBrk="0" fontAlgn="ctr" hangingPunct="0">
+              <a:lnSpc>
+                <a:spcPct val="150000"/>
+              </a:lnSpc>
+              <a:spcBef>
+                <a:spcPct val="0"/>
+              </a:spcBef>
+              <a:spcAft>
+                <a:spcPct val="0"/>
+              </a:spcAft>
+            </a:pPr>
+            <a:r>
+              <a:rPr lang="en-US" altLang="zh-TW" dirty="0">
+                <a:latin typeface="微軟正黑體" panose="020B0604030504040204" pitchFamily="34" charset="-120"/>
+                <a:ea typeface="微軟正黑體" panose="020B0604030504040204" pitchFamily="34" charset="-120"/>
+                <a:cs typeface="Calibri" panose="020F0502020204030204" pitchFamily="34" charset="0"/>
+              </a:rPr>
+              <a:t>3</a:t>
+            </a:r>
+            <a:r>
+              <a:rPr kumimoji="0" lang="en-US" altLang="zh-TW" b="0" i="0" u="none" strike="noStrike" cap="none" normalizeH="0" baseline="0" dirty="0">
+                <a:ln>
+                  <a:noFill/>
+                </a:ln>
+                <a:effectLst/>
+                <a:latin typeface="微軟正黑體" panose="020B0604030504040204" pitchFamily="34" charset="-120"/>
+                <a:ea typeface="微軟正黑體" panose="020B0604030504040204" pitchFamily="34" charset="-120"/>
+                <a:cs typeface="Calibri" panose="020F0502020204030204" pitchFamily="34" charset="0"/>
+              </a:rPr>
+              <a:t>.</a:t>
+            </a:r>
+            <a:r>
+              <a:rPr kumimoji="0" lang="zh-TW" altLang="en-US" b="0" i="0" u="none" strike="noStrike" cap="none" normalizeH="0" baseline="0" dirty="0">
+                <a:ln>
+                  <a:noFill/>
+                </a:ln>
+                <a:effectLst/>
+                <a:latin typeface="微軟正黑體" panose="020B0604030504040204" pitchFamily="34" charset="-120"/>
+                <a:ea typeface="微軟正黑體" panose="020B0604030504040204" pitchFamily="34" charset="-120"/>
+                <a:cs typeface="Calibri" panose="020F0502020204030204" pitchFamily="34" charset="0"/>
+              </a:rPr>
+              <a:t>  </a:t>
+            </a:r>
+            <a:r>
+              <a:rPr kumimoji="0" lang="en-US" altLang="zh-TW" b="0" i="0" u="none" strike="noStrike" cap="none" normalizeH="0" baseline="0" dirty="0">
+                <a:ln>
+                  <a:noFill/>
+                </a:ln>
+                <a:effectLst/>
+                <a:latin typeface="微軟正黑體" panose="020B0604030504040204" pitchFamily="34" charset="-120"/>
+                <a:ea typeface="微軟正黑體" panose="020B0604030504040204" pitchFamily="34" charset="-120"/>
+                <a:cs typeface="Calibri" panose="020F0502020204030204" pitchFamily="34" charset="0"/>
+              </a:rPr>
+              <a:t>IIS</a:t>
+            </a:r>
+            <a:endParaRPr kumimoji="0" lang="en-US" altLang="zh-TW" b="0" i="0" strike="noStrike" cap="none" normalizeH="0" baseline="0" dirty="0">
+              <a:ln>
+                <a:noFill/>
+              </a:ln>
+              <a:effectLst/>
+            </a:endParaRPr>
+          </a:p>
+        </p:txBody>
+      </p:sp>
+      <p:sp>
+        <p:nvSpPr>
+          <p:cNvPr id="17" name="文字方塊 16">
+            <a:extLst>
+              <a:ext uri="{FF2B5EF4-FFF2-40B4-BE49-F238E27FC236}">
+                <a16:creationId xmlns:a16="http://schemas.microsoft.com/office/drawing/2014/main" id="{36BA7CDE-2253-44F6-1CDE-A95D2073EF28}"/>
+              </a:ext>
+            </a:extLst>
+          </p:cNvPr>
+          <p:cNvSpPr txBox="1"/>
+          <p:nvPr/>
+        </p:nvSpPr>
+        <p:spPr>
+          <a:xfrm>
+            <a:off x="0" y="1237058"/>
+            <a:ext cx="6094140" cy="369332"/>
+          </a:xfrm>
+          <a:prstGeom prst="rect">
+            <a:avLst/>
+          </a:prstGeom>
+          <a:noFill/>
+        </p:spPr>
+        <p:txBody>
+          <a:bodyPr wrap="square">
+            <a:spAutoFit/>
+          </a:bodyPr>
+          <a:lstStyle/>
+          <a:p>
+            <a:pPr marL="457200" marR="0" lvl="1" indent="0" algn="l" defTabSz="914400" rtl="0" eaLnBrk="0" fontAlgn="ctr" latinLnBrk="0" hangingPunct="0">
+              <a:lnSpc>
+                <a:spcPct val="100000"/>
+              </a:lnSpc>
+              <a:spcBef>
+                <a:spcPct val="0"/>
+              </a:spcBef>
+              <a:spcAft>
+                <a:spcPct val="0"/>
+              </a:spcAft>
+              <a:buClrTx/>
+              <a:buSzTx/>
+              <a:buFont typeface="Symbol" panose="05050102010706020507" pitchFamily="18" charset="2"/>
+              <a:buChar char=""/>
+              <a:tabLst/>
+            </a:pPr>
+            <a:r>
+              <a:rPr kumimoji="0" lang="zh-TW" altLang="zh-TW" b="1" i="0" u="none" strike="noStrike" cap="none" normalizeH="0" baseline="0" dirty="0">
+                <a:ln>
+                  <a:noFill/>
+                </a:ln>
+                <a:solidFill>
+                  <a:schemeClr val="tx1"/>
+                </a:solidFill>
+                <a:effectLst/>
+                <a:latin typeface="微軟正黑體" panose="020B0604030504040204" pitchFamily="34" charset="-120"/>
+                <a:ea typeface="微軟正黑體" panose="020B0604030504040204" pitchFamily="34" charset="-120"/>
+                <a:cs typeface="Calibri" panose="020F0502020204030204" pitchFamily="34" charset="0"/>
+              </a:rPr>
+              <a:t>上傳檔案</a:t>
+            </a:r>
+            <a:endParaRPr kumimoji="0" lang="zh-TW" altLang="zh-TW" b="0" i="0" u="none" strike="noStrike" cap="none" normalizeH="0" baseline="0" dirty="0">
+              <a:ln>
+                <a:noFill/>
+              </a:ln>
+              <a:solidFill>
+                <a:schemeClr val="tx1"/>
+              </a:solidFill>
+              <a:effectLst/>
+            </a:endParaRPr>
+          </a:p>
+        </p:txBody>
+      </p:sp>
+      <p:sp>
+        <p:nvSpPr>
+          <p:cNvPr id="4" name="矩形 3">
+            <a:extLst>
+              <a:ext uri="{FF2B5EF4-FFF2-40B4-BE49-F238E27FC236}">
+                <a16:creationId xmlns:a16="http://schemas.microsoft.com/office/drawing/2014/main" id="{6C66B68D-BC5D-780E-900C-1500C2DCD326}"/>
+              </a:ext>
+            </a:extLst>
+          </p:cNvPr>
+          <p:cNvSpPr/>
+          <p:nvPr/>
+        </p:nvSpPr>
+        <p:spPr>
+          <a:xfrm>
+            <a:off x="6094139" y="3952874"/>
+            <a:ext cx="3216871" cy="398949"/>
+          </a:xfrm>
+          <a:prstGeom prst="rect">
+            <a:avLst/>
+          </a:prstGeom>
+          <a:noFill/>
+          <a:ln w="57150">
+            <a:solidFill>
+              <a:srgbClr val="C00000"/>
+            </a:solidFill>
+          </a:ln>
+        </p:spPr>
+        <p:style>
+          <a:lnRef idx="2">
+            <a:schemeClr val="accent1">
+              <a:shade val="15000"/>
+            </a:schemeClr>
+          </a:lnRef>
+          <a:fillRef idx="1">
+            <a:schemeClr val="accent1"/>
+          </a:fillRef>
+          <a:effectRef idx="0">
+            <a:schemeClr val="accent1"/>
+          </a:effectRef>
+          <a:fontRef idx="minor">
+            <a:schemeClr val="lt1"/>
+          </a:fontRef>
+        </p:style>
+        <p:txBody>
+          <a:bodyPr rtlCol="0" anchor="ctr"/>
+          <a:lstStyle/>
+          <a:p>
+            <a:pPr algn="ctr"/>
+            <a:endParaRPr lang="zh-TW" altLang="en-US"/>
+          </a:p>
+        </p:txBody>
+      </p:sp>
+      <p:pic>
+        <p:nvPicPr>
+          <p:cNvPr id="5" name="圖片 4">
+            <a:extLst>
+              <a:ext uri="{FF2B5EF4-FFF2-40B4-BE49-F238E27FC236}">
+                <a16:creationId xmlns:a16="http://schemas.microsoft.com/office/drawing/2014/main" id="{44475ABD-120B-21D9-59CD-F82EE5BE7030}"/>
+              </a:ext>
+            </a:extLst>
+          </p:cNvPr>
+          <p:cNvPicPr>
+            <a:picLocks noChangeAspect="1"/>
+          </p:cNvPicPr>
+          <p:nvPr/>
+        </p:nvPicPr>
+        <p:blipFill rotWithShape="1">
+          <a:blip r:embed="rId3"/>
+          <a:srcRect r="41866" b="92196"/>
+          <a:stretch/>
+        </p:blipFill>
+        <p:spPr>
+          <a:xfrm>
+            <a:off x="388510" y="3617486"/>
+            <a:ext cx="2745215" cy="687263"/>
+          </a:xfrm>
+          <a:prstGeom prst="rect">
+            <a:avLst/>
+          </a:prstGeom>
+        </p:spPr>
+      </p:pic>
+      <p:pic>
+        <p:nvPicPr>
+          <p:cNvPr id="8" name="圖片 7">
+            <a:extLst>
+              <a:ext uri="{FF2B5EF4-FFF2-40B4-BE49-F238E27FC236}">
+                <a16:creationId xmlns:a16="http://schemas.microsoft.com/office/drawing/2014/main" id="{44F43B05-14AE-39CA-A08A-D6533659664E}"/>
+              </a:ext>
+            </a:extLst>
+          </p:cNvPr>
+          <p:cNvPicPr>
+            <a:picLocks noChangeAspect="1"/>
+          </p:cNvPicPr>
+          <p:nvPr/>
+        </p:nvPicPr>
+        <p:blipFill rotWithShape="1">
+          <a:blip r:embed="rId3"/>
+          <a:srcRect l="64870" t="82144" r="1"/>
+          <a:stretch/>
+        </p:blipFill>
+        <p:spPr>
+          <a:xfrm>
+            <a:off x="3858554" y="3377154"/>
+            <a:ext cx="1275886" cy="1209425"/>
+          </a:xfrm>
+          <a:prstGeom prst="rect">
+            <a:avLst/>
+          </a:prstGeom>
+        </p:spPr>
+      </p:pic>
+      <p:sp>
+        <p:nvSpPr>
+          <p:cNvPr id="9" name="文字方塊 8">
+            <a:extLst>
+              <a:ext uri="{FF2B5EF4-FFF2-40B4-BE49-F238E27FC236}">
+                <a16:creationId xmlns:a16="http://schemas.microsoft.com/office/drawing/2014/main" id="{55A8EB91-9395-97C7-8AFE-248FD9EE3584}"/>
+              </a:ext>
+            </a:extLst>
+          </p:cNvPr>
+          <p:cNvSpPr txBox="1"/>
+          <p:nvPr/>
+        </p:nvSpPr>
+        <p:spPr>
+          <a:xfrm>
+            <a:off x="-118735" y="3015702"/>
+            <a:ext cx="1752600" cy="507831"/>
+          </a:xfrm>
+          <a:prstGeom prst="rect">
+            <a:avLst/>
+          </a:prstGeom>
+          <a:noFill/>
+        </p:spPr>
+        <p:txBody>
+          <a:bodyPr wrap="square">
+            <a:spAutoFit/>
+          </a:bodyPr>
+          <a:lstStyle/>
+          <a:p>
+            <a:pPr marR="0" lvl="1" algn="l" defTabSz="914400" rtl="0" eaLnBrk="0" fontAlgn="ctr" latinLnBrk="0" hangingPunct="0">
+              <a:lnSpc>
+                <a:spcPct val="150000"/>
+              </a:lnSpc>
+              <a:spcBef>
+                <a:spcPct val="0"/>
+              </a:spcBef>
+              <a:spcAft>
+                <a:spcPct val="0"/>
+              </a:spcAft>
+              <a:buClrTx/>
+              <a:buSzTx/>
+              <a:tabLst/>
+            </a:pPr>
+            <a:r>
+              <a:rPr kumimoji="0" lang="en-US" altLang="zh-TW" b="0" i="0" strike="noStrike" cap="none" normalizeH="0" baseline="0" dirty="0">
+                <a:ln>
+                  <a:noFill/>
+                </a:ln>
+                <a:solidFill>
+                  <a:schemeClr val="tx1"/>
+                </a:solidFill>
+                <a:effectLst/>
+              </a:rPr>
+              <a:t>Step1.</a:t>
+            </a:r>
+          </a:p>
+        </p:txBody>
+      </p:sp>
+      <p:sp>
+        <p:nvSpPr>
+          <p:cNvPr id="11" name="箭號: 向右 10">
+            <a:extLst>
+              <a:ext uri="{FF2B5EF4-FFF2-40B4-BE49-F238E27FC236}">
+                <a16:creationId xmlns:a16="http://schemas.microsoft.com/office/drawing/2014/main" id="{3E92366D-1CD7-9669-F982-7A2A01CD0315}"/>
+              </a:ext>
+            </a:extLst>
+          </p:cNvPr>
+          <p:cNvSpPr/>
+          <p:nvPr/>
+        </p:nvSpPr>
+        <p:spPr>
+          <a:xfrm>
+            <a:off x="3047070" y="3794617"/>
+            <a:ext cx="762930" cy="371475"/>
+          </a:xfrm>
+          <a:prstGeom prst="rightArrow">
+            <a:avLst/>
+          </a:prstGeom>
+        </p:spPr>
+        <p:style>
+          <a:lnRef idx="2">
+            <a:schemeClr val="accent1">
+              <a:shade val="15000"/>
+            </a:schemeClr>
+          </a:lnRef>
+          <a:fillRef idx="1">
+            <a:schemeClr val="accent1"/>
+          </a:fillRef>
+          <a:effectRef idx="0">
+            <a:schemeClr val="accent1"/>
+          </a:effectRef>
+          <a:fontRef idx="minor">
+            <a:schemeClr val="lt1"/>
+          </a:fontRef>
+        </p:style>
+        <p:txBody>
+          <a:bodyPr rtlCol="0" anchor="ctr"/>
+          <a:lstStyle/>
+          <a:p>
+            <a:pPr algn="ctr"/>
+            <a:endParaRPr lang="zh-TW" altLang="en-US"/>
+          </a:p>
+        </p:txBody>
+      </p:sp>
+      <p:sp>
+        <p:nvSpPr>
+          <p:cNvPr id="12" name="文字方塊 11">
+            <a:extLst>
+              <a:ext uri="{FF2B5EF4-FFF2-40B4-BE49-F238E27FC236}">
+                <a16:creationId xmlns:a16="http://schemas.microsoft.com/office/drawing/2014/main" id="{235C056C-CFD9-593B-4D5A-AFBD0ADA043B}"/>
+              </a:ext>
+            </a:extLst>
+          </p:cNvPr>
+          <p:cNvSpPr txBox="1"/>
+          <p:nvPr/>
+        </p:nvSpPr>
+        <p:spPr>
+          <a:xfrm>
+            <a:off x="3428535" y="2904400"/>
+            <a:ext cx="1752600" cy="507831"/>
+          </a:xfrm>
+          <a:prstGeom prst="rect">
+            <a:avLst/>
+          </a:prstGeom>
+          <a:noFill/>
+        </p:spPr>
+        <p:txBody>
+          <a:bodyPr wrap="square">
+            <a:spAutoFit/>
+          </a:bodyPr>
+          <a:lstStyle/>
+          <a:p>
+            <a:pPr marR="0" lvl="1" algn="l" defTabSz="914400" rtl="0" eaLnBrk="0" fontAlgn="ctr" latinLnBrk="0" hangingPunct="0">
+              <a:lnSpc>
+                <a:spcPct val="150000"/>
+              </a:lnSpc>
+              <a:spcBef>
+                <a:spcPct val="0"/>
+              </a:spcBef>
+              <a:spcAft>
+                <a:spcPct val="0"/>
+              </a:spcAft>
+              <a:buClrTx/>
+              <a:buSzTx/>
+              <a:tabLst/>
+            </a:pPr>
+            <a:r>
+              <a:rPr kumimoji="0" lang="en-US" altLang="zh-TW" b="0" i="0" strike="noStrike" cap="none" normalizeH="0" baseline="0" dirty="0">
+                <a:ln>
+                  <a:noFill/>
+                </a:ln>
+                <a:solidFill>
+                  <a:schemeClr val="tx1"/>
+                </a:solidFill>
+                <a:effectLst/>
+              </a:rPr>
+              <a:t>Step2.</a:t>
+            </a:r>
+          </a:p>
+        </p:txBody>
+      </p:sp>
+      <p:sp>
+        <p:nvSpPr>
+          <p:cNvPr id="14" name="箭號: 向右 13">
+            <a:extLst>
+              <a:ext uri="{FF2B5EF4-FFF2-40B4-BE49-F238E27FC236}">
+                <a16:creationId xmlns:a16="http://schemas.microsoft.com/office/drawing/2014/main" id="{6CE1C2CC-679E-460E-66E1-E4151063421D}"/>
+              </a:ext>
+            </a:extLst>
+          </p:cNvPr>
+          <p:cNvSpPr/>
+          <p:nvPr/>
+        </p:nvSpPr>
+        <p:spPr>
+          <a:xfrm>
+            <a:off x="5182994" y="3798284"/>
+            <a:ext cx="762930" cy="371475"/>
+          </a:xfrm>
+          <a:prstGeom prst="rightArrow">
+            <a:avLst/>
+          </a:prstGeom>
+        </p:spPr>
+        <p:style>
+          <a:lnRef idx="2">
+            <a:schemeClr val="accent1">
+              <a:shade val="15000"/>
+            </a:schemeClr>
+          </a:lnRef>
+          <a:fillRef idx="1">
+            <a:schemeClr val="accent1"/>
+          </a:fillRef>
+          <a:effectRef idx="0">
+            <a:schemeClr val="accent1"/>
+          </a:effectRef>
+          <a:fontRef idx="minor">
+            <a:schemeClr val="lt1"/>
+          </a:fontRef>
+        </p:style>
+        <p:txBody>
+          <a:bodyPr rtlCol="0" anchor="ctr"/>
+          <a:lstStyle/>
+          <a:p>
+            <a:pPr algn="ctr"/>
+            <a:endParaRPr lang="zh-TW" altLang="en-US"/>
+          </a:p>
+        </p:txBody>
+      </p:sp>
+      <p:sp>
+        <p:nvSpPr>
+          <p:cNvPr id="18" name="文字方塊 17">
+            <a:extLst>
+              <a:ext uri="{FF2B5EF4-FFF2-40B4-BE49-F238E27FC236}">
+                <a16:creationId xmlns:a16="http://schemas.microsoft.com/office/drawing/2014/main" id="{9AA9A5D1-A5BE-383A-1579-B5119960F72A}"/>
+              </a:ext>
+            </a:extLst>
+          </p:cNvPr>
+          <p:cNvSpPr txBox="1"/>
+          <p:nvPr/>
+        </p:nvSpPr>
+        <p:spPr>
+          <a:xfrm>
+            <a:off x="5611153" y="3010297"/>
+            <a:ext cx="3066121" cy="507831"/>
+          </a:xfrm>
+          <a:prstGeom prst="rect">
+            <a:avLst/>
+          </a:prstGeom>
+          <a:noFill/>
+        </p:spPr>
+        <p:txBody>
+          <a:bodyPr wrap="square">
+            <a:spAutoFit/>
+          </a:bodyPr>
+          <a:lstStyle/>
+          <a:p>
+            <a:pPr marR="0" lvl="1" algn="l" defTabSz="914400" rtl="0" eaLnBrk="0" fontAlgn="ctr" latinLnBrk="0" hangingPunct="0">
+              <a:lnSpc>
+                <a:spcPct val="150000"/>
+              </a:lnSpc>
+              <a:spcBef>
+                <a:spcPct val="0"/>
+              </a:spcBef>
+              <a:spcAft>
+                <a:spcPct val="0"/>
+              </a:spcAft>
+              <a:buClrTx/>
+              <a:buSzTx/>
+              <a:tabLst/>
+            </a:pPr>
+            <a:r>
+              <a:rPr kumimoji="0" lang="en-US" altLang="zh-TW" b="0" i="0" strike="noStrike" cap="none" normalizeH="0" baseline="0" dirty="0">
+                <a:ln>
+                  <a:noFill/>
+                </a:ln>
+                <a:solidFill>
+                  <a:schemeClr val="tx1"/>
+                </a:solidFill>
+                <a:effectLst/>
+              </a:rPr>
+              <a:t>Step3.</a:t>
+            </a:r>
+            <a:r>
+              <a:rPr kumimoji="0" lang="zh-TW" altLang="en-US" b="0" i="0" strike="noStrike" cap="none" normalizeH="0" baseline="0" dirty="0">
+                <a:ln>
+                  <a:noFill/>
+                </a:ln>
+                <a:solidFill>
+                  <a:schemeClr val="tx1"/>
+                </a:solidFill>
+                <a:effectLst/>
+              </a:rPr>
+              <a:t> 下拉選單</a:t>
+            </a:r>
+            <a:endParaRPr kumimoji="0" lang="en-US" altLang="zh-TW" b="0" i="0" strike="noStrike" cap="none" normalizeH="0" baseline="0" dirty="0">
+              <a:ln>
+                <a:noFill/>
+              </a:ln>
+              <a:solidFill>
+                <a:schemeClr val="tx1"/>
+              </a:solidFill>
+              <a:effectLst/>
+            </a:endParaRPr>
+          </a:p>
+        </p:txBody>
+      </p:sp>
+      <p:sp>
+        <p:nvSpPr>
+          <p:cNvPr id="19" name="文字方塊 18">
+            <a:extLst>
+              <a:ext uri="{FF2B5EF4-FFF2-40B4-BE49-F238E27FC236}">
+                <a16:creationId xmlns:a16="http://schemas.microsoft.com/office/drawing/2014/main" id="{861D2051-61D0-ACCD-7DD0-3ACA5A1D27E5}"/>
+              </a:ext>
+            </a:extLst>
+          </p:cNvPr>
+          <p:cNvSpPr txBox="1"/>
+          <p:nvPr/>
+        </p:nvSpPr>
+        <p:spPr>
+          <a:xfrm>
+            <a:off x="5523141" y="5676574"/>
+            <a:ext cx="4225985" cy="923330"/>
+          </a:xfrm>
+          <a:prstGeom prst="rect">
+            <a:avLst/>
+          </a:prstGeom>
+          <a:noFill/>
+        </p:spPr>
+        <p:txBody>
+          <a:bodyPr wrap="square">
+            <a:spAutoFit/>
+          </a:bodyPr>
+          <a:lstStyle/>
+          <a:p>
+            <a:pPr marR="0" lvl="1" algn="l" defTabSz="914400" rtl="0" eaLnBrk="0" fontAlgn="ctr" latinLnBrk="0" hangingPunct="0">
+              <a:lnSpc>
+                <a:spcPct val="150000"/>
+              </a:lnSpc>
+              <a:spcBef>
+                <a:spcPct val="0"/>
+              </a:spcBef>
+              <a:spcAft>
+                <a:spcPct val="0"/>
+              </a:spcAft>
+              <a:buClrTx/>
+              <a:buSzTx/>
+              <a:tabLst/>
+            </a:pPr>
+            <a:r>
+              <a:rPr kumimoji="0" lang="en-US" altLang="zh-TW" b="0" i="0" strike="noStrike" cap="none" normalizeH="0" baseline="0" dirty="0">
+                <a:ln>
+                  <a:noFill/>
+                </a:ln>
+                <a:solidFill>
+                  <a:schemeClr val="tx1"/>
+                </a:solidFill>
+                <a:effectLst/>
+              </a:rPr>
+              <a:t>Step4.</a:t>
+            </a:r>
+            <a:r>
+              <a:rPr kumimoji="0" lang="zh-TW" altLang="en-US" b="0" i="0" strike="noStrike" cap="none" normalizeH="0" baseline="0" dirty="0">
+                <a:ln>
+                  <a:noFill/>
+                </a:ln>
+                <a:solidFill>
+                  <a:schemeClr val="tx1"/>
+                </a:solidFill>
+                <a:effectLst/>
+              </a:rPr>
+              <a:t> </a:t>
+            </a:r>
+            <a:r>
+              <a:rPr lang="zh-TW" altLang="en-US" dirty="0"/>
+              <a:t>點選 </a:t>
+            </a:r>
+            <a:r>
+              <a:rPr lang="en-US" altLang="zh-TW" dirty="0" err="1"/>
+              <a:t>system.webServer</a:t>
+            </a:r>
+            <a:r>
+              <a:rPr lang="zh-TW" altLang="en-US" dirty="0"/>
+              <a:t>資料夾</a:t>
+            </a:r>
+            <a:r>
+              <a:rPr lang="en-US" altLang="zh-TW" dirty="0">
+                <a:sym typeface="Wingdings" panose="05000000000000000000" pitchFamily="2" charset="2"/>
+              </a:rPr>
+              <a:t> </a:t>
+            </a:r>
+            <a:r>
+              <a:rPr lang="zh-TW" altLang="en-US" dirty="0">
+                <a:sym typeface="Wingdings" panose="05000000000000000000" pitchFamily="2" charset="2"/>
+              </a:rPr>
+              <a:t>打開 </a:t>
+            </a:r>
+            <a:r>
+              <a:rPr lang="en-US" altLang="zh-TW" dirty="0" err="1">
+                <a:sym typeface="Wingdings" panose="05000000000000000000" pitchFamily="2" charset="2"/>
+              </a:rPr>
+              <a:t>serverRuntime</a:t>
+            </a:r>
+            <a:endParaRPr kumimoji="0" lang="en-US" altLang="zh-TW" b="0" i="0" strike="noStrike" cap="none" normalizeH="0" baseline="0" dirty="0">
+              <a:ln>
+                <a:noFill/>
+              </a:ln>
+              <a:solidFill>
+                <a:schemeClr val="tx1"/>
+              </a:solidFill>
+              <a:effectLst/>
+            </a:endParaRPr>
+          </a:p>
+        </p:txBody>
+      </p:sp>
+      <p:pic>
+        <p:nvPicPr>
+          <p:cNvPr id="21" name="圖片 20">
+            <a:extLst>
+              <a:ext uri="{FF2B5EF4-FFF2-40B4-BE49-F238E27FC236}">
+                <a16:creationId xmlns:a16="http://schemas.microsoft.com/office/drawing/2014/main" id="{703C1346-8B99-9327-14B7-665AE4DFC935}"/>
+              </a:ext>
+            </a:extLst>
+          </p:cNvPr>
+          <p:cNvPicPr>
+            <a:picLocks noChangeAspect="1"/>
+          </p:cNvPicPr>
+          <p:nvPr/>
+        </p:nvPicPr>
+        <p:blipFill>
+          <a:blip r:embed="rId4"/>
+          <a:stretch>
+            <a:fillRect/>
+          </a:stretch>
+        </p:blipFill>
+        <p:spPr>
+          <a:xfrm>
+            <a:off x="9844616" y="3065852"/>
+            <a:ext cx="1676545" cy="3635055"/>
+          </a:xfrm>
+          <a:prstGeom prst="rect">
+            <a:avLst/>
+          </a:prstGeom>
+        </p:spPr>
+      </p:pic>
+      <p:sp>
+        <p:nvSpPr>
+          <p:cNvPr id="22" name="矩形 21">
+            <a:extLst>
+              <a:ext uri="{FF2B5EF4-FFF2-40B4-BE49-F238E27FC236}">
+                <a16:creationId xmlns:a16="http://schemas.microsoft.com/office/drawing/2014/main" id="{F8E33D9F-CA9E-9C19-CB63-2C917A1A6C13}"/>
+              </a:ext>
+            </a:extLst>
+          </p:cNvPr>
+          <p:cNvSpPr/>
+          <p:nvPr/>
+        </p:nvSpPr>
+        <p:spPr>
+          <a:xfrm>
+            <a:off x="9844616" y="3016541"/>
+            <a:ext cx="1509184" cy="279109"/>
+          </a:xfrm>
+          <a:prstGeom prst="rect">
+            <a:avLst/>
+          </a:prstGeom>
+          <a:noFill/>
+          <a:ln w="57150">
+            <a:solidFill>
+              <a:srgbClr val="C00000"/>
+            </a:solidFill>
+          </a:ln>
+        </p:spPr>
+        <p:style>
+          <a:lnRef idx="2">
+            <a:schemeClr val="accent1">
+              <a:shade val="15000"/>
+            </a:schemeClr>
+          </a:lnRef>
+          <a:fillRef idx="1">
+            <a:schemeClr val="accent1"/>
+          </a:fillRef>
+          <a:effectRef idx="0">
+            <a:schemeClr val="accent1"/>
+          </a:effectRef>
+          <a:fontRef idx="minor">
+            <a:schemeClr val="lt1"/>
+          </a:fontRef>
+        </p:style>
+        <p:txBody>
+          <a:bodyPr rtlCol="0" anchor="ctr"/>
+          <a:lstStyle/>
+          <a:p>
+            <a:pPr algn="ctr"/>
+            <a:endParaRPr lang="zh-TW" altLang="en-US"/>
+          </a:p>
+        </p:txBody>
+      </p:sp>
+      <p:sp>
+        <p:nvSpPr>
+          <p:cNvPr id="24" name="矩形 23">
+            <a:extLst>
+              <a:ext uri="{FF2B5EF4-FFF2-40B4-BE49-F238E27FC236}">
+                <a16:creationId xmlns:a16="http://schemas.microsoft.com/office/drawing/2014/main" id="{5558EB84-705B-E2C3-AE34-16C6710EA165}"/>
+              </a:ext>
+            </a:extLst>
+          </p:cNvPr>
+          <p:cNvSpPr/>
+          <p:nvPr/>
+        </p:nvSpPr>
+        <p:spPr>
+          <a:xfrm>
+            <a:off x="10120841" y="6442027"/>
+            <a:ext cx="1509184" cy="279109"/>
+          </a:xfrm>
+          <a:prstGeom prst="rect">
+            <a:avLst/>
+          </a:prstGeom>
+          <a:noFill/>
+          <a:ln w="57150">
+            <a:solidFill>
+              <a:srgbClr val="C00000"/>
+            </a:solidFill>
+          </a:ln>
+        </p:spPr>
+        <p:style>
+          <a:lnRef idx="2">
+            <a:schemeClr val="accent1">
+              <a:shade val="15000"/>
+            </a:schemeClr>
+          </a:lnRef>
+          <a:fillRef idx="1">
+            <a:schemeClr val="accent1"/>
+          </a:fillRef>
+          <a:effectRef idx="0">
+            <a:schemeClr val="accent1"/>
+          </a:effectRef>
+          <a:fontRef idx="minor">
+            <a:schemeClr val="lt1"/>
+          </a:fontRef>
+        </p:style>
+        <p:txBody>
+          <a:bodyPr rtlCol="0" anchor="ctr"/>
+          <a:lstStyle/>
+          <a:p>
+            <a:pPr algn="ctr"/>
+            <a:endParaRPr lang="zh-TW" altLang="en-US"/>
+          </a:p>
+        </p:txBody>
+      </p:sp>
+      <p:pic>
+        <p:nvPicPr>
+          <p:cNvPr id="26" name="圖片 25">
+            <a:extLst>
+              <a:ext uri="{FF2B5EF4-FFF2-40B4-BE49-F238E27FC236}">
+                <a16:creationId xmlns:a16="http://schemas.microsoft.com/office/drawing/2014/main" id="{D799C6FF-D63C-CCA3-4BB5-A3605B3CF4EE}"/>
+              </a:ext>
+            </a:extLst>
+          </p:cNvPr>
+          <p:cNvPicPr>
+            <a:picLocks noChangeAspect="1"/>
+          </p:cNvPicPr>
+          <p:nvPr/>
+        </p:nvPicPr>
+        <p:blipFill>
+          <a:blip r:embed="rId5"/>
+          <a:stretch>
+            <a:fillRect/>
+          </a:stretch>
+        </p:blipFill>
+        <p:spPr>
+          <a:xfrm>
+            <a:off x="231715" y="4633722"/>
+            <a:ext cx="4346340" cy="2050839"/>
+          </a:xfrm>
+          <a:prstGeom prst="rect">
+            <a:avLst/>
+          </a:prstGeom>
+        </p:spPr>
+      </p:pic>
+      <p:sp>
+        <p:nvSpPr>
+          <p:cNvPr id="27" name="箭號: 向右 26">
+            <a:extLst>
+              <a:ext uri="{FF2B5EF4-FFF2-40B4-BE49-F238E27FC236}">
+                <a16:creationId xmlns:a16="http://schemas.microsoft.com/office/drawing/2014/main" id="{129894E2-C385-4A1A-B9E7-E41B34BFD49E}"/>
+              </a:ext>
+            </a:extLst>
+          </p:cNvPr>
+          <p:cNvSpPr/>
+          <p:nvPr/>
+        </p:nvSpPr>
+        <p:spPr>
+          <a:xfrm rot="5400000">
+            <a:off x="7419218" y="4911018"/>
+            <a:ext cx="849449" cy="415619"/>
+          </a:xfrm>
+          <a:prstGeom prst="rightArrow">
+            <a:avLst/>
+          </a:prstGeom>
+        </p:spPr>
+        <p:style>
+          <a:lnRef idx="2">
+            <a:schemeClr val="accent1">
+              <a:shade val="15000"/>
+            </a:schemeClr>
+          </a:lnRef>
+          <a:fillRef idx="1">
+            <a:schemeClr val="accent1"/>
+          </a:fillRef>
+          <a:effectRef idx="0">
+            <a:schemeClr val="accent1"/>
+          </a:effectRef>
+          <a:fontRef idx="minor">
+            <a:schemeClr val="lt1"/>
+          </a:fontRef>
+        </p:style>
+        <p:txBody>
+          <a:bodyPr rtlCol="0" anchor="ctr"/>
+          <a:lstStyle/>
+          <a:p>
+            <a:pPr algn="ctr"/>
+            <a:endParaRPr lang="zh-TW" altLang="en-US"/>
+          </a:p>
+        </p:txBody>
+      </p:sp>
+      <p:sp>
+        <p:nvSpPr>
+          <p:cNvPr id="28" name="箭號: 向右 27">
+            <a:extLst>
+              <a:ext uri="{FF2B5EF4-FFF2-40B4-BE49-F238E27FC236}">
+                <a16:creationId xmlns:a16="http://schemas.microsoft.com/office/drawing/2014/main" id="{18CFE2E6-0C4D-B1D4-89EC-159101D6BCC7}"/>
+              </a:ext>
+            </a:extLst>
+          </p:cNvPr>
+          <p:cNvSpPr/>
+          <p:nvPr/>
+        </p:nvSpPr>
+        <p:spPr>
+          <a:xfrm rot="10800000">
+            <a:off x="4908451" y="5885584"/>
+            <a:ext cx="849449" cy="415619"/>
+          </a:xfrm>
+          <a:prstGeom prst="rightArrow">
+            <a:avLst/>
+          </a:prstGeom>
+        </p:spPr>
+        <p:style>
+          <a:lnRef idx="2">
+            <a:schemeClr val="accent1">
+              <a:shade val="15000"/>
+            </a:schemeClr>
+          </a:lnRef>
+          <a:fillRef idx="1">
+            <a:schemeClr val="accent1"/>
+          </a:fillRef>
+          <a:effectRef idx="0">
+            <a:schemeClr val="accent1"/>
+          </a:effectRef>
+          <a:fontRef idx="minor">
+            <a:schemeClr val="lt1"/>
+          </a:fontRef>
+        </p:style>
+        <p:txBody>
+          <a:bodyPr rtlCol="0" anchor="ctr"/>
+          <a:lstStyle/>
+          <a:p>
+            <a:pPr algn="ctr"/>
+            <a:endParaRPr lang="zh-TW" altLang="en-US"/>
+          </a:p>
+        </p:txBody>
+      </p:sp>
+      <p:sp>
+        <p:nvSpPr>
+          <p:cNvPr id="29" name="矩形 28">
+            <a:extLst>
+              <a:ext uri="{FF2B5EF4-FFF2-40B4-BE49-F238E27FC236}">
+                <a16:creationId xmlns:a16="http://schemas.microsoft.com/office/drawing/2014/main" id="{92A84576-1F6B-3671-D6CA-73AFD5CA86BF}"/>
+              </a:ext>
+            </a:extLst>
+          </p:cNvPr>
+          <p:cNvSpPr/>
+          <p:nvPr/>
+        </p:nvSpPr>
+        <p:spPr>
+          <a:xfrm>
+            <a:off x="491066" y="6320795"/>
+            <a:ext cx="3649184" cy="410909"/>
+          </a:xfrm>
+          <a:prstGeom prst="rect">
+            <a:avLst/>
+          </a:prstGeom>
+          <a:noFill/>
+          <a:ln w="57150">
+            <a:solidFill>
+              <a:srgbClr val="C00000"/>
+            </a:solidFill>
+          </a:ln>
+        </p:spPr>
+        <p:style>
+          <a:lnRef idx="2">
+            <a:schemeClr val="accent1">
+              <a:shade val="15000"/>
+            </a:schemeClr>
+          </a:lnRef>
+          <a:fillRef idx="1">
+            <a:schemeClr val="accent1"/>
+          </a:fillRef>
+          <a:effectRef idx="0">
+            <a:schemeClr val="accent1"/>
+          </a:effectRef>
+          <a:fontRef idx="minor">
+            <a:schemeClr val="lt1"/>
+          </a:fontRef>
+        </p:style>
+        <p:txBody>
+          <a:bodyPr rtlCol="0" anchor="ctr"/>
+          <a:lstStyle/>
+          <a:p>
+            <a:pPr algn="ctr"/>
+            <a:endParaRPr lang="zh-TW" altLang="en-US"/>
+          </a:p>
+        </p:txBody>
+      </p:sp>
+      <p:sp>
+        <p:nvSpPr>
+          <p:cNvPr id="30" name="文字方塊 29">
+            <a:extLst>
+              <a:ext uri="{FF2B5EF4-FFF2-40B4-BE49-F238E27FC236}">
+                <a16:creationId xmlns:a16="http://schemas.microsoft.com/office/drawing/2014/main" id="{A8B56F18-A4DC-FE48-4ADD-385AFB89BC88}"/>
+              </a:ext>
+            </a:extLst>
+          </p:cNvPr>
+          <p:cNvSpPr txBox="1"/>
+          <p:nvPr/>
+        </p:nvSpPr>
+        <p:spPr>
+          <a:xfrm>
+            <a:off x="3328629" y="4886989"/>
+            <a:ext cx="4043722" cy="923330"/>
+          </a:xfrm>
+          <a:prstGeom prst="rect">
+            <a:avLst/>
+          </a:prstGeom>
+          <a:solidFill>
+            <a:schemeClr val="accent1">
+              <a:lumMod val="20000"/>
+              <a:lumOff val="80000"/>
+            </a:schemeClr>
+          </a:solidFill>
+        </p:spPr>
+        <p:txBody>
+          <a:bodyPr wrap="square">
+            <a:spAutoFit/>
+          </a:bodyPr>
+          <a:lstStyle/>
+          <a:p>
+            <a:pPr marR="0" lvl="1" defTabSz="914400" rtl="0" eaLnBrk="0" fontAlgn="ctr" latinLnBrk="0" hangingPunct="0">
+              <a:lnSpc>
+                <a:spcPct val="150000"/>
+              </a:lnSpc>
+              <a:spcBef>
+                <a:spcPct val="0"/>
+              </a:spcBef>
+              <a:spcAft>
+                <a:spcPct val="0"/>
+              </a:spcAft>
+              <a:buClrTx/>
+              <a:buSzTx/>
+              <a:tabLst/>
+            </a:pPr>
+            <a:r>
+              <a:rPr kumimoji="0" lang="en-US" altLang="zh-TW" b="0" i="0" strike="noStrike" cap="none" normalizeH="0" baseline="0" dirty="0">
+                <a:ln>
+                  <a:noFill/>
+                </a:ln>
+                <a:solidFill>
+                  <a:schemeClr val="tx1"/>
+                </a:solidFill>
+                <a:effectLst/>
+              </a:rPr>
+              <a:t>Step5. </a:t>
+            </a:r>
+            <a:r>
+              <a:rPr kumimoji="0" lang="zh-TW" altLang="en-US" b="0" i="0" strike="noStrike" cap="none" normalizeH="0" baseline="0" dirty="0">
+                <a:ln>
+                  <a:noFill/>
+                </a:ln>
+                <a:solidFill>
+                  <a:schemeClr val="tx1"/>
+                </a:solidFill>
+                <a:effectLst/>
+              </a:rPr>
+              <a:t>更改</a:t>
+            </a:r>
+            <a:r>
+              <a:rPr kumimoji="0" lang="en-US" altLang="zh-TW" b="0" i="0" strike="noStrike" cap="none" normalizeH="0" baseline="0" dirty="0" err="1">
+                <a:ln>
+                  <a:noFill/>
+                </a:ln>
+                <a:solidFill>
+                  <a:schemeClr val="tx1"/>
+                </a:solidFill>
+                <a:effectLst/>
+              </a:rPr>
+              <a:t>uploadReadAheadSize</a:t>
+            </a:r>
+            <a:r>
+              <a:rPr lang="zh-TW" altLang="en-US" dirty="0"/>
+              <a:t>為</a:t>
+            </a:r>
+            <a:endParaRPr lang="en-US" altLang="zh-TW" dirty="0"/>
+          </a:p>
+          <a:p>
+            <a:pPr marR="0" lvl="1" defTabSz="914400" rtl="0" eaLnBrk="0" fontAlgn="ctr" latinLnBrk="0" hangingPunct="0">
+              <a:lnSpc>
+                <a:spcPct val="150000"/>
+              </a:lnSpc>
+              <a:spcBef>
+                <a:spcPct val="0"/>
+              </a:spcBef>
+              <a:spcAft>
+                <a:spcPct val="0"/>
+              </a:spcAft>
+              <a:buClrTx/>
+              <a:buSzTx/>
+              <a:tabLst/>
+            </a:pPr>
+            <a:r>
+              <a:rPr lang="en-US" altLang="zh-TW" dirty="0">
+                <a:solidFill>
+                  <a:schemeClr val="accent1">
+                    <a:lumMod val="75000"/>
+                  </a:schemeClr>
+                </a:solidFill>
+              </a:rPr>
+              <a:t>2147483647</a:t>
+            </a:r>
+          </a:p>
+        </p:txBody>
+      </p:sp>
+      <p:sp>
+        <p:nvSpPr>
+          <p:cNvPr id="31" name="文字方塊 30">
+            <a:extLst>
+              <a:ext uri="{FF2B5EF4-FFF2-40B4-BE49-F238E27FC236}">
+                <a16:creationId xmlns:a16="http://schemas.microsoft.com/office/drawing/2014/main" id="{F5DF7188-8482-0DAB-BDD4-49F28EEFC944}"/>
+              </a:ext>
+            </a:extLst>
+          </p:cNvPr>
+          <p:cNvSpPr txBox="1"/>
+          <p:nvPr/>
+        </p:nvSpPr>
+        <p:spPr>
+          <a:xfrm>
+            <a:off x="1522977" y="1253271"/>
+            <a:ext cx="6770946" cy="369332"/>
+          </a:xfrm>
+          <a:prstGeom prst="rect">
+            <a:avLst/>
+          </a:prstGeom>
+          <a:noFill/>
+        </p:spPr>
+        <p:txBody>
+          <a:bodyPr wrap="square">
+            <a:spAutoFit/>
+          </a:bodyPr>
+          <a:lstStyle/>
+          <a:p>
+            <a:pPr algn="ctr"/>
+            <a:r>
+              <a:rPr lang="zh-TW" altLang="en-US" dirty="0">
+                <a:solidFill>
+                  <a:srgbClr val="C00000"/>
+                </a:solidFill>
+              </a:rPr>
+              <a:t>***如果沒先做這些，就會出現</a:t>
+            </a:r>
+            <a:r>
+              <a:rPr lang="en-US" altLang="zh-TW" dirty="0">
+                <a:solidFill>
+                  <a:srgbClr val="C00000"/>
+                </a:solidFill>
+              </a:rPr>
+              <a:t>”</a:t>
+            </a:r>
+            <a:r>
+              <a:rPr lang="zh-TW" altLang="en-US" dirty="0">
+                <a:solidFill>
+                  <a:srgbClr val="C00000"/>
+                </a:solidFill>
+              </a:rPr>
+              <a:t>檔案大小超過限制</a:t>
+            </a:r>
+            <a:r>
+              <a:rPr lang="en-US" altLang="zh-TW" dirty="0">
+                <a:solidFill>
+                  <a:srgbClr val="C00000"/>
+                </a:solidFill>
+              </a:rPr>
+              <a:t>”</a:t>
+            </a:r>
+            <a:r>
+              <a:rPr lang="zh-TW" altLang="en-US" dirty="0">
+                <a:solidFill>
+                  <a:srgbClr val="C00000"/>
+                </a:solidFill>
+              </a:rPr>
+              <a:t>的錯誤</a:t>
+            </a:r>
+          </a:p>
+        </p:txBody>
+      </p:sp>
+    </p:spTree>
+    <p:extLst>
+      <p:ext uri="{BB962C8B-B14F-4D97-AF65-F5344CB8AC3E}">
+        <p14:creationId xmlns:p14="http://schemas.microsoft.com/office/powerpoint/2010/main" val="3779674501"/>
+      </p:ext>
+    </p:extLst>
+  </p:cSld>
+  <p:clrMapOvr>
+    <a:masterClrMapping/>
+  </p:clrMapOvr>
+</p:sld>
+</file>
+
+<file path=ppt/slides/slide11.xml><?xml version="1.0" encoding="utf-8"?>
+<p:sld xmlns:a="http://schemas.openxmlformats.org/drawingml/2006/main" xmlns:r="http://schemas.openxmlformats.org/officeDocument/2006/relationships" xmlns:p="http://schemas.openxmlformats.org/presentationml/2006/main">
+  <p:cSld>
+    <p:spTree>
+      <p:nvGrpSpPr>
+        <p:cNvPr id="1" name=""/>
+        <p:cNvGrpSpPr/>
+        <p:nvPr/>
+      </p:nvGrpSpPr>
+      <p:grpSpPr>
+        <a:xfrm>
+          <a:off x="0" y="0"/>
+          <a:ext cx="0" cy="0"/>
+          <a:chOff x="0" y="0"/>
+          <a:chExt cx="0" cy="0"/>
+        </a:xfrm>
+      </p:grpSpPr>
       <p:sp>
         <p:nvSpPr>
           <p:cNvPr id="7" name="Rectangle 9">
@@ -4325,7 +5895,7 @@
 </p:sld>
 </file>
 
-<file path=ppt/slides/slide11.xml><?xml version="1.0" encoding="utf-8"?>
+<file path=ppt/slides/slide12.xml><?xml version="1.0" encoding="utf-8"?>
 <p:sld xmlns:a="http://schemas.openxmlformats.org/drawingml/2006/main" xmlns:r="http://schemas.openxmlformats.org/officeDocument/2006/relationships" xmlns:p="http://schemas.openxmlformats.org/presentationml/2006/main">
   <p:cSld>
     <p:spTree>
@@ -4658,7 +6228,7 @@
 </p:sld>
 </file>
 
-<file path=ppt/slides/slide12.xml><?xml version="1.0" encoding="utf-8"?>
+<file path=ppt/slides/slide13.xml><?xml version="1.0" encoding="utf-8"?>
 <p:sld xmlns:a="http://schemas.openxmlformats.org/drawingml/2006/main" xmlns:r="http://schemas.openxmlformats.org/officeDocument/2006/relationships" xmlns:p="http://schemas.openxmlformats.org/presentationml/2006/main">
   <p:cSld>
     <p:spTree>
@@ -5013,7 +6583,7 @@
 </p:sld>
 </file>
 
-<file path=ppt/slides/slide13.xml><?xml version="1.0" encoding="utf-8"?>
+<file path=ppt/slides/slide14.xml><?xml version="1.0" encoding="utf-8"?>
 <p:sld xmlns:a="http://schemas.openxmlformats.org/drawingml/2006/main" xmlns:r="http://schemas.openxmlformats.org/officeDocument/2006/relationships" xmlns:p="http://schemas.openxmlformats.org/presentationml/2006/main">
   <p:cSld>
     <p:spTree>
@@ -5712,7 +7282,7 @@
 </p:sld>
 </file>
 
-<file path=ppt/slides/slide14.xml><?xml version="1.0" encoding="utf-8"?>
+<file path=ppt/slides/slide15.xml><?xml version="1.0" encoding="utf-8"?>
 <p:sld xmlns:a="http://schemas.openxmlformats.org/drawingml/2006/main" xmlns:r="http://schemas.openxmlformats.org/officeDocument/2006/relationships" xmlns:p="http://schemas.openxmlformats.org/presentationml/2006/main">
   <p:cSld>
     <p:spTree>
@@ -6184,7 +7754,7 @@
 </p:sld>
 </file>
 
-<file path=ppt/slides/slide15.xml><?xml version="1.0" encoding="utf-8"?>
+<file path=ppt/slides/slide16.xml><?xml version="1.0" encoding="utf-8"?>
 <p:sld xmlns:a="http://schemas.openxmlformats.org/drawingml/2006/main" xmlns:r="http://schemas.openxmlformats.org/officeDocument/2006/relationships" xmlns:p="http://schemas.openxmlformats.org/presentationml/2006/main">
   <p:cSld>
     <p:spTree>
@@ -6641,7 +8211,7 @@
 </p:sld>
 </file>
 
-<file path=ppt/slides/slide16.xml><?xml version="1.0" encoding="utf-8"?>
+<file path=ppt/slides/slide17.xml><?xml version="1.0" encoding="utf-8"?>
 <p:sld xmlns:a="http://schemas.openxmlformats.org/drawingml/2006/main" xmlns:r="http://schemas.openxmlformats.org/officeDocument/2006/relationships" xmlns:p="http://schemas.openxmlformats.org/presentationml/2006/main">
   <p:cSld>
     <p:spTree>
@@ -6906,7 +8476,7 @@
 </p:sld>
 </file>
 
-<file path=ppt/slides/slide17.xml><?xml version="1.0" encoding="utf-8"?>
+<file path=ppt/slides/slide18.xml><?xml version="1.0" encoding="utf-8"?>
 <p:sld xmlns:a="http://schemas.openxmlformats.org/drawingml/2006/main" xmlns:r="http://schemas.openxmlformats.org/officeDocument/2006/relationships" xmlns:p="http://schemas.openxmlformats.org/presentationml/2006/main">
   <p:cSld>
     <p:spTree>
@@ -7973,7 +9543,7 @@
 </p:sld>
 </file>
 
-<file path=ppt/slides/slide18.xml><?xml version="1.0" encoding="utf-8"?>
+<file path=ppt/slides/slide19.xml><?xml version="1.0" encoding="utf-8"?>
 <p:sld xmlns:a="http://schemas.openxmlformats.org/drawingml/2006/main" xmlns:r="http://schemas.openxmlformats.org/officeDocument/2006/relationships" xmlns:p="http://schemas.openxmlformats.org/presentationml/2006/main">
   <p:cSld>
     <p:spTree>
@@ -8586,7 +10156,1007 @@
 </p:sld>
 </file>
 
-<file path=ppt/slides/slide19.xml><?xml version="1.0" encoding="utf-8"?>
+<file path=ppt/slides/slide2.xml><?xml version="1.0" encoding="utf-8"?>
+<p:sld xmlns:a="http://schemas.openxmlformats.org/drawingml/2006/main" xmlns:r="http://schemas.openxmlformats.org/officeDocument/2006/relationships" xmlns:p="http://schemas.openxmlformats.org/presentationml/2006/main">
+  <p:cSld>
+    <p:spTree>
+      <p:nvGrpSpPr>
+        <p:cNvPr id="1" name=""/>
+        <p:cNvGrpSpPr/>
+        <p:nvPr/>
+      </p:nvGrpSpPr>
+      <p:grpSpPr>
+        <a:xfrm>
+          <a:off x="0" y="0"/>
+          <a:ext cx="0" cy="0"/>
+          <a:chOff x="0" y="0"/>
+          <a:chExt cx="0" cy="0"/>
+        </a:xfrm>
+      </p:grpSpPr>
+      <p:sp>
+        <p:nvSpPr>
+          <p:cNvPr id="7" name="Rectangle 9">
+            <a:extLst>
+              <a:ext uri="{FF2B5EF4-FFF2-40B4-BE49-F238E27FC236}">
+                <a16:creationId xmlns:a16="http://schemas.microsoft.com/office/drawing/2014/main" id="{3EE76470-6D9F-769C-F8CF-09B765DB98E8}"/>
+              </a:ext>
+            </a:extLst>
+          </p:cNvPr>
+          <p:cNvSpPr>
+            <a:spLocks noChangeArrowheads="1"/>
+          </p:cNvSpPr>
+          <p:nvPr/>
+        </p:nvSpPr>
+        <p:spPr bwMode="auto">
+          <a:xfrm>
+            <a:off x="262265" y="421178"/>
+            <a:ext cx="3877985" cy="646331"/>
+          </a:xfrm>
+          <a:prstGeom prst="rect">
+            <a:avLst/>
+          </a:prstGeom>
+          <a:noFill/>
+          <a:ln>
+            <a:noFill/>
+          </a:ln>
+          <a:effectLst/>
+          <a:extLst>
+            <a:ext uri="{909E8E84-426E-40DD-AFC4-6F175D3DCCD1}">
+              <a14:hiddenFill xmlns:a14="http://schemas.microsoft.com/office/drawing/2010/main">
+                <a:solidFill>
+                  <a:schemeClr val="accent1"/>
+                </a:solidFill>
+              </a14:hiddenFill>
+            </a:ext>
+            <a:ext uri="{91240B29-F687-4F45-9708-019B960494DF}">
+              <a14:hiddenLine xmlns:a14="http://schemas.microsoft.com/office/drawing/2010/main" w="9525">
+                <a:solidFill>
+                  <a:schemeClr val="tx1"/>
+                </a:solidFill>
+                <a:miter lim="800000"/>
+                <a:headEnd/>
+                <a:tailEnd/>
+              </a14:hiddenLine>
+            </a:ext>
+            <a:ext uri="{AF507438-7753-43E0-B8FC-AC1667EBCBE1}">
+              <a14:hiddenEffects xmlns:a14="http://schemas.microsoft.com/office/drawing/2010/main">
+                <a:effectLst>
+                  <a:outerShdw dist="35921" dir="2700000" algn="ctr" rotWithShape="0">
+                    <a:schemeClr val="bg2"/>
+                  </a:outerShdw>
+                </a:effectLst>
+              </a14:hiddenEffects>
+            </a:ext>
+          </a:extLst>
+        </p:spPr>
+        <p:txBody>
+          <a:bodyPr vert="horz" wrap="none" lIns="91440" tIns="45720" rIns="91440" bIns="45720" numCol="1" anchor="ctr" anchorCtr="0" compatLnSpc="1">
+            <a:prstTxWarp prst="textNoShape">
+              <a:avLst/>
+            </a:prstTxWarp>
+            <a:spAutoFit/>
+          </a:bodyPr>
+          <a:lstStyle>
+            <a:lvl1pPr eaLnBrk="0" fontAlgn="base" hangingPunct="0">
+              <a:spcBef>
+                <a:spcPct val="0"/>
+              </a:spcBef>
+              <a:spcAft>
+                <a:spcPct val="0"/>
+              </a:spcAft>
+              <a:defRPr>
+                <a:solidFill>
+                  <a:schemeClr val="tx1"/>
+                </a:solidFill>
+                <a:latin typeface="Arial" panose="020B0604020202020204" pitchFamily="34" charset="0"/>
+              </a:defRPr>
+            </a:lvl1pPr>
+            <a:lvl2pPr eaLnBrk="0" fontAlgn="base" hangingPunct="0">
+              <a:spcBef>
+                <a:spcPct val="0"/>
+              </a:spcBef>
+              <a:spcAft>
+                <a:spcPct val="0"/>
+              </a:spcAft>
+              <a:defRPr>
+                <a:solidFill>
+                  <a:schemeClr val="tx1"/>
+                </a:solidFill>
+                <a:latin typeface="Arial" panose="020B0604020202020204" pitchFamily="34" charset="0"/>
+              </a:defRPr>
+            </a:lvl2pPr>
+            <a:lvl3pPr eaLnBrk="0" fontAlgn="base" hangingPunct="0">
+              <a:spcBef>
+                <a:spcPct val="0"/>
+              </a:spcBef>
+              <a:spcAft>
+                <a:spcPct val="0"/>
+              </a:spcAft>
+              <a:defRPr>
+                <a:solidFill>
+                  <a:schemeClr val="tx1"/>
+                </a:solidFill>
+                <a:latin typeface="Arial" panose="020B0604020202020204" pitchFamily="34" charset="0"/>
+              </a:defRPr>
+            </a:lvl3pPr>
+            <a:lvl4pPr eaLnBrk="0" fontAlgn="base" hangingPunct="0">
+              <a:spcBef>
+                <a:spcPct val="0"/>
+              </a:spcBef>
+              <a:spcAft>
+                <a:spcPct val="0"/>
+              </a:spcAft>
+              <a:defRPr>
+                <a:solidFill>
+                  <a:schemeClr val="tx1"/>
+                </a:solidFill>
+                <a:latin typeface="Arial" panose="020B0604020202020204" pitchFamily="34" charset="0"/>
+              </a:defRPr>
+            </a:lvl4pPr>
+            <a:lvl5pPr eaLnBrk="0" fontAlgn="base" hangingPunct="0">
+              <a:spcBef>
+                <a:spcPct val="0"/>
+              </a:spcBef>
+              <a:spcAft>
+                <a:spcPct val="0"/>
+              </a:spcAft>
+              <a:defRPr>
+                <a:solidFill>
+                  <a:schemeClr val="tx1"/>
+                </a:solidFill>
+                <a:latin typeface="Arial" panose="020B0604020202020204" pitchFamily="34" charset="0"/>
+              </a:defRPr>
+            </a:lvl5pPr>
+            <a:lvl6pPr eaLnBrk="0" fontAlgn="base" hangingPunct="0">
+              <a:spcBef>
+                <a:spcPct val="0"/>
+              </a:spcBef>
+              <a:spcAft>
+                <a:spcPct val="0"/>
+              </a:spcAft>
+              <a:defRPr>
+                <a:solidFill>
+                  <a:schemeClr val="tx1"/>
+                </a:solidFill>
+                <a:latin typeface="Arial" panose="020B0604020202020204" pitchFamily="34" charset="0"/>
+              </a:defRPr>
+            </a:lvl6pPr>
+            <a:lvl7pPr eaLnBrk="0" fontAlgn="base" hangingPunct="0">
+              <a:spcBef>
+                <a:spcPct val="0"/>
+              </a:spcBef>
+              <a:spcAft>
+                <a:spcPct val="0"/>
+              </a:spcAft>
+              <a:defRPr>
+                <a:solidFill>
+                  <a:schemeClr val="tx1"/>
+                </a:solidFill>
+                <a:latin typeface="Arial" panose="020B0604020202020204" pitchFamily="34" charset="0"/>
+              </a:defRPr>
+            </a:lvl7pPr>
+            <a:lvl8pPr eaLnBrk="0" fontAlgn="base" hangingPunct="0">
+              <a:spcBef>
+                <a:spcPct val="0"/>
+              </a:spcBef>
+              <a:spcAft>
+                <a:spcPct val="0"/>
+              </a:spcAft>
+              <a:defRPr>
+                <a:solidFill>
+                  <a:schemeClr val="tx1"/>
+                </a:solidFill>
+                <a:latin typeface="Arial" panose="020B0604020202020204" pitchFamily="34" charset="0"/>
+              </a:defRPr>
+            </a:lvl8pPr>
+            <a:lvl9pPr eaLnBrk="0" fontAlgn="base" hangingPunct="0">
+              <a:spcBef>
+                <a:spcPct val="0"/>
+              </a:spcBef>
+              <a:spcAft>
+                <a:spcPct val="0"/>
+              </a:spcAft>
+              <a:defRPr>
+                <a:solidFill>
+                  <a:schemeClr val="tx1"/>
+                </a:solidFill>
+                <a:latin typeface="Arial" panose="020B0604020202020204" pitchFamily="34" charset="0"/>
+              </a:defRPr>
+            </a:lvl9pPr>
+          </a:lstStyle>
+          <a:p>
+            <a:pPr marL="0" marR="0" lvl="0" indent="0" algn="l" defTabSz="914400" rtl="0" eaLnBrk="0" fontAlgn="ctr" latinLnBrk="0" hangingPunct="0">
+              <a:lnSpc>
+                <a:spcPct val="100000"/>
+              </a:lnSpc>
+              <a:spcBef>
+                <a:spcPct val="0"/>
+              </a:spcBef>
+              <a:spcAft>
+                <a:spcPct val="0"/>
+              </a:spcAft>
+              <a:buClrTx/>
+              <a:buSzTx/>
+              <a:buFontTx/>
+              <a:buNone/>
+              <a:tabLst/>
+            </a:pPr>
+            <a:r>
+              <a:rPr kumimoji="0" lang="zh-TW" altLang="zh-TW" sz="3600" b="1" i="0" u="none" strike="noStrike" cap="none" normalizeH="0" baseline="0" dirty="0">
+                <a:ln>
+                  <a:noFill/>
+                </a:ln>
+                <a:solidFill>
+                  <a:schemeClr val="tx1"/>
+                </a:solidFill>
+                <a:effectLst/>
+                <a:latin typeface="微軟正黑體" panose="020B0604030504040204" pitchFamily="34" charset="-120"/>
+                <a:ea typeface="微軟正黑體" panose="020B0604030504040204" pitchFamily="34" charset="-120"/>
+                <a:cs typeface="Calibri" panose="020F0502020204030204" pitchFamily="34" charset="0"/>
+              </a:rPr>
+              <a:t>專案須注意的地方</a:t>
+            </a:r>
+            <a:endParaRPr kumimoji="0" lang="zh-TW" altLang="zh-TW" sz="3600" b="0" i="0" u="none" strike="noStrike" cap="none" normalizeH="0" baseline="0" dirty="0">
+              <a:ln>
+                <a:noFill/>
+              </a:ln>
+              <a:solidFill>
+                <a:schemeClr val="tx1"/>
+              </a:solidFill>
+              <a:effectLst/>
+            </a:endParaRPr>
+          </a:p>
+        </p:txBody>
+      </p:sp>
+      <p:sp>
+        <p:nvSpPr>
+          <p:cNvPr id="13" name="文字方塊 12">
+            <a:extLst>
+              <a:ext uri="{FF2B5EF4-FFF2-40B4-BE49-F238E27FC236}">
+                <a16:creationId xmlns:a16="http://schemas.microsoft.com/office/drawing/2014/main" id="{ECA205BF-5DF6-28BF-C222-2EBC66A9E2F5}"/>
+              </a:ext>
+            </a:extLst>
+          </p:cNvPr>
+          <p:cNvSpPr txBox="1"/>
+          <p:nvPr/>
+        </p:nvSpPr>
+        <p:spPr>
+          <a:xfrm>
+            <a:off x="88645" y="1557363"/>
+            <a:ext cx="10141823" cy="3000821"/>
+          </a:xfrm>
+          <a:prstGeom prst="rect">
+            <a:avLst/>
+          </a:prstGeom>
+          <a:noFill/>
+        </p:spPr>
+        <p:txBody>
+          <a:bodyPr wrap="square">
+            <a:spAutoFit/>
+          </a:bodyPr>
+          <a:lstStyle/>
+          <a:p>
+            <a:pPr marL="742950" marR="0" lvl="1" indent="-285750" algn="l" defTabSz="914400" rtl="0" eaLnBrk="0" fontAlgn="ctr" latinLnBrk="0" hangingPunct="0">
+              <a:lnSpc>
+                <a:spcPct val="150000"/>
+              </a:lnSpc>
+              <a:spcBef>
+                <a:spcPct val="0"/>
+              </a:spcBef>
+              <a:spcAft>
+                <a:spcPct val="0"/>
+              </a:spcAft>
+              <a:buClrTx/>
+              <a:buSzTx/>
+              <a:buFont typeface="Wingdings" panose="05000000000000000000" pitchFamily="2" charset="2"/>
+              <a:buChar char="p"/>
+              <a:tabLst/>
+            </a:pPr>
+            <a:r>
+              <a:rPr lang="en-US" altLang="zh-TW" sz="1800" dirty="0">
+                <a:effectLst/>
+                <a:ea typeface="Microsoft JhengHei" panose="020B0604030504040204" pitchFamily="34" charset="-120"/>
+              </a:rPr>
+              <a:t>cutWav</a:t>
+            </a:r>
+            <a:r>
+              <a:rPr lang="zh-TW" altLang="en-US" sz="1800" dirty="0">
+                <a:effectLst/>
+                <a:ea typeface="Microsoft JhengHei" panose="020B0604030504040204" pitchFamily="34" charset="-120"/>
+              </a:rPr>
+              <a:t> </a:t>
+            </a:r>
+            <a:r>
+              <a:rPr lang="en-US" altLang="zh-TW" sz="1800" dirty="0">
+                <a:effectLst/>
+                <a:ea typeface="Microsoft JhengHei" panose="020B0604030504040204" pitchFamily="34" charset="-120"/>
+                <a:sym typeface="Wingdings" panose="05000000000000000000"/>
+              </a:rPr>
+              <a:t></a:t>
+            </a:r>
+            <a:r>
+              <a:rPr lang="zh-TW" altLang="en-US" sz="1800" dirty="0">
+                <a:effectLst/>
+                <a:ea typeface="Microsoft JhengHei" panose="020B0604030504040204" pitchFamily="34" charset="-120"/>
+                <a:sym typeface="Wingdings" panose="05000000000000000000"/>
+              </a:rPr>
+              <a:t>用來存放切割的</a:t>
+            </a:r>
+            <a:r>
+              <a:rPr lang="en-US" altLang="zh-TW" sz="1800" dirty="0">
+                <a:effectLst/>
+                <a:ea typeface="Microsoft JhengHei" panose="020B0604030504040204" pitchFamily="34" charset="-120"/>
+                <a:sym typeface="Wingdings" panose="05000000000000000000"/>
+              </a:rPr>
+              <a:t>wav</a:t>
+            </a:r>
+            <a:r>
+              <a:rPr lang="zh-TW" altLang="en-US" dirty="0">
+                <a:ea typeface="Microsoft JhengHei" panose="020B0604030504040204" pitchFamily="34" charset="-120"/>
+                <a:sym typeface="Wingdings" panose="05000000000000000000"/>
+              </a:rPr>
+              <a:t>檔 </a:t>
+            </a:r>
+            <a:endParaRPr lang="en-US" altLang="zh-TW" dirty="0">
+              <a:ea typeface="Microsoft JhengHei" panose="020B0604030504040204" pitchFamily="34" charset="-120"/>
+              <a:sym typeface="Wingdings" panose="05000000000000000000"/>
+            </a:endParaRPr>
+          </a:p>
+          <a:p>
+            <a:pPr marL="742950" marR="0" lvl="1" indent="-285750" algn="l" defTabSz="914400" rtl="0" eaLnBrk="0" fontAlgn="ctr" latinLnBrk="0" hangingPunct="0">
+              <a:lnSpc>
+                <a:spcPct val="150000"/>
+              </a:lnSpc>
+              <a:spcBef>
+                <a:spcPct val="0"/>
+              </a:spcBef>
+              <a:spcAft>
+                <a:spcPct val="0"/>
+              </a:spcAft>
+              <a:buClrTx/>
+              <a:buSzTx/>
+              <a:buFont typeface="Wingdings" panose="05000000000000000000" pitchFamily="2" charset="2"/>
+              <a:buChar char="p"/>
+              <a:tabLst/>
+            </a:pPr>
+            <a:r>
+              <a:rPr lang="en-US" altLang="zh-TW" dirty="0">
+                <a:ea typeface="Microsoft JhengHei" panose="020B0604030504040204" pitchFamily="34" charset="-120"/>
+                <a:sym typeface="Wingdings" panose="05000000000000000000"/>
+              </a:rPr>
+              <a:t>OutputTextFile</a:t>
+            </a:r>
+            <a:r>
+              <a:rPr lang="en-US" altLang="zh-TW" dirty="0">
+                <a:ea typeface="Microsoft JhengHei" panose="020B0604030504040204" pitchFamily="34" charset="-120"/>
+                <a:sym typeface="Wingdings" panose="05000000000000000000" pitchFamily="2" charset="2"/>
+              </a:rPr>
+              <a:t></a:t>
+            </a:r>
+            <a:r>
+              <a:rPr lang="zh-TW" altLang="en-US" dirty="0">
+                <a:ea typeface="Microsoft JhengHei" panose="020B0604030504040204" pitchFamily="34" charset="-120"/>
+                <a:sym typeface="Wingdings" panose="05000000000000000000" pitchFamily="2" charset="2"/>
+              </a:rPr>
+              <a:t>存放輸出的</a:t>
+            </a:r>
+            <a:r>
+              <a:rPr lang="en-US" altLang="zh-TW" dirty="0">
+                <a:ea typeface="Microsoft JhengHei" panose="020B0604030504040204" pitchFamily="34" charset="-120"/>
+                <a:sym typeface="Wingdings" panose="05000000000000000000" pitchFamily="2" charset="2"/>
+              </a:rPr>
+              <a:t>word</a:t>
+            </a:r>
+            <a:r>
+              <a:rPr lang="zh-TW" altLang="en-US" dirty="0">
+                <a:ea typeface="Microsoft JhengHei" panose="020B0604030504040204" pitchFamily="34" charset="-120"/>
+                <a:sym typeface="Wingdings" panose="05000000000000000000" pitchFamily="2" charset="2"/>
+              </a:rPr>
+              <a:t>檔</a:t>
+            </a:r>
+            <a:endParaRPr lang="en-US" altLang="zh-TW" dirty="0">
+              <a:ea typeface="Microsoft JhengHei" panose="020B0604030504040204" pitchFamily="34" charset="-120"/>
+              <a:sym typeface="Wingdings" panose="05000000000000000000"/>
+            </a:endParaRPr>
+          </a:p>
+          <a:p>
+            <a:pPr marL="742950" marR="0" lvl="1" indent="-285750" algn="l" defTabSz="914400" rtl="0" eaLnBrk="0" fontAlgn="ctr" latinLnBrk="0" hangingPunct="0">
+              <a:lnSpc>
+                <a:spcPct val="150000"/>
+              </a:lnSpc>
+              <a:spcBef>
+                <a:spcPct val="0"/>
+              </a:spcBef>
+              <a:spcAft>
+                <a:spcPct val="0"/>
+              </a:spcAft>
+              <a:buClrTx/>
+              <a:buSzTx/>
+              <a:buFont typeface="Wingdings" panose="05000000000000000000" pitchFamily="2" charset="2"/>
+              <a:buChar char="p"/>
+              <a:tabLst/>
+            </a:pPr>
+            <a:r>
+              <a:rPr lang="en-US" altLang="zh-TW" sz="1800" dirty="0">
+                <a:effectLst/>
+                <a:ea typeface="Microsoft JhengHei" panose="020B0604030504040204" pitchFamily="34" charset="-120"/>
+                <a:sym typeface="Wingdings" panose="05000000000000000000"/>
+              </a:rPr>
+              <a:t>OutPutWavFile  </a:t>
+            </a:r>
+            <a:r>
+              <a:rPr lang="zh-TW" altLang="en-US" sz="1800" dirty="0">
+                <a:effectLst/>
+                <a:ea typeface="Microsoft JhengHei" panose="020B0604030504040204" pitchFamily="34" charset="-120"/>
+                <a:sym typeface="Wingdings" panose="05000000000000000000"/>
+              </a:rPr>
+              <a:t>麥克風即時錄音時，所輸出的</a:t>
+            </a:r>
+            <a:r>
+              <a:rPr lang="en-US" altLang="zh-TW" dirty="0">
+                <a:ea typeface="Microsoft JhengHei" panose="020B0604030504040204" pitchFamily="34" charset="-120"/>
+                <a:sym typeface="Wingdings" panose="05000000000000000000"/>
+              </a:rPr>
+              <a:t>.wav</a:t>
+            </a:r>
+            <a:r>
+              <a:rPr lang="zh-TW" altLang="en-US" dirty="0">
+                <a:ea typeface="Microsoft JhengHei" panose="020B0604030504040204" pitchFamily="34" charset="-120"/>
+                <a:sym typeface="Wingdings" panose="05000000000000000000"/>
+              </a:rPr>
+              <a:t>音訊檔 </a:t>
+            </a:r>
+            <a:r>
+              <a:rPr lang="en-US" altLang="zh-TW" dirty="0">
+                <a:ea typeface="Microsoft JhengHei" panose="020B0604030504040204" pitchFamily="34" charset="-120"/>
+                <a:sym typeface="Wingdings" panose="05000000000000000000"/>
+              </a:rPr>
+              <a:t>(ViewsRecordFile.cshtml)</a:t>
+            </a:r>
+          </a:p>
+          <a:p>
+            <a:pPr marL="742950" lvl="1" indent="-285750" eaLnBrk="0" fontAlgn="ctr" hangingPunct="0">
+              <a:lnSpc>
+                <a:spcPct val="150000"/>
+              </a:lnSpc>
+              <a:spcBef>
+                <a:spcPct val="0"/>
+              </a:spcBef>
+              <a:spcAft>
+                <a:spcPct val="0"/>
+              </a:spcAft>
+              <a:buFont typeface="Wingdings" panose="05000000000000000000" pitchFamily="2" charset="2"/>
+              <a:buChar char="p"/>
+            </a:pPr>
+            <a:r>
+              <a:rPr lang="en-US" altLang="zh-TW" sz="1800" dirty="0">
+                <a:effectLst/>
+                <a:ea typeface="Microsoft JhengHei" panose="020B0604030504040204" pitchFamily="34" charset="-120"/>
+                <a:sym typeface="Wingdings" panose="05000000000000000000"/>
+              </a:rPr>
+              <a:t>UploadedFiles  </a:t>
+            </a:r>
+            <a:r>
+              <a:rPr lang="zh-TW" altLang="en-US" sz="1800" dirty="0">
+                <a:effectLst/>
+                <a:ea typeface="Microsoft JhengHei" panose="020B0604030504040204" pitchFamily="34" charset="-120"/>
+                <a:sym typeface="Wingdings" panose="05000000000000000000"/>
+              </a:rPr>
+              <a:t>語音檔轉文字，在上傳音訊檔時所存放的位置</a:t>
+            </a:r>
+            <a:r>
+              <a:rPr lang="en-US" altLang="zh-TW" dirty="0">
+                <a:ea typeface="Microsoft JhengHei" panose="020B0604030504040204" pitchFamily="34" charset="-120"/>
+                <a:sym typeface="Wingdings" panose="05000000000000000000"/>
+              </a:rPr>
+              <a:t>(ViewsUploadFile.cshtml)</a:t>
+            </a:r>
+          </a:p>
+          <a:p>
+            <a:pPr marL="742950" lvl="1" indent="-285750" eaLnBrk="0" fontAlgn="ctr" hangingPunct="0">
+              <a:lnSpc>
+                <a:spcPct val="150000"/>
+              </a:lnSpc>
+              <a:spcBef>
+                <a:spcPct val="0"/>
+              </a:spcBef>
+              <a:spcAft>
+                <a:spcPct val="0"/>
+              </a:spcAft>
+              <a:buFont typeface="Wingdings" panose="05000000000000000000" pitchFamily="2" charset="2"/>
+              <a:buChar char="p"/>
+            </a:pPr>
+            <a:r>
+              <a:rPr lang="en-US" altLang="zh-TW" dirty="0">
+                <a:ea typeface="Microsoft JhengHei" panose="020B0604030504040204" pitchFamily="34" charset="-120"/>
+                <a:sym typeface="Wingdings" panose="05000000000000000000"/>
+              </a:rPr>
+              <a:t>Personal_AudioFile</a:t>
+            </a:r>
+            <a:r>
+              <a:rPr lang="en-US" altLang="zh-TW" dirty="0">
+                <a:ea typeface="Microsoft JhengHei" panose="020B0604030504040204" pitchFamily="34" charset="-120"/>
+                <a:sym typeface="Wingdings" panose="05000000000000000000" pitchFamily="2" charset="2"/>
+              </a:rPr>
+              <a:t></a:t>
+            </a:r>
+            <a:r>
+              <a:rPr lang="zh-TW" altLang="en-US" dirty="0">
+                <a:ea typeface="Microsoft JhengHei" panose="020B0604030504040204" pitchFamily="34" charset="-120"/>
+                <a:sym typeface="Wingdings" panose="05000000000000000000" pitchFamily="2" charset="2"/>
+              </a:rPr>
+              <a:t>存放上傳的個人音檔</a:t>
+            </a:r>
+            <a:endParaRPr lang="en-US" altLang="zh-TW" dirty="0">
+              <a:ea typeface="Microsoft JhengHei" panose="020B0604030504040204" pitchFamily="34" charset="-120"/>
+              <a:sym typeface="Wingdings" panose="05000000000000000000"/>
+            </a:endParaRPr>
+          </a:p>
+          <a:p>
+            <a:pPr marL="742950" lvl="1" indent="-285750" eaLnBrk="0" fontAlgn="ctr" hangingPunct="0">
+              <a:lnSpc>
+                <a:spcPct val="150000"/>
+              </a:lnSpc>
+              <a:spcBef>
+                <a:spcPct val="0"/>
+              </a:spcBef>
+              <a:spcAft>
+                <a:spcPct val="0"/>
+              </a:spcAft>
+              <a:buFont typeface="Wingdings" panose="05000000000000000000" pitchFamily="2" charset="2"/>
+              <a:buChar char="p"/>
+            </a:pPr>
+            <a:r>
+              <a:rPr lang="en-US" altLang="zh-TW" dirty="0">
+                <a:ea typeface="Microsoft JhengHei" panose="020B0604030504040204" pitchFamily="34" charset="-120"/>
+                <a:sym typeface="Wingdings" panose="05000000000000000000"/>
+              </a:rPr>
+              <a:t>VideoGif</a:t>
+            </a:r>
+            <a:r>
+              <a:rPr lang="zh-TW" altLang="en-US" dirty="0">
+                <a:ea typeface="Microsoft JhengHei" panose="020B0604030504040204" pitchFamily="34" charset="-120"/>
+                <a:sym typeface="Wingdings" panose="05000000000000000000"/>
+              </a:rPr>
+              <a:t>存放</a:t>
+            </a:r>
+            <a:r>
+              <a:rPr lang="en-US" altLang="zh-TW" dirty="0">
+                <a:ea typeface="Microsoft JhengHei" panose="020B0604030504040204" pitchFamily="34" charset="-120"/>
+                <a:sym typeface="Wingdings" panose="05000000000000000000"/>
+              </a:rPr>
+              <a:t>gif</a:t>
+            </a:r>
+            <a:r>
+              <a:rPr lang="zh-TW" altLang="en-US" dirty="0">
+                <a:ea typeface="Microsoft JhengHei" panose="020B0604030504040204" pitchFamily="34" charset="-120"/>
+                <a:sym typeface="Wingdings" panose="05000000000000000000"/>
+              </a:rPr>
+              <a:t>檔，           動畫</a:t>
+            </a:r>
+            <a:endParaRPr lang="en-US" altLang="zh-TW" dirty="0">
+              <a:ea typeface="Microsoft JhengHei" panose="020B0604030504040204" pitchFamily="34" charset="-120"/>
+              <a:sym typeface="Wingdings" panose="05000000000000000000"/>
+            </a:endParaRPr>
+          </a:p>
+          <a:p>
+            <a:pPr marL="742950" lvl="1" indent="-285750" eaLnBrk="0" fontAlgn="ctr" hangingPunct="0">
+              <a:lnSpc>
+                <a:spcPct val="150000"/>
+              </a:lnSpc>
+              <a:spcBef>
+                <a:spcPct val="0"/>
+              </a:spcBef>
+              <a:spcAft>
+                <a:spcPct val="0"/>
+              </a:spcAft>
+              <a:buFont typeface="Wingdings" panose="05000000000000000000" pitchFamily="2" charset="2"/>
+              <a:buChar char="p"/>
+            </a:pPr>
+            <a:r>
+              <a:rPr lang="en-US" altLang="zh-TW" dirty="0">
+                <a:ea typeface="Microsoft JhengHei" panose="020B0604030504040204" pitchFamily="34" charset="-120"/>
+                <a:sym typeface="Wingdings" panose="05000000000000000000"/>
+              </a:rPr>
+              <a:t>Content</a:t>
+            </a:r>
+            <a:r>
+              <a:rPr lang="en-US" altLang="zh-TW" dirty="0">
+                <a:ea typeface="Microsoft JhengHei" panose="020B0604030504040204" pitchFamily="34" charset="-120"/>
+                <a:sym typeface="Wingdings" panose="05000000000000000000" pitchFamily="2" charset="2"/>
+              </a:rPr>
+              <a:t>/css  </a:t>
+            </a:r>
+            <a:r>
+              <a:rPr lang="zh-TW" altLang="en-US" dirty="0">
+                <a:ea typeface="Microsoft JhengHei" panose="020B0604030504040204" pitchFamily="34" charset="-120"/>
+                <a:sym typeface="Wingdings" panose="05000000000000000000" pitchFamily="2" charset="2"/>
+              </a:rPr>
+              <a:t>放</a:t>
+            </a:r>
+            <a:r>
+              <a:rPr lang="en-US" altLang="zh-TW" dirty="0">
+                <a:ea typeface="Microsoft JhengHei" panose="020B0604030504040204" pitchFamily="34" charset="-120"/>
+                <a:sym typeface="Wingdings" panose="05000000000000000000" pitchFamily="2" charset="2"/>
+              </a:rPr>
+              <a:t>bootstrap.5.1</a:t>
+            </a:r>
+            <a:r>
+              <a:rPr lang="zh-TW" altLang="en-US" dirty="0">
+                <a:ea typeface="Microsoft JhengHei" panose="020B0604030504040204" pitchFamily="34" charset="-120"/>
+                <a:sym typeface="Wingdings" panose="05000000000000000000" pitchFamily="2" charset="2"/>
+              </a:rPr>
+              <a:t>版</a:t>
+            </a:r>
+          </a:p>
+        </p:txBody>
+      </p:sp>
+      <p:sp>
+        <p:nvSpPr>
+          <p:cNvPr id="17" name="文字方塊 16">
+            <a:extLst>
+              <a:ext uri="{FF2B5EF4-FFF2-40B4-BE49-F238E27FC236}">
+                <a16:creationId xmlns:a16="http://schemas.microsoft.com/office/drawing/2014/main" id="{36BA7CDE-2253-44F6-1CDE-A95D2073EF28}"/>
+              </a:ext>
+            </a:extLst>
+          </p:cNvPr>
+          <p:cNvSpPr txBox="1"/>
+          <p:nvPr/>
+        </p:nvSpPr>
+        <p:spPr>
+          <a:xfrm>
+            <a:off x="-173620" y="1286398"/>
+            <a:ext cx="6094140" cy="369332"/>
+          </a:xfrm>
+          <a:prstGeom prst="rect">
+            <a:avLst/>
+          </a:prstGeom>
+          <a:noFill/>
+        </p:spPr>
+        <p:txBody>
+          <a:bodyPr wrap="square">
+            <a:spAutoFit/>
+          </a:bodyPr>
+          <a:lstStyle/>
+          <a:p>
+            <a:pPr marL="457200" marR="0" lvl="1" indent="0" algn="l" defTabSz="914400" rtl="0" eaLnBrk="0" fontAlgn="ctr" latinLnBrk="0" hangingPunct="0">
+              <a:lnSpc>
+                <a:spcPct val="100000"/>
+              </a:lnSpc>
+              <a:spcBef>
+                <a:spcPct val="0"/>
+              </a:spcBef>
+              <a:spcAft>
+                <a:spcPct val="0"/>
+              </a:spcAft>
+              <a:buClrTx/>
+              <a:buSzTx/>
+              <a:buFont typeface="Symbol" panose="05050102010706020507" pitchFamily="18" charset="2"/>
+              <a:buChar char=""/>
+              <a:tabLst/>
+            </a:pPr>
+            <a:r>
+              <a:rPr kumimoji="0" lang="zh-TW" altLang="en-US" b="1" i="0" u="none" strike="noStrike" cap="none" normalizeH="0" baseline="0" dirty="0">
+                <a:ln>
+                  <a:noFill/>
+                </a:ln>
+                <a:solidFill>
+                  <a:schemeClr val="tx1"/>
+                </a:solidFill>
+                <a:effectLst/>
+                <a:latin typeface="微軟正黑體" panose="020B0604030504040204" pitchFamily="34" charset="-120"/>
+                <a:ea typeface="微軟正黑體" panose="020B0604030504040204" pitchFamily="34" charset="-120"/>
+                <a:cs typeface="Calibri" panose="020F0502020204030204" pitchFamily="34" charset="0"/>
+              </a:rPr>
+              <a:t> 新增的資料夾</a:t>
+            </a:r>
+            <a:endParaRPr kumimoji="0" lang="zh-TW" altLang="zh-TW" b="0" i="0" u="none" strike="noStrike" cap="none" normalizeH="0" baseline="0" dirty="0">
+              <a:ln>
+                <a:noFill/>
+              </a:ln>
+              <a:solidFill>
+                <a:schemeClr val="tx1"/>
+              </a:solidFill>
+              <a:effectLst/>
+            </a:endParaRPr>
+          </a:p>
+        </p:txBody>
+      </p:sp>
+      <p:sp>
+        <p:nvSpPr>
+          <p:cNvPr id="2" name="文字方塊 1">
+            <a:extLst>
+              <a:ext uri="{FF2B5EF4-FFF2-40B4-BE49-F238E27FC236}">
+                <a16:creationId xmlns:a16="http://schemas.microsoft.com/office/drawing/2014/main" id="{4792DDB3-8E30-CE4F-150C-14B615F755B1}"/>
+              </a:ext>
+            </a:extLst>
+          </p:cNvPr>
+          <p:cNvSpPr txBox="1"/>
+          <p:nvPr/>
+        </p:nvSpPr>
+        <p:spPr>
+          <a:xfrm>
+            <a:off x="88644" y="5345718"/>
+            <a:ext cx="10141823" cy="923330"/>
+          </a:xfrm>
+          <a:prstGeom prst="rect">
+            <a:avLst/>
+          </a:prstGeom>
+          <a:noFill/>
+        </p:spPr>
+        <p:txBody>
+          <a:bodyPr wrap="square">
+            <a:spAutoFit/>
+          </a:bodyPr>
+          <a:lstStyle/>
+          <a:p>
+            <a:pPr marL="742950" marR="0" lvl="1" indent="-285750" algn="l" defTabSz="914400" rtl="0" eaLnBrk="0" fontAlgn="ctr" latinLnBrk="0" hangingPunct="0">
+              <a:lnSpc>
+                <a:spcPct val="150000"/>
+              </a:lnSpc>
+              <a:spcBef>
+                <a:spcPct val="0"/>
+              </a:spcBef>
+              <a:spcAft>
+                <a:spcPct val="0"/>
+              </a:spcAft>
+              <a:buClrTx/>
+              <a:buSzTx/>
+              <a:buFont typeface="Wingdings" panose="05000000000000000000" pitchFamily="2" charset="2"/>
+              <a:buChar char="p"/>
+              <a:tabLst/>
+            </a:pPr>
+            <a:r>
+              <a:rPr lang="en-US" altLang="zh-TW" sz="1800" dirty="0">
+                <a:effectLst/>
+                <a:highlight>
+                  <a:srgbClr val="FFFF00"/>
+                </a:highlight>
+                <a:ea typeface="Microsoft JhengHei" panose="020B0604030504040204" pitchFamily="34" charset="-120"/>
+              </a:rPr>
+              <a:t>Models</a:t>
+            </a:r>
+            <a:r>
+              <a:rPr lang="zh-TW" altLang="en-US" sz="1800" dirty="0">
+                <a:effectLst/>
+                <a:ea typeface="Microsoft JhengHei" panose="020B0604030504040204" pitchFamily="34" charset="-120"/>
+              </a:rPr>
+              <a:t>資料夾裡的 </a:t>
+            </a:r>
+            <a:r>
+              <a:rPr lang="en-US" altLang="zh-TW" sz="1800" dirty="0">
+                <a:effectLst/>
+                <a:ea typeface="Microsoft JhengHei" panose="020B0604030504040204" pitchFamily="34" charset="-120"/>
+              </a:rPr>
+              <a:t>FileModel.cs</a:t>
+            </a:r>
+            <a:r>
+              <a:rPr lang="zh-TW" altLang="en-US" sz="1800" dirty="0">
+                <a:effectLst/>
+                <a:ea typeface="Microsoft JhengHei" panose="020B0604030504040204" pitchFamily="34" charset="-120"/>
+              </a:rPr>
+              <a:t> </a:t>
+            </a:r>
+            <a:r>
+              <a:rPr lang="en-US" altLang="zh-TW" sz="1800" dirty="0">
+                <a:effectLst/>
+                <a:ea typeface="Microsoft JhengHei" panose="020B0604030504040204" pitchFamily="34" charset="-120"/>
+                <a:sym typeface="Wingdings" panose="05000000000000000000"/>
+              </a:rPr>
+              <a:t></a:t>
+            </a:r>
+            <a:r>
+              <a:rPr lang="zh-TW" altLang="en-US" sz="1800" dirty="0">
+                <a:effectLst/>
+                <a:ea typeface="Microsoft JhengHei" panose="020B0604030504040204" pitchFamily="34" charset="-120"/>
+                <a:sym typeface="Wingdings" panose="05000000000000000000"/>
+              </a:rPr>
+              <a:t>用來設定</a:t>
+            </a:r>
+            <a:r>
+              <a:rPr lang="en-US" altLang="zh-TW" sz="1800" dirty="0">
+                <a:effectLst/>
+                <a:ea typeface="Microsoft JhengHei" panose="020B0604030504040204" pitchFamily="34" charset="-120"/>
+                <a:sym typeface="Wingdings" panose="05000000000000000000"/>
+              </a:rPr>
+              <a:t>filename</a:t>
+            </a:r>
+            <a:r>
+              <a:rPr lang="zh-TW" altLang="en-US" sz="1800" dirty="0">
+                <a:effectLst/>
+                <a:ea typeface="Microsoft JhengHei" panose="020B0604030504040204" pitchFamily="34" charset="-120"/>
+                <a:sym typeface="Wingdings" panose="05000000000000000000"/>
+              </a:rPr>
+              <a:t>參數</a:t>
+            </a:r>
+            <a:endParaRPr lang="en-US" altLang="zh-TW" dirty="0">
+              <a:ea typeface="Microsoft JhengHei" panose="020B0604030504040204" pitchFamily="34" charset="-120"/>
+              <a:sym typeface="Wingdings" panose="05000000000000000000"/>
+            </a:endParaRPr>
+          </a:p>
+          <a:p>
+            <a:pPr marL="742950" marR="0" lvl="1" indent="-285750" algn="l" defTabSz="914400" rtl="0" eaLnBrk="0" fontAlgn="ctr" latinLnBrk="0" hangingPunct="0">
+              <a:lnSpc>
+                <a:spcPct val="150000"/>
+              </a:lnSpc>
+              <a:spcBef>
+                <a:spcPct val="0"/>
+              </a:spcBef>
+              <a:spcAft>
+                <a:spcPct val="0"/>
+              </a:spcAft>
+              <a:buClrTx/>
+              <a:buSzTx/>
+              <a:buFont typeface="Wingdings" panose="05000000000000000000" pitchFamily="2" charset="2"/>
+              <a:buChar char="p"/>
+              <a:tabLst/>
+            </a:pPr>
+            <a:r>
+              <a:rPr lang="en-US" altLang="zh-TW" sz="1800" dirty="0">
+                <a:effectLst/>
+                <a:ea typeface="Microsoft JhengHei" panose="020B0604030504040204" pitchFamily="34" charset="-120"/>
+                <a:sym typeface="Wingdings" panose="05000000000000000000"/>
+              </a:rPr>
+              <a:t>AudioStreamReader.cs  </a:t>
+            </a:r>
+            <a:r>
+              <a:rPr lang="zh-TW" altLang="en-US" dirty="0">
+                <a:ea typeface="Microsoft JhengHei" panose="020B0604030504040204" pitchFamily="34" charset="-120"/>
+                <a:sym typeface="Wingdings" panose="05000000000000000000"/>
+              </a:rPr>
+              <a:t>讀取檔案時會呼叫到</a:t>
+            </a:r>
+            <a:endParaRPr lang="en-US" altLang="zh-TW" dirty="0">
+              <a:ea typeface="Microsoft JhengHei" panose="020B0604030504040204" pitchFamily="34" charset="-120"/>
+              <a:sym typeface="Wingdings" panose="05000000000000000000"/>
+            </a:endParaRPr>
+          </a:p>
+        </p:txBody>
+      </p:sp>
+      <p:sp>
+        <p:nvSpPr>
+          <p:cNvPr id="4" name="文字方塊 3">
+            <a:extLst>
+              <a:ext uri="{FF2B5EF4-FFF2-40B4-BE49-F238E27FC236}">
+                <a16:creationId xmlns:a16="http://schemas.microsoft.com/office/drawing/2014/main" id="{66AF7492-5647-F485-F4B5-C2B7B2A31F19}"/>
+              </a:ext>
+            </a:extLst>
+          </p:cNvPr>
+          <p:cNvSpPr txBox="1"/>
+          <p:nvPr/>
+        </p:nvSpPr>
+        <p:spPr>
+          <a:xfrm>
+            <a:off x="-92597" y="4931305"/>
+            <a:ext cx="6094140" cy="369332"/>
+          </a:xfrm>
+          <a:prstGeom prst="rect">
+            <a:avLst/>
+          </a:prstGeom>
+          <a:noFill/>
+        </p:spPr>
+        <p:txBody>
+          <a:bodyPr wrap="square">
+            <a:spAutoFit/>
+          </a:bodyPr>
+          <a:lstStyle/>
+          <a:p>
+            <a:pPr marL="457200" marR="0" lvl="1" indent="0" algn="l" defTabSz="914400" rtl="0" eaLnBrk="0" fontAlgn="ctr" latinLnBrk="0" hangingPunct="0">
+              <a:lnSpc>
+                <a:spcPct val="100000"/>
+              </a:lnSpc>
+              <a:spcBef>
+                <a:spcPct val="0"/>
+              </a:spcBef>
+              <a:spcAft>
+                <a:spcPct val="0"/>
+              </a:spcAft>
+              <a:buClrTx/>
+              <a:buSzTx/>
+              <a:buFont typeface="Symbol" panose="05050102010706020507" pitchFamily="18" charset="2"/>
+              <a:buChar char=""/>
+              <a:tabLst/>
+            </a:pPr>
+            <a:r>
+              <a:rPr kumimoji="0" lang="zh-TW" altLang="en-US" b="1" i="0" u="none" strike="noStrike" cap="none" normalizeH="0" baseline="0" dirty="0">
+                <a:ln>
+                  <a:noFill/>
+                </a:ln>
+                <a:solidFill>
+                  <a:schemeClr val="tx1"/>
+                </a:solidFill>
+                <a:effectLst/>
+                <a:latin typeface="微軟正黑體" panose="020B0604030504040204" pitchFamily="34" charset="-120"/>
+                <a:ea typeface="微軟正黑體" panose="020B0604030504040204" pitchFamily="34" charset="-120"/>
+                <a:cs typeface="Calibri" panose="020F0502020204030204" pitchFamily="34" charset="0"/>
+              </a:rPr>
+              <a:t> 新增的</a:t>
+            </a:r>
+            <a:r>
+              <a:rPr kumimoji="0" lang="en-US" altLang="zh-TW" b="1" i="0" u="none" strike="noStrike" cap="none" normalizeH="0" baseline="0" dirty="0">
+                <a:ln>
+                  <a:noFill/>
+                </a:ln>
+                <a:solidFill>
+                  <a:schemeClr val="tx1"/>
+                </a:solidFill>
+                <a:effectLst/>
+                <a:latin typeface="微軟正黑體" panose="020B0604030504040204" pitchFamily="34" charset="-120"/>
+                <a:ea typeface="微軟正黑體" panose="020B0604030504040204" pitchFamily="34" charset="-120"/>
+                <a:cs typeface="Calibri" panose="020F0502020204030204" pitchFamily="34" charset="0"/>
+              </a:rPr>
+              <a:t>.cs</a:t>
+            </a:r>
+            <a:r>
+              <a:rPr kumimoji="0" lang="zh-TW" altLang="en-US" b="1" i="0" u="none" strike="noStrike" cap="none" normalizeH="0" baseline="0" dirty="0">
+                <a:ln>
+                  <a:noFill/>
+                </a:ln>
+                <a:solidFill>
+                  <a:schemeClr val="tx1"/>
+                </a:solidFill>
+                <a:effectLst/>
+                <a:latin typeface="微軟正黑體" panose="020B0604030504040204" pitchFamily="34" charset="-120"/>
+                <a:ea typeface="微軟正黑體" panose="020B0604030504040204" pitchFamily="34" charset="-120"/>
+                <a:cs typeface="Calibri" panose="020F0502020204030204" pitchFamily="34" charset="0"/>
+              </a:rPr>
+              <a:t>檔</a:t>
+            </a:r>
+            <a:endParaRPr kumimoji="0" lang="zh-TW" altLang="zh-TW" b="0" i="0" u="none" strike="noStrike" cap="none" normalizeH="0" baseline="0" dirty="0">
+              <a:ln>
+                <a:noFill/>
+              </a:ln>
+              <a:solidFill>
+                <a:schemeClr val="tx1"/>
+              </a:solidFill>
+              <a:effectLst/>
+            </a:endParaRPr>
+          </a:p>
+        </p:txBody>
+      </p:sp>
+      <p:pic>
+        <p:nvPicPr>
+          <p:cNvPr id="8" name="圖片 7">
+            <a:extLst>
+              <a:ext uri="{FF2B5EF4-FFF2-40B4-BE49-F238E27FC236}">
+                <a16:creationId xmlns:a16="http://schemas.microsoft.com/office/drawing/2014/main" id="{37B1061D-B9B7-00B8-AF7D-7695FAFAF88F}"/>
+              </a:ext>
+            </a:extLst>
+          </p:cNvPr>
+          <p:cNvPicPr>
+            <a:picLocks noChangeAspect="1"/>
+          </p:cNvPicPr>
+          <p:nvPr/>
+        </p:nvPicPr>
+        <p:blipFill rotWithShape="1">
+          <a:blip r:embed="rId2"/>
+          <a:srcRect l="-10202" t="19780" r="5143"/>
+          <a:stretch/>
+        </p:blipFill>
+        <p:spPr>
+          <a:xfrm>
+            <a:off x="3047070" y="3672008"/>
+            <a:ext cx="617527" cy="580762"/>
+          </a:xfrm>
+          <a:prstGeom prst="rect">
+            <a:avLst/>
+          </a:prstGeom>
+        </p:spPr>
+      </p:pic>
+    </p:spTree>
+    <p:extLst>
+      <p:ext uri="{BB962C8B-B14F-4D97-AF65-F5344CB8AC3E}">
+        <p14:creationId xmlns:p14="http://schemas.microsoft.com/office/powerpoint/2010/main" val="4103385989"/>
+      </p:ext>
+    </p:extLst>
+  </p:cSld>
+  <p:clrMapOvr>
+    <a:masterClrMapping/>
+  </p:clrMapOvr>
+</p:sld>
+</file>
+
+<file path=ppt/slides/slide20.xml><?xml version="1.0" encoding="utf-8"?>
 <p:sld xmlns:a="http://schemas.openxmlformats.org/drawingml/2006/main" xmlns:r="http://schemas.openxmlformats.org/officeDocument/2006/relationships" xmlns:p="http://schemas.openxmlformats.org/presentationml/2006/main">
   <p:cSld>
     <p:spTree>
@@ -9460,991 +12030,7 @@
 </p:sld>
 </file>
 
-<file path=ppt/slides/slide2.xml><?xml version="1.0" encoding="utf-8"?>
-<p:sld xmlns:a="http://schemas.openxmlformats.org/drawingml/2006/main" xmlns:r="http://schemas.openxmlformats.org/officeDocument/2006/relationships" xmlns:p="http://schemas.openxmlformats.org/presentationml/2006/main">
-  <p:cSld>
-    <p:spTree>
-      <p:nvGrpSpPr>
-        <p:cNvPr id="1" name=""/>
-        <p:cNvGrpSpPr/>
-        <p:nvPr/>
-      </p:nvGrpSpPr>
-      <p:grpSpPr>
-        <a:xfrm>
-          <a:off x="0" y="0"/>
-          <a:ext cx="0" cy="0"/>
-          <a:chOff x="0" y="0"/>
-          <a:chExt cx="0" cy="0"/>
-        </a:xfrm>
-      </p:grpSpPr>
-      <p:sp>
-        <p:nvSpPr>
-          <p:cNvPr id="7" name="Rectangle 9">
-            <a:extLst>
-              <a:ext uri="{FF2B5EF4-FFF2-40B4-BE49-F238E27FC236}">
-                <a16:creationId xmlns:a16="http://schemas.microsoft.com/office/drawing/2014/main" id="{3EE76470-6D9F-769C-F8CF-09B765DB98E8}"/>
-              </a:ext>
-            </a:extLst>
-          </p:cNvPr>
-          <p:cNvSpPr>
-            <a:spLocks noChangeArrowheads="1"/>
-          </p:cNvSpPr>
-          <p:nvPr/>
-        </p:nvSpPr>
-        <p:spPr bwMode="auto">
-          <a:xfrm>
-            <a:off x="262265" y="421178"/>
-            <a:ext cx="3877985" cy="646331"/>
-          </a:xfrm>
-          <a:prstGeom prst="rect">
-            <a:avLst/>
-          </a:prstGeom>
-          <a:noFill/>
-          <a:ln>
-            <a:noFill/>
-          </a:ln>
-          <a:effectLst/>
-          <a:extLst>
-            <a:ext uri="{909E8E84-426E-40DD-AFC4-6F175D3DCCD1}">
-              <a14:hiddenFill xmlns:a14="http://schemas.microsoft.com/office/drawing/2010/main">
-                <a:solidFill>
-                  <a:schemeClr val="accent1"/>
-                </a:solidFill>
-              </a14:hiddenFill>
-            </a:ext>
-            <a:ext uri="{91240B29-F687-4F45-9708-019B960494DF}">
-              <a14:hiddenLine xmlns:a14="http://schemas.microsoft.com/office/drawing/2010/main" w="9525">
-                <a:solidFill>
-                  <a:schemeClr val="tx1"/>
-                </a:solidFill>
-                <a:miter lim="800000"/>
-                <a:headEnd/>
-                <a:tailEnd/>
-              </a14:hiddenLine>
-            </a:ext>
-            <a:ext uri="{AF507438-7753-43E0-B8FC-AC1667EBCBE1}">
-              <a14:hiddenEffects xmlns:a14="http://schemas.microsoft.com/office/drawing/2010/main">
-                <a:effectLst>
-                  <a:outerShdw dist="35921" dir="2700000" algn="ctr" rotWithShape="0">
-                    <a:schemeClr val="bg2"/>
-                  </a:outerShdw>
-                </a:effectLst>
-              </a14:hiddenEffects>
-            </a:ext>
-          </a:extLst>
-        </p:spPr>
-        <p:txBody>
-          <a:bodyPr vert="horz" wrap="none" lIns="91440" tIns="45720" rIns="91440" bIns="45720" numCol="1" anchor="ctr" anchorCtr="0" compatLnSpc="1">
-            <a:prstTxWarp prst="textNoShape">
-              <a:avLst/>
-            </a:prstTxWarp>
-            <a:spAutoFit/>
-          </a:bodyPr>
-          <a:lstStyle>
-            <a:lvl1pPr eaLnBrk="0" fontAlgn="base" hangingPunct="0">
-              <a:spcBef>
-                <a:spcPct val="0"/>
-              </a:spcBef>
-              <a:spcAft>
-                <a:spcPct val="0"/>
-              </a:spcAft>
-              <a:defRPr>
-                <a:solidFill>
-                  <a:schemeClr val="tx1"/>
-                </a:solidFill>
-                <a:latin typeface="Arial" panose="020B0604020202020204" pitchFamily="34" charset="0"/>
-              </a:defRPr>
-            </a:lvl1pPr>
-            <a:lvl2pPr eaLnBrk="0" fontAlgn="base" hangingPunct="0">
-              <a:spcBef>
-                <a:spcPct val="0"/>
-              </a:spcBef>
-              <a:spcAft>
-                <a:spcPct val="0"/>
-              </a:spcAft>
-              <a:defRPr>
-                <a:solidFill>
-                  <a:schemeClr val="tx1"/>
-                </a:solidFill>
-                <a:latin typeface="Arial" panose="020B0604020202020204" pitchFamily="34" charset="0"/>
-              </a:defRPr>
-            </a:lvl2pPr>
-            <a:lvl3pPr eaLnBrk="0" fontAlgn="base" hangingPunct="0">
-              <a:spcBef>
-                <a:spcPct val="0"/>
-              </a:spcBef>
-              <a:spcAft>
-                <a:spcPct val="0"/>
-              </a:spcAft>
-              <a:defRPr>
-                <a:solidFill>
-                  <a:schemeClr val="tx1"/>
-                </a:solidFill>
-                <a:latin typeface="Arial" panose="020B0604020202020204" pitchFamily="34" charset="0"/>
-              </a:defRPr>
-            </a:lvl3pPr>
-            <a:lvl4pPr eaLnBrk="0" fontAlgn="base" hangingPunct="0">
-              <a:spcBef>
-                <a:spcPct val="0"/>
-              </a:spcBef>
-              <a:spcAft>
-                <a:spcPct val="0"/>
-              </a:spcAft>
-              <a:defRPr>
-                <a:solidFill>
-                  <a:schemeClr val="tx1"/>
-                </a:solidFill>
-                <a:latin typeface="Arial" panose="020B0604020202020204" pitchFamily="34" charset="0"/>
-              </a:defRPr>
-            </a:lvl4pPr>
-            <a:lvl5pPr eaLnBrk="0" fontAlgn="base" hangingPunct="0">
-              <a:spcBef>
-                <a:spcPct val="0"/>
-              </a:spcBef>
-              <a:spcAft>
-                <a:spcPct val="0"/>
-              </a:spcAft>
-              <a:defRPr>
-                <a:solidFill>
-                  <a:schemeClr val="tx1"/>
-                </a:solidFill>
-                <a:latin typeface="Arial" panose="020B0604020202020204" pitchFamily="34" charset="0"/>
-              </a:defRPr>
-            </a:lvl5pPr>
-            <a:lvl6pPr eaLnBrk="0" fontAlgn="base" hangingPunct="0">
-              <a:spcBef>
-                <a:spcPct val="0"/>
-              </a:spcBef>
-              <a:spcAft>
-                <a:spcPct val="0"/>
-              </a:spcAft>
-              <a:defRPr>
-                <a:solidFill>
-                  <a:schemeClr val="tx1"/>
-                </a:solidFill>
-                <a:latin typeface="Arial" panose="020B0604020202020204" pitchFamily="34" charset="0"/>
-              </a:defRPr>
-            </a:lvl6pPr>
-            <a:lvl7pPr eaLnBrk="0" fontAlgn="base" hangingPunct="0">
-              <a:spcBef>
-                <a:spcPct val="0"/>
-              </a:spcBef>
-              <a:spcAft>
-                <a:spcPct val="0"/>
-              </a:spcAft>
-              <a:defRPr>
-                <a:solidFill>
-                  <a:schemeClr val="tx1"/>
-                </a:solidFill>
-                <a:latin typeface="Arial" panose="020B0604020202020204" pitchFamily="34" charset="0"/>
-              </a:defRPr>
-            </a:lvl7pPr>
-            <a:lvl8pPr eaLnBrk="0" fontAlgn="base" hangingPunct="0">
-              <a:spcBef>
-                <a:spcPct val="0"/>
-              </a:spcBef>
-              <a:spcAft>
-                <a:spcPct val="0"/>
-              </a:spcAft>
-              <a:defRPr>
-                <a:solidFill>
-                  <a:schemeClr val="tx1"/>
-                </a:solidFill>
-                <a:latin typeface="Arial" panose="020B0604020202020204" pitchFamily="34" charset="0"/>
-              </a:defRPr>
-            </a:lvl8pPr>
-            <a:lvl9pPr eaLnBrk="0" fontAlgn="base" hangingPunct="0">
-              <a:spcBef>
-                <a:spcPct val="0"/>
-              </a:spcBef>
-              <a:spcAft>
-                <a:spcPct val="0"/>
-              </a:spcAft>
-              <a:defRPr>
-                <a:solidFill>
-                  <a:schemeClr val="tx1"/>
-                </a:solidFill>
-                <a:latin typeface="Arial" panose="020B0604020202020204" pitchFamily="34" charset="0"/>
-              </a:defRPr>
-            </a:lvl9pPr>
-          </a:lstStyle>
-          <a:p>
-            <a:pPr marL="0" marR="0" lvl="0" indent="0" algn="l" defTabSz="914400" rtl="0" eaLnBrk="0" fontAlgn="ctr" latinLnBrk="0" hangingPunct="0">
-              <a:lnSpc>
-                <a:spcPct val="100000"/>
-              </a:lnSpc>
-              <a:spcBef>
-                <a:spcPct val="0"/>
-              </a:spcBef>
-              <a:spcAft>
-                <a:spcPct val="0"/>
-              </a:spcAft>
-              <a:buClrTx/>
-              <a:buSzTx/>
-              <a:buFontTx/>
-              <a:buNone/>
-              <a:tabLst/>
-            </a:pPr>
-            <a:r>
-              <a:rPr kumimoji="0" lang="zh-TW" altLang="zh-TW" sz="3600" b="1" i="0" u="none" strike="noStrike" cap="none" normalizeH="0" baseline="0" dirty="0">
-                <a:ln>
-                  <a:noFill/>
-                </a:ln>
-                <a:solidFill>
-                  <a:schemeClr val="tx1"/>
-                </a:solidFill>
-                <a:effectLst/>
-                <a:latin typeface="微軟正黑體" panose="020B0604030504040204" pitchFamily="34" charset="-120"/>
-                <a:ea typeface="微軟正黑體" panose="020B0604030504040204" pitchFamily="34" charset="-120"/>
-                <a:cs typeface="Calibri" panose="020F0502020204030204" pitchFamily="34" charset="0"/>
-              </a:rPr>
-              <a:t>專案須注意的地方</a:t>
-            </a:r>
-            <a:endParaRPr kumimoji="0" lang="zh-TW" altLang="zh-TW" sz="3600" b="0" i="0" u="none" strike="noStrike" cap="none" normalizeH="0" baseline="0" dirty="0">
-              <a:ln>
-                <a:noFill/>
-              </a:ln>
-              <a:solidFill>
-                <a:schemeClr val="tx1"/>
-              </a:solidFill>
-              <a:effectLst/>
-            </a:endParaRPr>
-          </a:p>
-        </p:txBody>
-      </p:sp>
-      <p:sp>
-        <p:nvSpPr>
-          <p:cNvPr id="13" name="文字方塊 12">
-            <a:extLst>
-              <a:ext uri="{FF2B5EF4-FFF2-40B4-BE49-F238E27FC236}">
-                <a16:creationId xmlns:a16="http://schemas.microsoft.com/office/drawing/2014/main" id="{ECA205BF-5DF6-28BF-C222-2EBC66A9E2F5}"/>
-              </a:ext>
-            </a:extLst>
-          </p:cNvPr>
-          <p:cNvSpPr txBox="1"/>
-          <p:nvPr/>
-        </p:nvSpPr>
-        <p:spPr>
-          <a:xfrm>
-            <a:off x="88645" y="1557363"/>
-            <a:ext cx="10141823" cy="3000821"/>
-          </a:xfrm>
-          <a:prstGeom prst="rect">
-            <a:avLst/>
-          </a:prstGeom>
-          <a:noFill/>
-        </p:spPr>
-        <p:txBody>
-          <a:bodyPr wrap="square">
-            <a:spAutoFit/>
-          </a:bodyPr>
-          <a:lstStyle/>
-          <a:p>
-            <a:pPr marL="742950" marR="0" lvl="1" indent="-285750" algn="l" defTabSz="914400" rtl="0" eaLnBrk="0" fontAlgn="ctr" latinLnBrk="0" hangingPunct="0">
-              <a:lnSpc>
-                <a:spcPct val="150000"/>
-              </a:lnSpc>
-              <a:spcBef>
-                <a:spcPct val="0"/>
-              </a:spcBef>
-              <a:spcAft>
-                <a:spcPct val="0"/>
-              </a:spcAft>
-              <a:buClrTx/>
-              <a:buSzTx/>
-              <a:buFont typeface="Wingdings" panose="05000000000000000000" pitchFamily="2" charset="2"/>
-              <a:buChar char="p"/>
-              <a:tabLst/>
-            </a:pPr>
-            <a:r>
-              <a:rPr lang="en-US" altLang="zh-TW" sz="1800" dirty="0">
-                <a:effectLst/>
-                <a:ea typeface="Microsoft JhengHei" panose="020B0604030504040204" pitchFamily="34" charset="-120"/>
-              </a:rPr>
-              <a:t>cutWav</a:t>
-            </a:r>
-            <a:r>
-              <a:rPr lang="zh-TW" altLang="en-US" sz="1800" dirty="0">
-                <a:effectLst/>
-                <a:ea typeface="Microsoft JhengHei" panose="020B0604030504040204" pitchFamily="34" charset="-120"/>
-              </a:rPr>
-              <a:t> </a:t>
-            </a:r>
-            <a:r>
-              <a:rPr lang="en-US" altLang="zh-TW" sz="1800" dirty="0">
-                <a:effectLst/>
-                <a:ea typeface="Microsoft JhengHei" panose="020B0604030504040204" pitchFamily="34" charset="-120"/>
-                <a:sym typeface="Wingdings" panose="05000000000000000000"/>
-              </a:rPr>
-              <a:t></a:t>
-            </a:r>
-            <a:r>
-              <a:rPr lang="zh-TW" altLang="en-US" sz="1800" dirty="0">
-                <a:effectLst/>
-                <a:ea typeface="Microsoft JhengHei" panose="020B0604030504040204" pitchFamily="34" charset="-120"/>
-                <a:sym typeface="Wingdings" panose="05000000000000000000"/>
-              </a:rPr>
-              <a:t>用來存放切割的</a:t>
-            </a:r>
-            <a:r>
-              <a:rPr lang="en-US" altLang="zh-TW" sz="1800" dirty="0">
-                <a:effectLst/>
-                <a:ea typeface="Microsoft JhengHei" panose="020B0604030504040204" pitchFamily="34" charset="-120"/>
-                <a:sym typeface="Wingdings" panose="05000000000000000000"/>
-              </a:rPr>
-              <a:t>wav</a:t>
-            </a:r>
-            <a:r>
-              <a:rPr lang="zh-TW" altLang="en-US" dirty="0">
-                <a:ea typeface="Microsoft JhengHei" panose="020B0604030504040204" pitchFamily="34" charset="-120"/>
-                <a:sym typeface="Wingdings" panose="05000000000000000000"/>
-              </a:rPr>
-              <a:t>檔 </a:t>
-            </a:r>
-            <a:endParaRPr lang="en-US" altLang="zh-TW" dirty="0">
-              <a:ea typeface="Microsoft JhengHei" panose="020B0604030504040204" pitchFamily="34" charset="-120"/>
-              <a:sym typeface="Wingdings" panose="05000000000000000000"/>
-            </a:endParaRPr>
-          </a:p>
-          <a:p>
-            <a:pPr marL="742950" marR="0" lvl="1" indent="-285750" algn="l" defTabSz="914400" rtl="0" eaLnBrk="0" fontAlgn="ctr" latinLnBrk="0" hangingPunct="0">
-              <a:lnSpc>
-                <a:spcPct val="150000"/>
-              </a:lnSpc>
-              <a:spcBef>
-                <a:spcPct val="0"/>
-              </a:spcBef>
-              <a:spcAft>
-                <a:spcPct val="0"/>
-              </a:spcAft>
-              <a:buClrTx/>
-              <a:buSzTx/>
-              <a:buFont typeface="Wingdings" panose="05000000000000000000" pitchFamily="2" charset="2"/>
-              <a:buChar char="p"/>
-              <a:tabLst/>
-            </a:pPr>
-            <a:r>
-              <a:rPr lang="en-US" altLang="zh-TW" dirty="0">
-                <a:ea typeface="Microsoft JhengHei" panose="020B0604030504040204" pitchFamily="34" charset="-120"/>
-                <a:sym typeface="Wingdings" panose="05000000000000000000"/>
-              </a:rPr>
-              <a:t>OutputTextFile</a:t>
-            </a:r>
-            <a:r>
-              <a:rPr lang="en-US" altLang="zh-TW" dirty="0">
-                <a:ea typeface="Microsoft JhengHei" panose="020B0604030504040204" pitchFamily="34" charset="-120"/>
-                <a:sym typeface="Wingdings" panose="05000000000000000000" pitchFamily="2" charset="2"/>
-              </a:rPr>
-              <a:t></a:t>
-            </a:r>
-            <a:r>
-              <a:rPr lang="zh-TW" altLang="en-US" dirty="0">
-                <a:ea typeface="Microsoft JhengHei" panose="020B0604030504040204" pitchFamily="34" charset="-120"/>
-                <a:sym typeface="Wingdings" panose="05000000000000000000" pitchFamily="2" charset="2"/>
-              </a:rPr>
-              <a:t>存放輸出的</a:t>
-            </a:r>
-            <a:r>
-              <a:rPr lang="en-US" altLang="zh-TW" dirty="0">
-                <a:ea typeface="Microsoft JhengHei" panose="020B0604030504040204" pitchFamily="34" charset="-120"/>
-                <a:sym typeface="Wingdings" panose="05000000000000000000" pitchFamily="2" charset="2"/>
-              </a:rPr>
-              <a:t>word</a:t>
-            </a:r>
-            <a:r>
-              <a:rPr lang="zh-TW" altLang="en-US" dirty="0">
-                <a:ea typeface="Microsoft JhengHei" panose="020B0604030504040204" pitchFamily="34" charset="-120"/>
-                <a:sym typeface="Wingdings" panose="05000000000000000000" pitchFamily="2" charset="2"/>
-              </a:rPr>
-              <a:t>檔</a:t>
-            </a:r>
-            <a:endParaRPr lang="en-US" altLang="zh-TW" dirty="0">
-              <a:ea typeface="Microsoft JhengHei" panose="020B0604030504040204" pitchFamily="34" charset="-120"/>
-              <a:sym typeface="Wingdings" panose="05000000000000000000"/>
-            </a:endParaRPr>
-          </a:p>
-          <a:p>
-            <a:pPr marL="742950" marR="0" lvl="1" indent="-285750" algn="l" defTabSz="914400" rtl="0" eaLnBrk="0" fontAlgn="ctr" latinLnBrk="0" hangingPunct="0">
-              <a:lnSpc>
-                <a:spcPct val="150000"/>
-              </a:lnSpc>
-              <a:spcBef>
-                <a:spcPct val="0"/>
-              </a:spcBef>
-              <a:spcAft>
-                <a:spcPct val="0"/>
-              </a:spcAft>
-              <a:buClrTx/>
-              <a:buSzTx/>
-              <a:buFont typeface="Wingdings" panose="05000000000000000000" pitchFamily="2" charset="2"/>
-              <a:buChar char="p"/>
-              <a:tabLst/>
-            </a:pPr>
-            <a:r>
-              <a:rPr lang="en-US" altLang="zh-TW" sz="1800" dirty="0">
-                <a:effectLst/>
-                <a:ea typeface="Microsoft JhengHei" panose="020B0604030504040204" pitchFamily="34" charset="-120"/>
-                <a:sym typeface="Wingdings" panose="05000000000000000000"/>
-              </a:rPr>
-              <a:t>OutPutWavFile  </a:t>
-            </a:r>
-            <a:r>
-              <a:rPr lang="zh-TW" altLang="en-US" sz="1800" dirty="0">
-                <a:effectLst/>
-                <a:ea typeface="Microsoft JhengHei" panose="020B0604030504040204" pitchFamily="34" charset="-120"/>
-                <a:sym typeface="Wingdings" panose="05000000000000000000"/>
-              </a:rPr>
-              <a:t>麥克風即時錄音時，所輸出的</a:t>
-            </a:r>
-            <a:r>
-              <a:rPr lang="en-US" altLang="zh-TW" dirty="0">
-                <a:ea typeface="Microsoft JhengHei" panose="020B0604030504040204" pitchFamily="34" charset="-120"/>
-                <a:sym typeface="Wingdings" panose="05000000000000000000"/>
-              </a:rPr>
-              <a:t>.wav</a:t>
-            </a:r>
-            <a:r>
-              <a:rPr lang="zh-TW" altLang="en-US" dirty="0">
-                <a:ea typeface="Microsoft JhengHei" panose="020B0604030504040204" pitchFamily="34" charset="-120"/>
-                <a:sym typeface="Wingdings" panose="05000000000000000000"/>
-              </a:rPr>
-              <a:t>音訊檔 </a:t>
-            </a:r>
-            <a:r>
-              <a:rPr lang="en-US" altLang="zh-TW" dirty="0">
-                <a:ea typeface="Microsoft JhengHei" panose="020B0604030504040204" pitchFamily="34" charset="-120"/>
-                <a:sym typeface="Wingdings" panose="05000000000000000000"/>
-              </a:rPr>
-              <a:t>(ViewsRecordFile.cshtml)</a:t>
-            </a:r>
-          </a:p>
-          <a:p>
-            <a:pPr marL="742950" lvl="1" indent="-285750" eaLnBrk="0" fontAlgn="ctr" hangingPunct="0">
-              <a:lnSpc>
-                <a:spcPct val="150000"/>
-              </a:lnSpc>
-              <a:spcBef>
-                <a:spcPct val="0"/>
-              </a:spcBef>
-              <a:spcAft>
-                <a:spcPct val="0"/>
-              </a:spcAft>
-              <a:buFont typeface="Wingdings" panose="05000000000000000000" pitchFamily="2" charset="2"/>
-              <a:buChar char="p"/>
-            </a:pPr>
-            <a:r>
-              <a:rPr lang="en-US" altLang="zh-TW" sz="1800" dirty="0">
-                <a:effectLst/>
-                <a:ea typeface="Microsoft JhengHei" panose="020B0604030504040204" pitchFamily="34" charset="-120"/>
-                <a:sym typeface="Wingdings" panose="05000000000000000000"/>
-              </a:rPr>
-              <a:t>UploadedFiles  </a:t>
-            </a:r>
-            <a:r>
-              <a:rPr lang="zh-TW" altLang="en-US" sz="1800" dirty="0">
-                <a:effectLst/>
-                <a:ea typeface="Microsoft JhengHei" panose="020B0604030504040204" pitchFamily="34" charset="-120"/>
-                <a:sym typeface="Wingdings" panose="05000000000000000000"/>
-              </a:rPr>
-              <a:t>語音檔轉文字，在上傳音訊檔時所存放的位置</a:t>
-            </a:r>
-            <a:r>
-              <a:rPr lang="en-US" altLang="zh-TW" dirty="0">
-                <a:ea typeface="Microsoft JhengHei" panose="020B0604030504040204" pitchFamily="34" charset="-120"/>
-                <a:sym typeface="Wingdings" panose="05000000000000000000"/>
-              </a:rPr>
-              <a:t>(ViewsUploadFile.cshtml)</a:t>
-            </a:r>
-          </a:p>
-          <a:p>
-            <a:pPr marL="742950" lvl="1" indent="-285750" eaLnBrk="0" fontAlgn="ctr" hangingPunct="0">
-              <a:lnSpc>
-                <a:spcPct val="150000"/>
-              </a:lnSpc>
-              <a:spcBef>
-                <a:spcPct val="0"/>
-              </a:spcBef>
-              <a:spcAft>
-                <a:spcPct val="0"/>
-              </a:spcAft>
-              <a:buFont typeface="Wingdings" panose="05000000000000000000" pitchFamily="2" charset="2"/>
-              <a:buChar char="p"/>
-            </a:pPr>
-            <a:r>
-              <a:rPr lang="en-US" altLang="zh-TW" dirty="0">
-                <a:ea typeface="Microsoft JhengHei" panose="020B0604030504040204" pitchFamily="34" charset="-120"/>
-                <a:sym typeface="Wingdings" panose="05000000000000000000"/>
-              </a:rPr>
-              <a:t>Personal_AudioFile</a:t>
-            </a:r>
-            <a:r>
-              <a:rPr lang="en-US" altLang="zh-TW" dirty="0">
-                <a:ea typeface="Microsoft JhengHei" panose="020B0604030504040204" pitchFamily="34" charset="-120"/>
-                <a:sym typeface="Wingdings" panose="05000000000000000000" pitchFamily="2" charset="2"/>
-              </a:rPr>
-              <a:t></a:t>
-            </a:r>
-            <a:r>
-              <a:rPr lang="zh-TW" altLang="en-US" dirty="0">
-                <a:ea typeface="Microsoft JhengHei" panose="020B0604030504040204" pitchFamily="34" charset="-120"/>
-                <a:sym typeface="Wingdings" panose="05000000000000000000" pitchFamily="2" charset="2"/>
-              </a:rPr>
-              <a:t>存放上傳的個人音檔</a:t>
-            </a:r>
-            <a:endParaRPr lang="en-US" altLang="zh-TW" dirty="0">
-              <a:ea typeface="Microsoft JhengHei" panose="020B0604030504040204" pitchFamily="34" charset="-120"/>
-              <a:sym typeface="Wingdings" panose="05000000000000000000"/>
-            </a:endParaRPr>
-          </a:p>
-          <a:p>
-            <a:pPr marL="742950" lvl="1" indent="-285750" eaLnBrk="0" fontAlgn="ctr" hangingPunct="0">
-              <a:lnSpc>
-                <a:spcPct val="150000"/>
-              </a:lnSpc>
-              <a:spcBef>
-                <a:spcPct val="0"/>
-              </a:spcBef>
-              <a:spcAft>
-                <a:spcPct val="0"/>
-              </a:spcAft>
-              <a:buFont typeface="Wingdings" panose="05000000000000000000" pitchFamily="2" charset="2"/>
-              <a:buChar char="p"/>
-            </a:pPr>
-            <a:r>
-              <a:rPr lang="en-US" altLang="zh-TW" dirty="0">
-                <a:ea typeface="Microsoft JhengHei" panose="020B0604030504040204" pitchFamily="34" charset="-120"/>
-                <a:sym typeface="Wingdings" panose="05000000000000000000"/>
-              </a:rPr>
-              <a:t>VideoGif</a:t>
-            </a:r>
-            <a:r>
-              <a:rPr lang="zh-TW" altLang="en-US" dirty="0">
-                <a:ea typeface="Microsoft JhengHei" panose="020B0604030504040204" pitchFamily="34" charset="-120"/>
-                <a:sym typeface="Wingdings" panose="05000000000000000000"/>
-              </a:rPr>
-              <a:t>存放</a:t>
-            </a:r>
-            <a:r>
-              <a:rPr lang="en-US" altLang="zh-TW" dirty="0">
-                <a:ea typeface="Microsoft JhengHei" panose="020B0604030504040204" pitchFamily="34" charset="-120"/>
-                <a:sym typeface="Wingdings" panose="05000000000000000000"/>
-              </a:rPr>
-              <a:t>gif</a:t>
-            </a:r>
-            <a:r>
-              <a:rPr lang="zh-TW" altLang="en-US" dirty="0">
-                <a:ea typeface="Microsoft JhengHei" panose="020B0604030504040204" pitchFamily="34" charset="-120"/>
-                <a:sym typeface="Wingdings" panose="05000000000000000000"/>
-              </a:rPr>
-              <a:t>檔，           動畫</a:t>
-            </a:r>
-            <a:endParaRPr lang="en-US" altLang="zh-TW" dirty="0">
-              <a:ea typeface="Microsoft JhengHei" panose="020B0604030504040204" pitchFamily="34" charset="-120"/>
-              <a:sym typeface="Wingdings" panose="05000000000000000000"/>
-            </a:endParaRPr>
-          </a:p>
-          <a:p>
-            <a:pPr marL="742950" lvl="1" indent="-285750" eaLnBrk="0" fontAlgn="ctr" hangingPunct="0">
-              <a:lnSpc>
-                <a:spcPct val="150000"/>
-              </a:lnSpc>
-              <a:spcBef>
-                <a:spcPct val="0"/>
-              </a:spcBef>
-              <a:spcAft>
-                <a:spcPct val="0"/>
-              </a:spcAft>
-              <a:buFont typeface="Wingdings" panose="05000000000000000000" pitchFamily="2" charset="2"/>
-              <a:buChar char="p"/>
-            </a:pPr>
-            <a:r>
-              <a:rPr lang="en-US" altLang="zh-TW" dirty="0">
-                <a:ea typeface="Microsoft JhengHei" panose="020B0604030504040204" pitchFamily="34" charset="-120"/>
-                <a:sym typeface="Wingdings" panose="05000000000000000000"/>
-              </a:rPr>
-              <a:t>Content</a:t>
-            </a:r>
-            <a:r>
-              <a:rPr lang="en-US" altLang="zh-TW" dirty="0">
-                <a:ea typeface="Microsoft JhengHei" panose="020B0604030504040204" pitchFamily="34" charset="-120"/>
-                <a:sym typeface="Wingdings" panose="05000000000000000000" pitchFamily="2" charset="2"/>
-              </a:rPr>
-              <a:t>/css  </a:t>
-            </a:r>
-            <a:r>
-              <a:rPr lang="zh-TW" altLang="en-US" dirty="0">
-                <a:ea typeface="Microsoft JhengHei" panose="020B0604030504040204" pitchFamily="34" charset="-120"/>
-                <a:sym typeface="Wingdings" panose="05000000000000000000" pitchFamily="2" charset="2"/>
-              </a:rPr>
-              <a:t>放</a:t>
-            </a:r>
-            <a:r>
-              <a:rPr lang="en-US" altLang="zh-TW" dirty="0">
-                <a:ea typeface="Microsoft JhengHei" panose="020B0604030504040204" pitchFamily="34" charset="-120"/>
-                <a:sym typeface="Wingdings" panose="05000000000000000000" pitchFamily="2" charset="2"/>
-              </a:rPr>
-              <a:t>bootstrap.5.1</a:t>
-            </a:r>
-            <a:r>
-              <a:rPr lang="zh-TW" altLang="en-US" dirty="0">
-                <a:ea typeface="Microsoft JhengHei" panose="020B0604030504040204" pitchFamily="34" charset="-120"/>
-                <a:sym typeface="Wingdings" panose="05000000000000000000" pitchFamily="2" charset="2"/>
-              </a:rPr>
-              <a:t>版</a:t>
-            </a:r>
-          </a:p>
-        </p:txBody>
-      </p:sp>
-      <p:sp>
-        <p:nvSpPr>
-          <p:cNvPr id="17" name="文字方塊 16">
-            <a:extLst>
-              <a:ext uri="{FF2B5EF4-FFF2-40B4-BE49-F238E27FC236}">
-                <a16:creationId xmlns:a16="http://schemas.microsoft.com/office/drawing/2014/main" id="{36BA7CDE-2253-44F6-1CDE-A95D2073EF28}"/>
-              </a:ext>
-            </a:extLst>
-          </p:cNvPr>
-          <p:cNvSpPr txBox="1"/>
-          <p:nvPr/>
-        </p:nvSpPr>
-        <p:spPr>
-          <a:xfrm>
-            <a:off x="-173620" y="1286398"/>
-            <a:ext cx="6094140" cy="369332"/>
-          </a:xfrm>
-          <a:prstGeom prst="rect">
-            <a:avLst/>
-          </a:prstGeom>
-          <a:noFill/>
-        </p:spPr>
-        <p:txBody>
-          <a:bodyPr wrap="square">
-            <a:spAutoFit/>
-          </a:bodyPr>
-          <a:lstStyle/>
-          <a:p>
-            <a:pPr marL="457200" marR="0" lvl="1" indent="0" algn="l" defTabSz="914400" rtl="0" eaLnBrk="0" fontAlgn="ctr" latinLnBrk="0" hangingPunct="0">
-              <a:lnSpc>
-                <a:spcPct val="100000"/>
-              </a:lnSpc>
-              <a:spcBef>
-                <a:spcPct val="0"/>
-              </a:spcBef>
-              <a:spcAft>
-                <a:spcPct val="0"/>
-              </a:spcAft>
-              <a:buClrTx/>
-              <a:buSzTx/>
-              <a:buFont typeface="Symbol" panose="05050102010706020507" pitchFamily="18" charset="2"/>
-              <a:buChar char=""/>
-              <a:tabLst/>
-            </a:pPr>
-            <a:r>
-              <a:rPr kumimoji="0" lang="zh-TW" altLang="en-US" b="1" i="0" u="none" strike="noStrike" cap="none" normalizeH="0" baseline="0" dirty="0">
-                <a:ln>
-                  <a:noFill/>
-                </a:ln>
-                <a:solidFill>
-                  <a:schemeClr val="tx1"/>
-                </a:solidFill>
-                <a:effectLst/>
-                <a:latin typeface="微軟正黑體" panose="020B0604030504040204" pitchFamily="34" charset="-120"/>
-                <a:ea typeface="微軟正黑體" panose="020B0604030504040204" pitchFamily="34" charset="-120"/>
-                <a:cs typeface="Calibri" panose="020F0502020204030204" pitchFamily="34" charset="0"/>
-              </a:rPr>
-              <a:t> 新增的資料夾</a:t>
-            </a:r>
-            <a:endParaRPr kumimoji="0" lang="zh-TW" altLang="zh-TW" b="0" i="0" u="none" strike="noStrike" cap="none" normalizeH="0" baseline="0" dirty="0">
-              <a:ln>
-                <a:noFill/>
-              </a:ln>
-              <a:solidFill>
-                <a:schemeClr val="tx1"/>
-              </a:solidFill>
-              <a:effectLst/>
-            </a:endParaRPr>
-          </a:p>
-        </p:txBody>
-      </p:sp>
-      <p:sp>
-        <p:nvSpPr>
-          <p:cNvPr id="2" name="文字方塊 1">
-            <a:extLst>
-              <a:ext uri="{FF2B5EF4-FFF2-40B4-BE49-F238E27FC236}">
-                <a16:creationId xmlns:a16="http://schemas.microsoft.com/office/drawing/2014/main" id="{4792DDB3-8E30-CE4F-150C-14B615F755B1}"/>
-              </a:ext>
-            </a:extLst>
-          </p:cNvPr>
-          <p:cNvSpPr txBox="1"/>
-          <p:nvPr/>
-        </p:nvSpPr>
-        <p:spPr>
-          <a:xfrm>
-            <a:off x="88644" y="5345718"/>
-            <a:ext cx="10141823" cy="923330"/>
-          </a:xfrm>
-          <a:prstGeom prst="rect">
-            <a:avLst/>
-          </a:prstGeom>
-          <a:noFill/>
-        </p:spPr>
-        <p:txBody>
-          <a:bodyPr wrap="square">
-            <a:spAutoFit/>
-          </a:bodyPr>
-          <a:lstStyle/>
-          <a:p>
-            <a:pPr marL="742950" marR="0" lvl="1" indent="-285750" algn="l" defTabSz="914400" rtl="0" eaLnBrk="0" fontAlgn="ctr" latinLnBrk="0" hangingPunct="0">
-              <a:lnSpc>
-                <a:spcPct val="150000"/>
-              </a:lnSpc>
-              <a:spcBef>
-                <a:spcPct val="0"/>
-              </a:spcBef>
-              <a:spcAft>
-                <a:spcPct val="0"/>
-              </a:spcAft>
-              <a:buClrTx/>
-              <a:buSzTx/>
-              <a:buFont typeface="Wingdings" panose="05000000000000000000" pitchFamily="2" charset="2"/>
-              <a:buChar char="p"/>
-              <a:tabLst/>
-            </a:pPr>
-            <a:r>
-              <a:rPr lang="en-US" altLang="zh-TW" sz="1800" dirty="0">
-                <a:effectLst/>
-                <a:highlight>
-                  <a:srgbClr val="FFFF00"/>
-                </a:highlight>
-                <a:ea typeface="Microsoft JhengHei" panose="020B0604030504040204" pitchFamily="34" charset="-120"/>
-              </a:rPr>
-              <a:t>Models</a:t>
-            </a:r>
-            <a:r>
-              <a:rPr lang="zh-TW" altLang="en-US" sz="1800" dirty="0">
-                <a:effectLst/>
-                <a:ea typeface="Microsoft JhengHei" panose="020B0604030504040204" pitchFamily="34" charset="-120"/>
-              </a:rPr>
-              <a:t>資料夾裡的 </a:t>
-            </a:r>
-            <a:r>
-              <a:rPr lang="en-US" altLang="zh-TW" sz="1800" dirty="0">
-                <a:effectLst/>
-                <a:ea typeface="Microsoft JhengHei" panose="020B0604030504040204" pitchFamily="34" charset="-120"/>
-              </a:rPr>
-              <a:t>FileModel.cs</a:t>
-            </a:r>
-            <a:r>
-              <a:rPr lang="zh-TW" altLang="en-US" sz="1800" dirty="0">
-                <a:effectLst/>
-                <a:ea typeface="Microsoft JhengHei" panose="020B0604030504040204" pitchFamily="34" charset="-120"/>
-              </a:rPr>
-              <a:t> </a:t>
-            </a:r>
-            <a:r>
-              <a:rPr lang="en-US" altLang="zh-TW" sz="1800" dirty="0">
-                <a:effectLst/>
-                <a:ea typeface="Microsoft JhengHei" panose="020B0604030504040204" pitchFamily="34" charset="-120"/>
-                <a:sym typeface="Wingdings" panose="05000000000000000000"/>
-              </a:rPr>
-              <a:t></a:t>
-            </a:r>
-            <a:r>
-              <a:rPr lang="zh-TW" altLang="en-US" sz="1800" dirty="0">
-                <a:effectLst/>
-                <a:ea typeface="Microsoft JhengHei" panose="020B0604030504040204" pitchFamily="34" charset="-120"/>
-                <a:sym typeface="Wingdings" panose="05000000000000000000"/>
-              </a:rPr>
-              <a:t>用來</a:t>
-            </a:r>
-            <a:endParaRPr lang="en-US" altLang="zh-TW" dirty="0">
-              <a:ea typeface="Microsoft JhengHei" panose="020B0604030504040204" pitchFamily="34" charset="-120"/>
-              <a:sym typeface="Wingdings" panose="05000000000000000000"/>
-            </a:endParaRPr>
-          </a:p>
-          <a:p>
-            <a:pPr marL="742950" marR="0" lvl="1" indent="-285750" algn="l" defTabSz="914400" rtl="0" eaLnBrk="0" fontAlgn="ctr" latinLnBrk="0" hangingPunct="0">
-              <a:lnSpc>
-                <a:spcPct val="150000"/>
-              </a:lnSpc>
-              <a:spcBef>
-                <a:spcPct val="0"/>
-              </a:spcBef>
-              <a:spcAft>
-                <a:spcPct val="0"/>
-              </a:spcAft>
-              <a:buClrTx/>
-              <a:buSzTx/>
-              <a:buFont typeface="Wingdings" panose="05000000000000000000" pitchFamily="2" charset="2"/>
-              <a:buChar char="p"/>
-              <a:tabLst/>
-            </a:pPr>
-            <a:r>
-              <a:rPr lang="en-US" altLang="zh-TW" sz="1800" dirty="0">
-                <a:effectLst/>
-                <a:ea typeface="Microsoft JhengHei" panose="020B0604030504040204" pitchFamily="34" charset="-120"/>
-                <a:sym typeface="Wingdings" panose="05000000000000000000"/>
-              </a:rPr>
-              <a:t>AudioStreamReader.cs  </a:t>
-            </a:r>
-            <a:r>
-              <a:rPr lang="zh-TW" altLang="en-US" dirty="0">
-                <a:ea typeface="Microsoft JhengHei" panose="020B0604030504040204" pitchFamily="34" charset="-120"/>
-                <a:sym typeface="Wingdings" panose="05000000000000000000"/>
-              </a:rPr>
-              <a:t>讀取檔案時會呼叫到</a:t>
-            </a:r>
-            <a:endParaRPr lang="en-US" altLang="zh-TW" dirty="0">
-              <a:ea typeface="Microsoft JhengHei" panose="020B0604030504040204" pitchFamily="34" charset="-120"/>
-              <a:sym typeface="Wingdings" panose="05000000000000000000"/>
-            </a:endParaRPr>
-          </a:p>
-        </p:txBody>
-      </p:sp>
-      <p:sp>
-        <p:nvSpPr>
-          <p:cNvPr id="4" name="文字方塊 3">
-            <a:extLst>
-              <a:ext uri="{FF2B5EF4-FFF2-40B4-BE49-F238E27FC236}">
-                <a16:creationId xmlns:a16="http://schemas.microsoft.com/office/drawing/2014/main" id="{66AF7492-5647-F485-F4B5-C2B7B2A31F19}"/>
-              </a:ext>
-            </a:extLst>
-          </p:cNvPr>
-          <p:cNvSpPr txBox="1"/>
-          <p:nvPr/>
-        </p:nvSpPr>
-        <p:spPr>
-          <a:xfrm>
-            <a:off x="-92597" y="4931305"/>
-            <a:ext cx="6094140" cy="369332"/>
-          </a:xfrm>
-          <a:prstGeom prst="rect">
-            <a:avLst/>
-          </a:prstGeom>
-          <a:noFill/>
-        </p:spPr>
-        <p:txBody>
-          <a:bodyPr wrap="square">
-            <a:spAutoFit/>
-          </a:bodyPr>
-          <a:lstStyle/>
-          <a:p>
-            <a:pPr marL="457200" marR="0" lvl="1" indent="0" algn="l" defTabSz="914400" rtl="0" eaLnBrk="0" fontAlgn="ctr" latinLnBrk="0" hangingPunct="0">
-              <a:lnSpc>
-                <a:spcPct val="100000"/>
-              </a:lnSpc>
-              <a:spcBef>
-                <a:spcPct val="0"/>
-              </a:spcBef>
-              <a:spcAft>
-                <a:spcPct val="0"/>
-              </a:spcAft>
-              <a:buClrTx/>
-              <a:buSzTx/>
-              <a:buFont typeface="Symbol" panose="05050102010706020507" pitchFamily="18" charset="2"/>
-              <a:buChar char=""/>
-              <a:tabLst/>
-            </a:pPr>
-            <a:r>
-              <a:rPr kumimoji="0" lang="zh-TW" altLang="en-US" b="1" i="0" u="none" strike="noStrike" cap="none" normalizeH="0" baseline="0" dirty="0">
-                <a:ln>
-                  <a:noFill/>
-                </a:ln>
-                <a:solidFill>
-                  <a:schemeClr val="tx1"/>
-                </a:solidFill>
-                <a:effectLst/>
-                <a:latin typeface="微軟正黑體" panose="020B0604030504040204" pitchFamily="34" charset="-120"/>
-                <a:ea typeface="微軟正黑體" panose="020B0604030504040204" pitchFamily="34" charset="-120"/>
-                <a:cs typeface="Calibri" panose="020F0502020204030204" pitchFamily="34" charset="0"/>
-              </a:rPr>
-              <a:t> 新增的</a:t>
-            </a:r>
-            <a:r>
-              <a:rPr kumimoji="0" lang="en-US" altLang="zh-TW" b="1" i="0" u="none" strike="noStrike" cap="none" normalizeH="0" baseline="0" dirty="0">
-                <a:ln>
-                  <a:noFill/>
-                </a:ln>
-                <a:solidFill>
-                  <a:schemeClr val="tx1"/>
-                </a:solidFill>
-                <a:effectLst/>
-                <a:latin typeface="微軟正黑體" panose="020B0604030504040204" pitchFamily="34" charset="-120"/>
-                <a:ea typeface="微軟正黑體" panose="020B0604030504040204" pitchFamily="34" charset="-120"/>
-                <a:cs typeface="Calibri" panose="020F0502020204030204" pitchFamily="34" charset="0"/>
-              </a:rPr>
-              <a:t>.cs</a:t>
-            </a:r>
-            <a:r>
-              <a:rPr kumimoji="0" lang="zh-TW" altLang="en-US" b="1" i="0" u="none" strike="noStrike" cap="none" normalizeH="0" baseline="0" dirty="0">
-                <a:ln>
-                  <a:noFill/>
-                </a:ln>
-                <a:solidFill>
-                  <a:schemeClr val="tx1"/>
-                </a:solidFill>
-                <a:effectLst/>
-                <a:latin typeface="微軟正黑體" panose="020B0604030504040204" pitchFamily="34" charset="-120"/>
-                <a:ea typeface="微軟正黑體" panose="020B0604030504040204" pitchFamily="34" charset="-120"/>
-                <a:cs typeface="Calibri" panose="020F0502020204030204" pitchFamily="34" charset="0"/>
-              </a:rPr>
-              <a:t>檔</a:t>
-            </a:r>
-            <a:endParaRPr kumimoji="0" lang="zh-TW" altLang="zh-TW" b="0" i="0" u="none" strike="noStrike" cap="none" normalizeH="0" baseline="0" dirty="0">
-              <a:ln>
-                <a:noFill/>
-              </a:ln>
-              <a:solidFill>
-                <a:schemeClr val="tx1"/>
-              </a:solidFill>
-              <a:effectLst/>
-            </a:endParaRPr>
-          </a:p>
-        </p:txBody>
-      </p:sp>
-      <p:pic>
-        <p:nvPicPr>
-          <p:cNvPr id="8" name="圖片 7">
-            <a:extLst>
-              <a:ext uri="{FF2B5EF4-FFF2-40B4-BE49-F238E27FC236}">
-                <a16:creationId xmlns:a16="http://schemas.microsoft.com/office/drawing/2014/main" id="{37B1061D-B9B7-00B8-AF7D-7695FAFAF88F}"/>
-              </a:ext>
-            </a:extLst>
-          </p:cNvPr>
-          <p:cNvPicPr>
-            <a:picLocks noChangeAspect="1"/>
-          </p:cNvPicPr>
-          <p:nvPr/>
-        </p:nvPicPr>
-        <p:blipFill rotWithShape="1">
-          <a:blip r:embed="rId2"/>
-          <a:srcRect l="-10202" t="19780" r="5143"/>
-          <a:stretch/>
-        </p:blipFill>
-        <p:spPr>
-          <a:xfrm>
-            <a:off x="3047070" y="3672008"/>
-            <a:ext cx="617527" cy="580762"/>
-          </a:xfrm>
-          <a:prstGeom prst="rect">
-            <a:avLst/>
-          </a:prstGeom>
-        </p:spPr>
-      </p:pic>
-    </p:spTree>
-    <p:extLst>
-      <p:ext uri="{BB962C8B-B14F-4D97-AF65-F5344CB8AC3E}">
-        <p14:creationId xmlns:p14="http://schemas.microsoft.com/office/powerpoint/2010/main" val="4103385989"/>
-      </p:ext>
-    </p:extLst>
-  </p:cSld>
-  <p:clrMapOvr>
-    <a:masterClrMapping/>
-  </p:clrMapOvr>
-</p:sld>
-</file>
-
-<file path=ppt/slides/slide20.xml><?xml version="1.0" encoding="utf-8"?>
+<file path=ppt/slides/slide21.xml><?xml version="1.0" encoding="utf-8"?>
 <p:sld xmlns:a="http://schemas.openxmlformats.org/drawingml/2006/main" xmlns:r="http://schemas.openxmlformats.org/officeDocument/2006/relationships" xmlns:p="http://schemas.openxmlformats.org/presentationml/2006/main">
   <p:cSld>
     <p:spTree>
@@ -11473,7 +13059,7 @@
 </p:sld>
 </file>
 
-<file path=ppt/slides/slide21.xml><?xml version="1.0" encoding="utf-8"?>
+<file path=ppt/slides/slide22.xml><?xml version="1.0" encoding="utf-8"?>
 <p:sld xmlns:a="http://schemas.openxmlformats.org/drawingml/2006/main" xmlns:r="http://schemas.openxmlformats.org/officeDocument/2006/relationships" xmlns:p="http://schemas.openxmlformats.org/presentationml/2006/main">
   <p:cSld>
     <p:spTree>
@@ -11746,7 +13332,7 @@
 </p:sld>
 </file>
 
-<file path=ppt/slides/slide22.xml><?xml version="1.0" encoding="utf-8"?>
+<file path=ppt/slides/slide23.xml><?xml version="1.0" encoding="utf-8"?>
 <p:sld xmlns:a="http://schemas.openxmlformats.org/drawingml/2006/main" xmlns:r="http://schemas.openxmlformats.org/officeDocument/2006/relationships" xmlns:p="http://schemas.openxmlformats.org/presentationml/2006/main">
   <p:cSld>
     <p:spTree>
@@ -12536,7 +14122,7 @@
 </p:sld>
 </file>
 
-<file path=ppt/slides/slide23.xml><?xml version="1.0" encoding="utf-8"?>
+<file path=ppt/slides/slide24.xml><?xml version="1.0" encoding="utf-8"?>
 <p:sld xmlns:a="http://schemas.openxmlformats.org/drawingml/2006/main" xmlns:r="http://schemas.openxmlformats.org/officeDocument/2006/relationships" xmlns:p="http://schemas.openxmlformats.org/presentationml/2006/main">
   <p:cSld>
     <p:spTree>
@@ -13558,6 +15144,823 @@
 </file>
 
 <file path=ppt/slides/slide3.xml><?xml version="1.0" encoding="utf-8"?>
+<p:sld xmlns:a="http://schemas.openxmlformats.org/drawingml/2006/main" xmlns:r="http://schemas.openxmlformats.org/officeDocument/2006/relationships" xmlns:p="http://schemas.openxmlformats.org/presentationml/2006/main">
+  <p:cSld>
+    <p:spTree>
+      <p:nvGrpSpPr>
+        <p:cNvPr id="1" name=""/>
+        <p:cNvGrpSpPr/>
+        <p:nvPr/>
+      </p:nvGrpSpPr>
+      <p:grpSpPr>
+        <a:xfrm>
+          <a:off x="0" y="0"/>
+          <a:ext cx="0" cy="0"/>
+          <a:chOff x="0" y="0"/>
+          <a:chExt cx="0" cy="0"/>
+        </a:xfrm>
+      </p:grpSpPr>
+      <p:sp>
+        <p:nvSpPr>
+          <p:cNvPr id="7" name="Rectangle 9">
+            <a:extLst>
+              <a:ext uri="{FF2B5EF4-FFF2-40B4-BE49-F238E27FC236}">
+                <a16:creationId xmlns:a16="http://schemas.microsoft.com/office/drawing/2014/main" id="{3EE76470-6D9F-769C-F8CF-09B765DB98E8}"/>
+              </a:ext>
+            </a:extLst>
+          </p:cNvPr>
+          <p:cNvSpPr>
+            <a:spLocks noChangeArrowheads="1"/>
+          </p:cNvSpPr>
+          <p:nvPr/>
+        </p:nvSpPr>
+        <p:spPr bwMode="auto">
+          <a:xfrm>
+            <a:off x="262265" y="421178"/>
+            <a:ext cx="3877985" cy="646331"/>
+          </a:xfrm>
+          <a:prstGeom prst="rect">
+            <a:avLst/>
+          </a:prstGeom>
+          <a:noFill/>
+          <a:ln>
+            <a:noFill/>
+          </a:ln>
+          <a:effectLst/>
+          <a:extLst>
+            <a:ext uri="{909E8E84-426E-40DD-AFC4-6F175D3DCCD1}">
+              <a14:hiddenFill xmlns:a14="http://schemas.microsoft.com/office/drawing/2010/main">
+                <a:solidFill>
+                  <a:schemeClr val="accent1"/>
+                </a:solidFill>
+              </a14:hiddenFill>
+            </a:ext>
+            <a:ext uri="{91240B29-F687-4F45-9708-019B960494DF}">
+              <a14:hiddenLine xmlns:a14="http://schemas.microsoft.com/office/drawing/2010/main" w="9525">
+                <a:solidFill>
+                  <a:schemeClr val="tx1"/>
+                </a:solidFill>
+                <a:miter lim="800000"/>
+                <a:headEnd/>
+                <a:tailEnd/>
+              </a14:hiddenLine>
+            </a:ext>
+            <a:ext uri="{AF507438-7753-43E0-B8FC-AC1667EBCBE1}">
+              <a14:hiddenEffects xmlns:a14="http://schemas.microsoft.com/office/drawing/2010/main">
+                <a:effectLst>
+                  <a:outerShdw dist="35921" dir="2700000" algn="ctr" rotWithShape="0">
+                    <a:schemeClr val="bg2"/>
+                  </a:outerShdw>
+                </a:effectLst>
+              </a14:hiddenEffects>
+            </a:ext>
+          </a:extLst>
+        </p:spPr>
+        <p:txBody>
+          <a:bodyPr vert="horz" wrap="none" lIns="91440" tIns="45720" rIns="91440" bIns="45720" numCol="1" anchor="ctr" anchorCtr="0" compatLnSpc="1">
+            <a:prstTxWarp prst="textNoShape">
+              <a:avLst/>
+            </a:prstTxWarp>
+            <a:spAutoFit/>
+          </a:bodyPr>
+          <a:lstStyle>
+            <a:lvl1pPr eaLnBrk="0" fontAlgn="base" hangingPunct="0">
+              <a:spcBef>
+                <a:spcPct val="0"/>
+              </a:spcBef>
+              <a:spcAft>
+                <a:spcPct val="0"/>
+              </a:spcAft>
+              <a:defRPr>
+                <a:solidFill>
+                  <a:schemeClr val="tx1"/>
+                </a:solidFill>
+                <a:latin typeface="Arial" panose="020B0604020202020204" pitchFamily="34" charset="0"/>
+              </a:defRPr>
+            </a:lvl1pPr>
+            <a:lvl2pPr eaLnBrk="0" fontAlgn="base" hangingPunct="0">
+              <a:spcBef>
+                <a:spcPct val="0"/>
+              </a:spcBef>
+              <a:spcAft>
+                <a:spcPct val="0"/>
+              </a:spcAft>
+              <a:defRPr>
+                <a:solidFill>
+                  <a:schemeClr val="tx1"/>
+                </a:solidFill>
+                <a:latin typeface="Arial" panose="020B0604020202020204" pitchFamily="34" charset="0"/>
+              </a:defRPr>
+            </a:lvl2pPr>
+            <a:lvl3pPr eaLnBrk="0" fontAlgn="base" hangingPunct="0">
+              <a:spcBef>
+                <a:spcPct val="0"/>
+              </a:spcBef>
+              <a:spcAft>
+                <a:spcPct val="0"/>
+              </a:spcAft>
+              <a:defRPr>
+                <a:solidFill>
+                  <a:schemeClr val="tx1"/>
+                </a:solidFill>
+                <a:latin typeface="Arial" panose="020B0604020202020204" pitchFamily="34" charset="0"/>
+              </a:defRPr>
+            </a:lvl3pPr>
+            <a:lvl4pPr eaLnBrk="0" fontAlgn="base" hangingPunct="0">
+              <a:spcBef>
+                <a:spcPct val="0"/>
+              </a:spcBef>
+              <a:spcAft>
+                <a:spcPct val="0"/>
+              </a:spcAft>
+              <a:defRPr>
+                <a:solidFill>
+                  <a:schemeClr val="tx1"/>
+                </a:solidFill>
+                <a:latin typeface="Arial" panose="020B0604020202020204" pitchFamily="34" charset="0"/>
+              </a:defRPr>
+            </a:lvl4pPr>
+            <a:lvl5pPr eaLnBrk="0" fontAlgn="base" hangingPunct="0">
+              <a:spcBef>
+                <a:spcPct val="0"/>
+              </a:spcBef>
+              <a:spcAft>
+                <a:spcPct val="0"/>
+              </a:spcAft>
+              <a:defRPr>
+                <a:solidFill>
+                  <a:schemeClr val="tx1"/>
+                </a:solidFill>
+                <a:latin typeface="Arial" panose="020B0604020202020204" pitchFamily="34" charset="0"/>
+              </a:defRPr>
+            </a:lvl5pPr>
+            <a:lvl6pPr eaLnBrk="0" fontAlgn="base" hangingPunct="0">
+              <a:spcBef>
+                <a:spcPct val="0"/>
+              </a:spcBef>
+              <a:spcAft>
+                <a:spcPct val="0"/>
+              </a:spcAft>
+              <a:defRPr>
+                <a:solidFill>
+                  <a:schemeClr val="tx1"/>
+                </a:solidFill>
+                <a:latin typeface="Arial" panose="020B0604020202020204" pitchFamily="34" charset="0"/>
+              </a:defRPr>
+            </a:lvl6pPr>
+            <a:lvl7pPr eaLnBrk="0" fontAlgn="base" hangingPunct="0">
+              <a:spcBef>
+                <a:spcPct val="0"/>
+              </a:spcBef>
+              <a:spcAft>
+                <a:spcPct val="0"/>
+              </a:spcAft>
+              <a:defRPr>
+                <a:solidFill>
+                  <a:schemeClr val="tx1"/>
+                </a:solidFill>
+                <a:latin typeface="Arial" panose="020B0604020202020204" pitchFamily="34" charset="0"/>
+              </a:defRPr>
+            </a:lvl7pPr>
+            <a:lvl8pPr eaLnBrk="0" fontAlgn="base" hangingPunct="0">
+              <a:spcBef>
+                <a:spcPct val="0"/>
+              </a:spcBef>
+              <a:spcAft>
+                <a:spcPct val="0"/>
+              </a:spcAft>
+              <a:defRPr>
+                <a:solidFill>
+                  <a:schemeClr val="tx1"/>
+                </a:solidFill>
+                <a:latin typeface="Arial" panose="020B0604020202020204" pitchFamily="34" charset="0"/>
+              </a:defRPr>
+            </a:lvl8pPr>
+            <a:lvl9pPr eaLnBrk="0" fontAlgn="base" hangingPunct="0">
+              <a:spcBef>
+                <a:spcPct val="0"/>
+              </a:spcBef>
+              <a:spcAft>
+                <a:spcPct val="0"/>
+              </a:spcAft>
+              <a:defRPr>
+                <a:solidFill>
+                  <a:schemeClr val="tx1"/>
+                </a:solidFill>
+                <a:latin typeface="Arial" panose="020B0604020202020204" pitchFamily="34" charset="0"/>
+              </a:defRPr>
+            </a:lvl9pPr>
+          </a:lstStyle>
+          <a:p>
+            <a:pPr marL="0" marR="0" lvl="0" indent="0" algn="l" defTabSz="914400" rtl="0" eaLnBrk="0" fontAlgn="ctr" latinLnBrk="0" hangingPunct="0">
+              <a:lnSpc>
+                <a:spcPct val="100000"/>
+              </a:lnSpc>
+              <a:spcBef>
+                <a:spcPct val="0"/>
+              </a:spcBef>
+              <a:spcAft>
+                <a:spcPct val="0"/>
+              </a:spcAft>
+              <a:buClrTx/>
+              <a:buSzTx/>
+              <a:buFontTx/>
+              <a:buNone/>
+              <a:tabLst/>
+            </a:pPr>
+            <a:r>
+              <a:rPr kumimoji="0" lang="zh-TW" altLang="zh-TW" sz="3600" b="1" i="0" u="none" strike="noStrike" cap="none" normalizeH="0" baseline="0" dirty="0">
+                <a:ln>
+                  <a:noFill/>
+                </a:ln>
+                <a:solidFill>
+                  <a:schemeClr val="tx1"/>
+                </a:solidFill>
+                <a:effectLst/>
+                <a:latin typeface="微軟正黑體" panose="020B0604030504040204" pitchFamily="34" charset="-120"/>
+                <a:ea typeface="微軟正黑體" panose="020B0604030504040204" pitchFamily="34" charset="-120"/>
+                <a:cs typeface="Calibri" panose="020F0502020204030204" pitchFamily="34" charset="0"/>
+              </a:rPr>
+              <a:t>專案須注意的地方</a:t>
+            </a:r>
+            <a:endParaRPr kumimoji="0" lang="zh-TW" altLang="zh-TW" sz="3600" b="0" i="0" u="none" strike="noStrike" cap="none" normalizeH="0" baseline="0" dirty="0">
+              <a:ln>
+                <a:noFill/>
+              </a:ln>
+              <a:solidFill>
+                <a:schemeClr val="tx1"/>
+              </a:solidFill>
+              <a:effectLst/>
+            </a:endParaRPr>
+          </a:p>
+        </p:txBody>
+      </p:sp>
+      <p:sp>
+        <p:nvSpPr>
+          <p:cNvPr id="13" name="文字方塊 12">
+            <a:extLst>
+              <a:ext uri="{FF2B5EF4-FFF2-40B4-BE49-F238E27FC236}">
+                <a16:creationId xmlns:a16="http://schemas.microsoft.com/office/drawing/2014/main" id="{ECA205BF-5DF6-28BF-C222-2EBC66A9E2F5}"/>
+              </a:ext>
+            </a:extLst>
+          </p:cNvPr>
+          <p:cNvSpPr txBox="1"/>
+          <p:nvPr/>
+        </p:nvSpPr>
+        <p:spPr>
+          <a:xfrm>
+            <a:off x="88645" y="1557363"/>
+            <a:ext cx="10141823" cy="2585323"/>
+          </a:xfrm>
+          <a:prstGeom prst="rect">
+            <a:avLst/>
+          </a:prstGeom>
+          <a:noFill/>
+        </p:spPr>
+        <p:txBody>
+          <a:bodyPr wrap="square">
+            <a:spAutoFit/>
+          </a:bodyPr>
+          <a:lstStyle/>
+          <a:p>
+            <a:pPr marL="742950" marR="0" lvl="1" indent="-285750" algn="l" defTabSz="914400" rtl="0" eaLnBrk="0" fontAlgn="ctr" latinLnBrk="0" hangingPunct="0">
+              <a:lnSpc>
+                <a:spcPct val="150000"/>
+              </a:lnSpc>
+              <a:spcBef>
+                <a:spcPct val="0"/>
+              </a:spcBef>
+              <a:spcAft>
+                <a:spcPct val="0"/>
+              </a:spcAft>
+              <a:buClrTx/>
+              <a:buSzTx/>
+              <a:buFont typeface="Wingdings" panose="05000000000000000000" pitchFamily="2" charset="2"/>
+              <a:buChar char="p"/>
+              <a:tabLst/>
+            </a:pPr>
+            <a:r>
+              <a:rPr lang="en-US" altLang="zh-TW" dirty="0">
+                <a:ea typeface="Microsoft JhengHei" panose="020B0604030504040204" pitchFamily="34" charset="-120"/>
+                <a:sym typeface="Wingdings" panose="05000000000000000000" pitchFamily="2" charset="2"/>
+              </a:rPr>
+              <a:t>Views &gt; Upload &gt; </a:t>
+            </a:r>
+          </a:p>
+          <a:p>
+            <a:pPr marL="1200150" lvl="2" indent="-285750" eaLnBrk="0" fontAlgn="ctr" hangingPunct="0">
+              <a:lnSpc>
+                <a:spcPct val="150000"/>
+              </a:lnSpc>
+              <a:spcBef>
+                <a:spcPct val="0"/>
+              </a:spcBef>
+              <a:spcAft>
+                <a:spcPct val="0"/>
+              </a:spcAft>
+              <a:buFont typeface="Wingdings" panose="05000000000000000000" pitchFamily="2" charset="2"/>
+              <a:buChar char="u"/>
+            </a:pPr>
+            <a:r>
+              <a:rPr lang="en-US" altLang="zh-TW" dirty="0" err="1">
+                <a:ea typeface="Microsoft JhengHei" panose="020B0604030504040204" pitchFamily="34" charset="-120"/>
+                <a:sym typeface="Wingdings" panose="05000000000000000000" pitchFamily="2" charset="2"/>
+              </a:rPr>
+              <a:t>Index.cshtml</a:t>
+            </a:r>
+            <a:r>
+              <a:rPr lang="en-US" altLang="zh-TW" dirty="0">
+                <a:ea typeface="Microsoft JhengHei" panose="020B0604030504040204" pitchFamily="34" charset="-120"/>
+                <a:sym typeface="Wingdings" panose="05000000000000000000" pitchFamily="2" charset="2"/>
+              </a:rPr>
+              <a:t>  </a:t>
+            </a:r>
+            <a:r>
+              <a:rPr lang="zh-TW" altLang="en-US" dirty="0">
+                <a:ea typeface="Microsoft JhengHei" panose="020B0604030504040204" pitchFamily="34" charset="-120"/>
+                <a:sym typeface="Wingdings" panose="05000000000000000000" pitchFamily="2" charset="2"/>
+              </a:rPr>
+              <a:t>主頁</a:t>
+            </a:r>
+            <a:endParaRPr lang="en-US" altLang="zh-TW" dirty="0">
+              <a:ea typeface="Microsoft JhengHei" panose="020B0604030504040204" pitchFamily="34" charset="-120"/>
+              <a:sym typeface="Wingdings" panose="05000000000000000000" pitchFamily="2" charset="2"/>
+            </a:endParaRPr>
+          </a:p>
+          <a:p>
+            <a:pPr marL="1200150" lvl="2" indent="-285750" eaLnBrk="0" fontAlgn="ctr" hangingPunct="0">
+              <a:lnSpc>
+                <a:spcPct val="150000"/>
+              </a:lnSpc>
+              <a:spcBef>
+                <a:spcPct val="0"/>
+              </a:spcBef>
+              <a:spcAft>
+                <a:spcPct val="0"/>
+              </a:spcAft>
+              <a:buFont typeface="Wingdings" panose="05000000000000000000" pitchFamily="2" charset="2"/>
+              <a:buChar char="u"/>
+            </a:pPr>
+            <a:r>
+              <a:rPr lang="en-US" altLang="zh-TW" dirty="0" err="1">
+                <a:ea typeface="Microsoft JhengHei" panose="020B0604030504040204" pitchFamily="34" charset="-120"/>
+                <a:sym typeface="Wingdings" panose="05000000000000000000" pitchFamily="2" charset="2"/>
+              </a:rPr>
+              <a:t>RecordFile.cshtml</a:t>
+            </a:r>
+            <a:r>
+              <a:rPr lang="en-US" altLang="zh-TW" dirty="0">
+                <a:ea typeface="Microsoft JhengHei" panose="020B0604030504040204" pitchFamily="34" charset="-120"/>
+                <a:sym typeface="Wingdings" panose="05000000000000000000" pitchFamily="2" charset="2"/>
+              </a:rPr>
+              <a:t>  </a:t>
+            </a:r>
+            <a:r>
+              <a:rPr lang="zh-TW" altLang="en-US" dirty="0">
+                <a:ea typeface="Microsoft JhengHei" panose="020B0604030504040204" pitchFamily="34" charset="-120"/>
+                <a:sym typeface="Wingdings" panose="05000000000000000000" pitchFamily="2" charset="2"/>
+              </a:rPr>
+              <a:t>麥克風轉錄</a:t>
+            </a:r>
+            <a:endParaRPr lang="en-US" altLang="zh-TW" dirty="0">
+              <a:ea typeface="Microsoft JhengHei" panose="020B0604030504040204" pitchFamily="34" charset="-120"/>
+              <a:sym typeface="Wingdings" panose="05000000000000000000" pitchFamily="2" charset="2"/>
+            </a:endParaRPr>
+          </a:p>
+          <a:p>
+            <a:pPr marL="1200150" lvl="2" indent="-285750" eaLnBrk="0" fontAlgn="ctr" hangingPunct="0">
+              <a:lnSpc>
+                <a:spcPct val="150000"/>
+              </a:lnSpc>
+              <a:spcBef>
+                <a:spcPct val="0"/>
+              </a:spcBef>
+              <a:spcAft>
+                <a:spcPct val="0"/>
+              </a:spcAft>
+              <a:buFont typeface="Wingdings" panose="05000000000000000000" pitchFamily="2" charset="2"/>
+              <a:buChar char="u"/>
+            </a:pPr>
+            <a:r>
+              <a:rPr lang="en-US" altLang="zh-TW" dirty="0" err="1">
+                <a:ea typeface="Microsoft JhengHei" panose="020B0604030504040204" pitchFamily="34" charset="-120"/>
+                <a:sym typeface="Wingdings" panose="05000000000000000000" pitchFamily="2" charset="2"/>
+              </a:rPr>
+              <a:t>SpeakerTranscribe.cshtml</a:t>
+            </a:r>
+            <a:r>
+              <a:rPr lang="en-US" altLang="zh-TW" dirty="0">
+                <a:ea typeface="Microsoft JhengHei" panose="020B0604030504040204" pitchFamily="34" charset="-120"/>
+                <a:sym typeface="Wingdings" panose="05000000000000000000" pitchFamily="2" charset="2"/>
+              </a:rPr>
+              <a:t>  </a:t>
+            </a:r>
+            <a:r>
+              <a:rPr lang="zh-TW" altLang="en-US" dirty="0">
+                <a:ea typeface="Microsoft JhengHei" panose="020B0604030504040204" pitchFamily="34" charset="-120"/>
+                <a:sym typeface="Wingdings" panose="05000000000000000000" pitchFamily="2" charset="2"/>
+              </a:rPr>
+              <a:t>多人會議轉譯</a:t>
+            </a:r>
+            <a:endParaRPr lang="en-US" altLang="zh-TW" dirty="0">
+              <a:ea typeface="Microsoft JhengHei" panose="020B0604030504040204" pitchFamily="34" charset="-120"/>
+              <a:sym typeface="Wingdings" panose="05000000000000000000" pitchFamily="2" charset="2"/>
+            </a:endParaRPr>
+          </a:p>
+          <a:p>
+            <a:pPr marL="1200150" lvl="2" indent="-285750" eaLnBrk="0" fontAlgn="ctr" hangingPunct="0">
+              <a:lnSpc>
+                <a:spcPct val="150000"/>
+              </a:lnSpc>
+              <a:spcBef>
+                <a:spcPct val="0"/>
+              </a:spcBef>
+              <a:spcAft>
+                <a:spcPct val="0"/>
+              </a:spcAft>
+              <a:buFont typeface="Wingdings" panose="05000000000000000000" pitchFamily="2" charset="2"/>
+              <a:buChar char="u"/>
+            </a:pPr>
+            <a:r>
+              <a:rPr lang="en-US" altLang="zh-TW" dirty="0" err="1">
+                <a:ea typeface="Microsoft JhengHei" panose="020B0604030504040204" pitchFamily="34" charset="-120"/>
+                <a:sym typeface="Wingdings" panose="05000000000000000000" pitchFamily="2" charset="2"/>
+              </a:rPr>
+              <a:t>UploadFile.cshtml</a:t>
+            </a:r>
+            <a:r>
+              <a:rPr lang="en-US" altLang="zh-TW" dirty="0">
+                <a:ea typeface="Microsoft JhengHei" panose="020B0604030504040204" pitchFamily="34" charset="-120"/>
+                <a:sym typeface="Wingdings" panose="05000000000000000000" pitchFamily="2" charset="2"/>
+              </a:rPr>
+              <a:t>  </a:t>
+            </a:r>
+            <a:r>
+              <a:rPr lang="zh-TW" altLang="en-US" dirty="0">
+                <a:ea typeface="Microsoft JhengHei" panose="020B0604030504040204" pitchFamily="34" charset="-120"/>
+                <a:sym typeface="Wingdings" panose="05000000000000000000" pitchFamily="2" charset="2"/>
+              </a:rPr>
+              <a:t>語音檔轉文字</a:t>
+            </a:r>
+            <a:endParaRPr lang="en-US" altLang="zh-TW" dirty="0">
+              <a:ea typeface="Microsoft JhengHei" panose="020B0604030504040204" pitchFamily="34" charset="-120"/>
+              <a:sym typeface="Wingdings" panose="05000000000000000000" pitchFamily="2" charset="2"/>
+            </a:endParaRPr>
+          </a:p>
+          <a:p>
+            <a:pPr marL="1200150" lvl="2" indent="-285750" eaLnBrk="0" fontAlgn="ctr" hangingPunct="0">
+              <a:lnSpc>
+                <a:spcPct val="150000"/>
+              </a:lnSpc>
+              <a:spcBef>
+                <a:spcPct val="0"/>
+              </a:spcBef>
+              <a:spcAft>
+                <a:spcPct val="0"/>
+              </a:spcAft>
+              <a:buFont typeface="Wingdings" panose="05000000000000000000" pitchFamily="2" charset="2"/>
+              <a:buChar char="u"/>
+            </a:pPr>
+            <a:r>
+              <a:rPr lang="en-US" altLang="zh-TW" dirty="0">
+                <a:ea typeface="Microsoft JhengHei" panose="020B0604030504040204" pitchFamily="34" charset="-120"/>
+                <a:sym typeface="Wingdings" panose="05000000000000000000" pitchFamily="2" charset="2"/>
+              </a:rPr>
+              <a:t>UploadPersonal_AudioFile.cshtml  </a:t>
+            </a:r>
+            <a:r>
+              <a:rPr lang="zh-TW" altLang="en-US" dirty="0">
+                <a:ea typeface="Microsoft JhengHei" panose="020B0604030504040204" pitchFamily="34" charset="-120"/>
+                <a:sym typeface="Wingdings" panose="05000000000000000000" pitchFamily="2" charset="2"/>
+              </a:rPr>
+              <a:t>個人音檔</a:t>
+            </a:r>
+            <a:endParaRPr lang="en-US" altLang="zh-TW" dirty="0">
+              <a:ea typeface="Microsoft JhengHei" panose="020B0604030504040204" pitchFamily="34" charset="-120"/>
+              <a:sym typeface="Wingdings" panose="05000000000000000000" pitchFamily="2" charset="2"/>
+            </a:endParaRPr>
+          </a:p>
+        </p:txBody>
+      </p:sp>
+      <p:sp>
+        <p:nvSpPr>
+          <p:cNvPr id="17" name="文字方塊 16">
+            <a:extLst>
+              <a:ext uri="{FF2B5EF4-FFF2-40B4-BE49-F238E27FC236}">
+                <a16:creationId xmlns:a16="http://schemas.microsoft.com/office/drawing/2014/main" id="{36BA7CDE-2253-44F6-1CDE-A95D2073EF28}"/>
+              </a:ext>
+            </a:extLst>
+          </p:cNvPr>
+          <p:cNvSpPr txBox="1"/>
+          <p:nvPr/>
+        </p:nvSpPr>
+        <p:spPr>
+          <a:xfrm>
+            <a:off x="-173620" y="1286398"/>
+            <a:ext cx="6094140" cy="369332"/>
+          </a:xfrm>
+          <a:prstGeom prst="rect">
+            <a:avLst/>
+          </a:prstGeom>
+          <a:noFill/>
+        </p:spPr>
+        <p:txBody>
+          <a:bodyPr wrap="square">
+            <a:spAutoFit/>
+          </a:bodyPr>
+          <a:lstStyle/>
+          <a:p>
+            <a:pPr marL="457200" marR="0" lvl="1" indent="0" algn="l" defTabSz="914400" rtl="0" eaLnBrk="0" fontAlgn="ctr" latinLnBrk="0" hangingPunct="0">
+              <a:lnSpc>
+                <a:spcPct val="100000"/>
+              </a:lnSpc>
+              <a:spcBef>
+                <a:spcPct val="0"/>
+              </a:spcBef>
+              <a:spcAft>
+                <a:spcPct val="0"/>
+              </a:spcAft>
+              <a:buClrTx/>
+              <a:buSzTx/>
+              <a:buFont typeface="Symbol" panose="05050102010706020507" pitchFamily="18" charset="2"/>
+              <a:buChar char=""/>
+              <a:tabLst/>
+            </a:pPr>
+            <a:r>
+              <a:rPr kumimoji="0" lang="zh-TW" altLang="en-US" b="1" i="0" u="none" strike="noStrike" cap="none" normalizeH="0" baseline="0" dirty="0">
+                <a:ln>
+                  <a:noFill/>
+                </a:ln>
+                <a:solidFill>
+                  <a:schemeClr val="tx1"/>
+                </a:solidFill>
+                <a:effectLst/>
+                <a:latin typeface="微軟正黑體" panose="020B0604030504040204" pitchFamily="34" charset="-120"/>
+                <a:ea typeface="微軟正黑體" panose="020B0604030504040204" pitchFamily="34" charset="-120"/>
+                <a:cs typeface="Calibri" panose="020F0502020204030204" pitchFamily="34" charset="0"/>
+              </a:rPr>
+              <a:t> 專案</a:t>
+            </a:r>
+            <a:r>
+              <a:rPr kumimoji="0" lang="en-US" altLang="zh-TW" b="1" i="0" u="none" strike="noStrike" cap="none" normalizeH="0" baseline="0" dirty="0">
+                <a:ln>
+                  <a:noFill/>
+                </a:ln>
+                <a:solidFill>
+                  <a:schemeClr val="tx1"/>
+                </a:solidFill>
+                <a:effectLst/>
+                <a:latin typeface="微軟正黑體" panose="020B0604030504040204" pitchFamily="34" charset="-120"/>
+                <a:ea typeface="微軟正黑體" panose="020B0604030504040204" pitchFamily="34" charset="-120"/>
+                <a:cs typeface="Calibri" panose="020F0502020204030204" pitchFamily="34" charset="0"/>
+              </a:rPr>
+              <a:t>(</a:t>
+            </a:r>
+            <a:r>
+              <a:rPr kumimoji="0" lang="zh-TW" altLang="en-US" b="1" i="0" u="none" strike="noStrike" cap="none" normalizeH="0" baseline="0" dirty="0">
+                <a:ln>
+                  <a:noFill/>
+                </a:ln>
+                <a:solidFill>
+                  <a:schemeClr val="tx1"/>
+                </a:solidFill>
+                <a:effectLst/>
+                <a:latin typeface="微軟正黑體" panose="020B0604030504040204" pitchFamily="34" charset="-120"/>
+                <a:ea typeface="微軟正黑體" panose="020B0604030504040204" pitchFamily="34" charset="-120"/>
+                <a:cs typeface="Calibri" panose="020F0502020204030204" pitchFamily="34" charset="0"/>
+              </a:rPr>
+              <a:t>前端</a:t>
+            </a:r>
+            <a:r>
+              <a:rPr kumimoji="0" lang="en-US" altLang="zh-TW" b="1" i="0" u="none" strike="noStrike" cap="none" normalizeH="0" baseline="0" dirty="0">
+                <a:ln>
+                  <a:noFill/>
+                </a:ln>
+                <a:solidFill>
+                  <a:schemeClr val="tx1"/>
+                </a:solidFill>
+                <a:effectLst/>
+                <a:latin typeface="微軟正黑體" panose="020B0604030504040204" pitchFamily="34" charset="-120"/>
+                <a:ea typeface="微軟正黑體" panose="020B0604030504040204" pitchFamily="34" charset="-120"/>
+                <a:cs typeface="Calibri" panose="020F0502020204030204" pitchFamily="34" charset="0"/>
+              </a:rPr>
+              <a:t>)</a:t>
+            </a:r>
+            <a:endParaRPr kumimoji="0" lang="zh-TW" altLang="zh-TW" b="0" i="0" u="none" strike="noStrike" cap="none" normalizeH="0" baseline="0" dirty="0">
+              <a:ln>
+                <a:noFill/>
+              </a:ln>
+              <a:solidFill>
+                <a:schemeClr val="tx1"/>
+              </a:solidFill>
+              <a:effectLst/>
+            </a:endParaRPr>
+          </a:p>
+        </p:txBody>
+      </p:sp>
+      <p:sp>
+        <p:nvSpPr>
+          <p:cNvPr id="3" name="文字方塊 2">
+            <a:extLst>
+              <a:ext uri="{FF2B5EF4-FFF2-40B4-BE49-F238E27FC236}">
+                <a16:creationId xmlns:a16="http://schemas.microsoft.com/office/drawing/2014/main" id="{D65C2BBA-291E-BD00-5976-5A1C67E575DD}"/>
+              </a:ext>
+            </a:extLst>
+          </p:cNvPr>
+          <p:cNvSpPr txBox="1"/>
+          <p:nvPr/>
+        </p:nvSpPr>
+        <p:spPr>
+          <a:xfrm>
+            <a:off x="0" y="4792806"/>
+            <a:ext cx="10141823" cy="507831"/>
+          </a:xfrm>
+          <a:prstGeom prst="rect">
+            <a:avLst/>
+          </a:prstGeom>
+          <a:noFill/>
+        </p:spPr>
+        <p:txBody>
+          <a:bodyPr wrap="square">
+            <a:spAutoFit/>
+          </a:bodyPr>
+          <a:lstStyle/>
+          <a:p>
+            <a:pPr marL="742950" marR="0" lvl="1" indent="-285750" algn="l" defTabSz="914400" rtl="0" eaLnBrk="0" fontAlgn="ctr" latinLnBrk="0" hangingPunct="0">
+              <a:lnSpc>
+                <a:spcPct val="150000"/>
+              </a:lnSpc>
+              <a:spcBef>
+                <a:spcPct val="0"/>
+              </a:spcBef>
+              <a:spcAft>
+                <a:spcPct val="0"/>
+              </a:spcAft>
+              <a:buClrTx/>
+              <a:buSzTx/>
+              <a:buFont typeface="Wingdings" panose="05000000000000000000" pitchFamily="2" charset="2"/>
+              <a:buChar char="p"/>
+              <a:tabLst/>
+            </a:pPr>
+            <a:r>
+              <a:rPr lang="en-US" altLang="zh-TW" dirty="0">
+                <a:ea typeface="Microsoft JhengHei" panose="020B0604030504040204" pitchFamily="34" charset="-120"/>
+                <a:sym typeface="Wingdings" panose="05000000000000000000" pitchFamily="2" charset="2"/>
+              </a:rPr>
+              <a:t>Controllers &gt; </a:t>
+            </a:r>
+            <a:r>
+              <a:rPr lang="en-US" altLang="zh-TW" dirty="0" err="1">
+                <a:ea typeface="Microsoft JhengHei" panose="020B0604030504040204" pitchFamily="34" charset="-120"/>
+                <a:sym typeface="Wingdings" panose="05000000000000000000" pitchFamily="2" charset="2"/>
+              </a:rPr>
+              <a:t>UploadController.cs</a:t>
+            </a:r>
+            <a:endParaRPr lang="en-US" altLang="zh-TW" dirty="0">
+              <a:ea typeface="Microsoft JhengHei" panose="020B0604030504040204" pitchFamily="34" charset="-120"/>
+              <a:sym typeface="Wingdings" panose="05000000000000000000" pitchFamily="2" charset="2"/>
+            </a:endParaRPr>
+          </a:p>
+        </p:txBody>
+      </p:sp>
+      <p:sp>
+        <p:nvSpPr>
+          <p:cNvPr id="5" name="文字方塊 4">
+            <a:extLst>
+              <a:ext uri="{FF2B5EF4-FFF2-40B4-BE49-F238E27FC236}">
+                <a16:creationId xmlns:a16="http://schemas.microsoft.com/office/drawing/2014/main" id="{79315F34-BD0C-C0DA-B396-FE56F23D51D4}"/>
+              </a:ext>
+            </a:extLst>
+          </p:cNvPr>
+          <p:cNvSpPr txBox="1"/>
+          <p:nvPr/>
+        </p:nvSpPr>
+        <p:spPr>
+          <a:xfrm>
+            <a:off x="-262265" y="4521841"/>
+            <a:ext cx="6094140" cy="369332"/>
+          </a:xfrm>
+          <a:prstGeom prst="rect">
+            <a:avLst/>
+          </a:prstGeom>
+          <a:noFill/>
+        </p:spPr>
+        <p:txBody>
+          <a:bodyPr wrap="square">
+            <a:spAutoFit/>
+          </a:bodyPr>
+          <a:lstStyle/>
+          <a:p>
+            <a:pPr marL="457200" marR="0" lvl="1" indent="0" algn="l" defTabSz="914400" rtl="0" eaLnBrk="0" fontAlgn="ctr" latinLnBrk="0" hangingPunct="0">
+              <a:lnSpc>
+                <a:spcPct val="100000"/>
+              </a:lnSpc>
+              <a:spcBef>
+                <a:spcPct val="0"/>
+              </a:spcBef>
+              <a:spcAft>
+                <a:spcPct val="0"/>
+              </a:spcAft>
+              <a:buClrTx/>
+              <a:buSzTx/>
+              <a:buFont typeface="Symbol" panose="05050102010706020507" pitchFamily="18" charset="2"/>
+              <a:buChar char=""/>
+              <a:tabLst/>
+            </a:pPr>
+            <a:r>
+              <a:rPr kumimoji="0" lang="zh-TW" altLang="en-US" b="1" i="0" u="none" strike="noStrike" cap="none" normalizeH="0" baseline="0" dirty="0">
+                <a:ln>
+                  <a:noFill/>
+                </a:ln>
+                <a:solidFill>
+                  <a:schemeClr val="tx1"/>
+                </a:solidFill>
+                <a:effectLst/>
+                <a:latin typeface="微軟正黑體" panose="020B0604030504040204" pitchFamily="34" charset="-120"/>
+                <a:ea typeface="微軟正黑體" panose="020B0604030504040204" pitchFamily="34" charset="-120"/>
+                <a:cs typeface="Calibri" panose="020F0502020204030204" pitchFamily="34" charset="0"/>
+              </a:rPr>
+              <a:t> 專案</a:t>
+            </a:r>
+            <a:r>
+              <a:rPr kumimoji="0" lang="en-US" altLang="zh-TW" b="1" i="0" u="none" strike="noStrike" cap="none" normalizeH="0" baseline="0" dirty="0">
+                <a:ln>
+                  <a:noFill/>
+                </a:ln>
+                <a:solidFill>
+                  <a:schemeClr val="tx1"/>
+                </a:solidFill>
+                <a:effectLst/>
+                <a:latin typeface="微軟正黑體" panose="020B0604030504040204" pitchFamily="34" charset="-120"/>
+                <a:ea typeface="微軟正黑體" panose="020B0604030504040204" pitchFamily="34" charset="-120"/>
+                <a:cs typeface="Calibri" panose="020F0502020204030204" pitchFamily="34" charset="0"/>
+              </a:rPr>
+              <a:t>(</a:t>
+            </a:r>
+            <a:r>
+              <a:rPr lang="zh-TW" altLang="en-US" b="1" dirty="0">
+                <a:latin typeface="微軟正黑體" panose="020B0604030504040204" pitchFamily="34" charset="-120"/>
+                <a:ea typeface="微軟正黑體" panose="020B0604030504040204" pitchFamily="34" charset="-120"/>
+                <a:cs typeface="Calibri" panose="020F0502020204030204" pitchFamily="34" charset="0"/>
+              </a:rPr>
+              <a:t>後</a:t>
+            </a:r>
+            <a:r>
+              <a:rPr kumimoji="0" lang="zh-TW" altLang="en-US" b="1" i="0" u="none" strike="noStrike" cap="none" normalizeH="0" baseline="0" dirty="0">
+                <a:ln>
+                  <a:noFill/>
+                </a:ln>
+                <a:solidFill>
+                  <a:schemeClr val="tx1"/>
+                </a:solidFill>
+                <a:effectLst/>
+                <a:latin typeface="微軟正黑體" panose="020B0604030504040204" pitchFamily="34" charset="-120"/>
+                <a:ea typeface="微軟正黑體" panose="020B0604030504040204" pitchFamily="34" charset="-120"/>
+                <a:cs typeface="Calibri" panose="020F0502020204030204" pitchFamily="34" charset="0"/>
+              </a:rPr>
+              <a:t>端</a:t>
+            </a:r>
+            <a:r>
+              <a:rPr kumimoji="0" lang="en-US" altLang="zh-TW" b="1" i="0" u="none" strike="noStrike" cap="none" normalizeH="0" baseline="0" dirty="0">
+                <a:ln>
+                  <a:noFill/>
+                </a:ln>
+                <a:solidFill>
+                  <a:schemeClr val="tx1"/>
+                </a:solidFill>
+                <a:effectLst/>
+                <a:latin typeface="微軟正黑體" panose="020B0604030504040204" pitchFamily="34" charset="-120"/>
+                <a:ea typeface="微軟正黑體" panose="020B0604030504040204" pitchFamily="34" charset="-120"/>
+                <a:cs typeface="Calibri" panose="020F0502020204030204" pitchFamily="34" charset="0"/>
+              </a:rPr>
+              <a:t>)</a:t>
+            </a:r>
+            <a:endParaRPr kumimoji="0" lang="zh-TW" altLang="zh-TW" b="0" i="0" u="none" strike="noStrike" cap="none" normalizeH="0" baseline="0" dirty="0">
+              <a:ln>
+                <a:noFill/>
+              </a:ln>
+              <a:solidFill>
+                <a:schemeClr val="tx1"/>
+              </a:solidFill>
+              <a:effectLst/>
+            </a:endParaRPr>
+          </a:p>
+        </p:txBody>
+      </p:sp>
+    </p:spTree>
+    <p:extLst>
+      <p:ext uri="{BB962C8B-B14F-4D97-AF65-F5344CB8AC3E}">
+        <p14:creationId xmlns:p14="http://schemas.microsoft.com/office/powerpoint/2010/main" val="511200115"/>
+      </p:ext>
+    </p:extLst>
+  </p:cSld>
+  <p:clrMapOvr>
+    <a:masterClrMapping/>
+  </p:clrMapOvr>
+</p:sld>
+</file>
+
+<file path=ppt/slides/slide4.xml><?xml version="1.0" encoding="utf-8"?>
 <p:sld xmlns:a="http://schemas.openxmlformats.org/drawingml/2006/main" xmlns:r="http://schemas.openxmlformats.org/officeDocument/2006/relationships" xmlns:p="http://schemas.openxmlformats.org/presentationml/2006/main">
   <p:cSld>
     <p:spTree>
@@ -14530,7 +16933,7 @@
 </p:sld>
 </file>
 
-<file path=ppt/slides/slide4.xml><?xml version="1.0" encoding="utf-8"?>
+<file path=ppt/slides/slide5.xml><?xml version="1.0" encoding="utf-8"?>
 <p:sld xmlns:a="http://schemas.openxmlformats.org/drawingml/2006/main" xmlns:r="http://schemas.openxmlformats.org/officeDocument/2006/relationships" xmlns:p="http://schemas.openxmlformats.org/presentationml/2006/main">
   <p:cSld>
     <p:spTree>
@@ -15187,7 +17590,7 @@
 </p:sld>
 </file>
 
-<file path=ppt/slides/slide5.xml><?xml version="1.0" encoding="utf-8"?>
+<file path=ppt/slides/slide6.xml><?xml version="1.0" encoding="utf-8"?>
 <p:sld xmlns:a="http://schemas.openxmlformats.org/drawingml/2006/main" xmlns:r="http://schemas.openxmlformats.org/officeDocument/2006/relationships" xmlns:p="http://schemas.openxmlformats.org/presentationml/2006/main">
   <p:cSld>
     <p:spTree>
@@ -15931,7 +18334,7 @@
 </p:sld>
 </file>
 
-<file path=ppt/slides/slide6.xml><?xml version="1.0" encoding="utf-8"?>
+<file path=ppt/slides/slide7.xml><?xml version="1.0" encoding="utf-8"?>
 <p:sld xmlns:a="http://schemas.openxmlformats.org/drawingml/2006/main" xmlns:r="http://schemas.openxmlformats.org/officeDocument/2006/relationships" xmlns:p="http://schemas.openxmlformats.org/presentationml/2006/main">
   <p:cSld>
     <p:spTree>
@@ -16600,7 +19003,7 @@
 </p:sld>
 </file>
 
-<file path=ppt/slides/slide7.xml><?xml version="1.0" encoding="utf-8"?>
+<file path=ppt/slides/slide8.xml><?xml version="1.0" encoding="utf-8"?>
 <p:sld xmlns:a="http://schemas.openxmlformats.org/drawingml/2006/main" xmlns:r="http://schemas.openxmlformats.org/officeDocument/2006/relationships" xmlns:p="http://schemas.openxmlformats.org/presentationml/2006/main">
   <p:cSld>
     <p:spTree>
@@ -17298,7 +19701,7 @@
 </p:sld>
 </file>
 
-<file path=ppt/slides/slide8.xml><?xml version="1.0" encoding="utf-8"?>
+<file path=ppt/slides/slide9.xml><?xml version="1.0" encoding="utf-8"?>
 <p:sld xmlns:a="http://schemas.openxmlformats.org/drawingml/2006/main" xmlns:r="http://schemas.openxmlformats.org/officeDocument/2006/relationships" xmlns:p="http://schemas.openxmlformats.org/presentationml/2006/main">
   <p:cSld>
     <p:spTree>
@@ -18024,1575 +20427,6 @@
     <p:extLst>
       <p:ext uri="{BB962C8B-B14F-4D97-AF65-F5344CB8AC3E}">
         <p14:creationId xmlns:p14="http://schemas.microsoft.com/office/powerpoint/2010/main" val="225097381"/>
-      </p:ext>
-    </p:extLst>
-  </p:cSld>
-  <p:clrMapOvr>
-    <a:masterClrMapping/>
-  </p:clrMapOvr>
-</p:sld>
-</file>
-
-<file path=ppt/slides/slide9.xml><?xml version="1.0" encoding="utf-8"?>
-<p:sld xmlns:a="http://schemas.openxmlformats.org/drawingml/2006/main" xmlns:r="http://schemas.openxmlformats.org/officeDocument/2006/relationships" xmlns:p="http://schemas.openxmlformats.org/presentationml/2006/main">
-  <p:cSld>
-    <p:spTree>
-      <p:nvGrpSpPr>
-        <p:cNvPr id="1" name=""/>
-        <p:cNvGrpSpPr/>
-        <p:nvPr/>
-      </p:nvGrpSpPr>
-      <p:grpSpPr>
-        <a:xfrm>
-          <a:off x="0" y="0"/>
-          <a:ext cx="0" cy="0"/>
-          <a:chOff x="0" y="0"/>
-          <a:chExt cx="0" cy="0"/>
-        </a:xfrm>
-      </p:grpSpPr>
-      <p:pic>
-        <p:nvPicPr>
-          <p:cNvPr id="16" name="圖片 15">
-            <a:extLst>
-              <a:ext uri="{FF2B5EF4-FFF2-40B4-BE49-F238E27FC236}">
-                <a16:creationId xmlns:a16="http://schemas.microsoft.com/office/drawing/2014/main" id="{B3CB1531-082B-7287-7C6A-2D498642B3B2}"/>
-              </a:ext>
-            </a:extLst>
-          </p:cNvPr>
-          <p:cNvPicPr>
-            <a:picLocks noChangeAspect="1"/>
-          </p:cNvPicPr>
-          <p:nvPr/>
-        </p:nvPicPr>
-        <p:blipFill>
-          <a:blip r:embed="rId2"/>
-          <a:stretch>
-            <a:fillRect/>
-          </a:stretch>
-        </p:blipFill>
-        <p:spPr>
-          <a:xfrm>
-            <a:off x="5961257" y="3428493"/>
-            <a:ext cx="3349754" cy="923330"/>
-          </a:xfrm>
-          <a:prstGeom prst="rect">
-            <a:avLst/>
-          </a:prstGeom>
-        </p:spPr>
-      </p:pic>
-      <p:sp>
-        <p:nvSpPr>
-          <p:cNvPr id="7" name="Rectangle 9">
-            <a:extLst>
-              <a:ext uri="{FF2B5EF4-FFF2-40B4-BE49-F238E27FC236}">
-                <a16:creationId xmlns:a16="http://schemas.microsoft.com/office/drawing/2014/main" id="{3EE76470-6D9F-769C-F8CF-09B765DB98E8}"/>
-              </a:ext>
-            </a:extLst>
-          </p:cNvPr>
-          <p:cNvSpPr>
-            <a:spLocks noChangeArrowheads="1"/>
-          </p:cNvSpPr>
-          <p:nvPr/>
-        </p:nvSpPr>
-        <p:spPr bwMode="auto">
-          <a:xfrm>
-            <a:off x="262265" y="421178"/>
-            <a:ext cx="3877985" cy="646331"/>
-          </a:xfrm>
-          <a:prstGeom prst="rect">
-            <a:avLst/>
-          </a:prstGeom>
-          <a:noFill/>
-          <a:ln>
-            <a:noFill/>
-          </a:ln>
-          <a:effectLst/>
-          <a:extLst>
-            <a:ext uri="{909E8E84-426E-40DD-AFC4-6F175D3DCCD1}">
-              <a14:hiddenFill xmlns:a14="http://schemas.microsoft.com/office/drawing/2010/main">
-                <a:solidFill>
-                  <a:schemeClr val="accent1"/>
-                </a:solidFill>
-              </a14:hiddenFill>
-            </a:ext>
-            <a:ext uri="{91240B29-F687-4F45-9708-019B960494DF}">
-              <a14:hiddenLine xmlns:a14="http://schemas.microsoft.com/office/drawing/2010/main" w="9525">
-                <a:solidFill>
-                  <a:schemeClr val="tx1"/>
-                </a:solidFill>
-                <a:miter lim="800000"/>
-                <a:headEnd/>
-                <a:tailEnd/>
-              </a14:hiddenLine>
-            </a:ext>
-            <a:ext uri="{AF507438-7753-43E0-B8FC-AC1667EBCBE1}">
-              <a14:hiddenEffects xmlns:a14="http://schemas.microsoft.com/office/drawing/2010/main">
-                <a:effectLst>
-                  <a:outerShdw dist="35921" dir="2700000" algn="ctr" rotWithShape="0">
-                    <a:schemeClr val="bg2"/>
-                  </a:outerShdw>
-                </a:effectLst>
-              </a14:hiddenEffects>
-            </a:ext>
-          </a:extLst>
-        </p:spPr>
-        <p:txBody>
-          <a:bodyPr vert="horz" wrap="none" lIns="91440" tIns="45720" rIns="91440" bIns="45720" numCol="1" anchor="ctr" anchorCtr="0" compatLnSpc="1">
-            <a:prstTxWarp prst="textNoShape">
-              <a:avLst/>
-            </a:prstTxWarp>
-            <a:spAutoFit/>
-          </a:bodyPr>
-          <a:lstStyle>
-            <a:lvl1pPr eaLnBrk="0" fontAlgn="base" hangingPunct="0">
-              <a:spcBef>
-                <a:spcPct val="0"/>
-              </a:spcBef>
-              <a:spcAft>
-                <a:spcPct val="0"/>
-              </a:spcAft>
-              <a:defRPr>
-                <a:solidFill>
-                  <a:schemeClr val="tx1"/>
-                </a:solidFill>
-                <a:latin typeface="Arial" panose="020B0604020202020204" pitchFamily="34" charset="0"/>
-              </a:defRPr>
-            </a:lvl1pPr>
-            <a:lvl2pPr eaLnBrk="0" fontAlgn="base" hangingPunct="0">
-              <a:spcBef>
-                <a:spcPct val="0"/>
-              </a:spcBef>
-              <a:spcAft>
-                <a:spcPct val="0"/>
-              </a:spcAft>
-              <a:defRPr>
-                <a:solidFill>
-                  <a:schemeClr val="tx1"/>
-                </a:solidFill>
-                <a:latin typeface="Arial" panose="020B0604020202020204" pitchFamily="34" charset="0"/>
-              </a:defRPr>
-            </a:lvl2pPr>
-            <a:lvl3pPr eaLnBrk="0" fontAlgn="base" hangingPunct="0">
-              <a:spcBef>
-                <a:spcPct val="0"/>
-              </a:spcBef>
-              <a:spcAft>
-                <a:spcPct val="0"/>
-              </a:spcAft>
-              <a:defRPr>
-                <a:solidFill>
-                  <a:schemeClr val="tx1"/>
-                </a:solidFill>
-                <a:latin typeface="Arial" panose="020B0604020202020204" pitchFamily="34" charset="0"/>
-              </a:defRPr>
-            </a:lvl3pPr>
-            <a:lvl4pPr eaLnBrk="0" fontAlgn="base" hangingPunct="0">
-              <a:spcBef>
-                <a:spcPct val="0"/>
-              </a:spcBef>
-              <a:spcAft>
-                <a:spcPct val="0"/>
-              </a:spcAft>
-              <a:defRPr>
-                <a:solidFill>
-                  <a:schemeClr val="tx1"/>
-                </a:solidFill>
-                <a:latin typeface="Arial" panose="020B0604020202020204" pitchFamily="34" charset="0"/>
-              </a:defRPr>
-            </a:lvl4pPr>
-            <a:lvl5pPr eaLnBrk="0" fontAlgn="base" hangingPunct="0">
-              <a:spcBef>
-                <a:spcPct val="0"/>
-              </a:spcBef>
-              <a:spcAft>
-                <a:spcPct val="0"/>
-              </a:spcAft>
-              <a:defRPr>
-                <a:solidFill>
-                  <a:schemeClr val="tx1"/>
-                </a:solidFill>
-                <a:latin typeface="Arial" panose="020B0604020202020204" pitchFamily="34" charset="0"/>
-              </a:defRPr>
-            </a:lvl5pPr>
-            <a:lvl6pPr eaLnBrk="0" fontAlgn="base" hangingPunct="0">
-              <a:spcBef>
-                <a:spcPct val="0"/>
-              </a:spcBef>
-              <a:spcAft>
-                <a:spcPct val="0"/>
-              </a:spcAft>
-              <a:defRPr>
-                <a:solidFill>
-                  <a:schemeClr val="tx1"/>
-                </a:solidFill>
-                <a:latin typeface="Arial" panose="020B0604020202020204" pitchFamily="34" charset="0"/>
-              </a:defRPr>
-            </a:lvl6pPr>
-            <a:lvl7pPr eaLnBrk="0" fontAlgn="base" hangingPunct="0">
-              <a:spcBef>
-                <a:spcPct val="0"/>
-              </a:spcBef>
-              <a:spcAft>
-                <a:spcPct val="0"/>
-              </a:spcAft>
-              <a:defRPr>
-                <a:solidFill>
-                  <a:schemeClr val="tx1"/>
-                </a:solidFill>
-                <a:latin typeface="Arial" panose="020B0604020202020204" pitchFamily="34" charset="0"/>
-              </a:defRPr>
-            </a:lvl7pPr>
-            <a:lvl8pPr eaLnBrk="0" fontAlgn="base" hangingPunct="0">
-              <a:spcBef>
-                <a:spcPct val="0"/>
-              </a:spcBef>
-              <a:spcAft>
-                <a:spcPct val="0"/>
-              </a:spcAft>
-              <a:defRPr>
-                <a:solidFill>
-                  <a:schemeClr val="tx1"/>
-                </a:solidFill>
-                <a:latin typeface="Arial" panose="020B0604020202020204" pitchFamily="34" charset="0"/>
-              </a:defRPr>
-            </a:lvl8pPr>
-            <a:lvl9pPr eaLnBrk="0" fontAlgn="base" hangingPunct="0">
-              <a:spcBef>
-                <a:spcPct val="0"/>
-              </a:spcBef>
-              <a:spcAft>
-                <a:spcPct val="0"/>
-              </a:spcAft>
-              <a:defRPr>
-                <a:solidFill>
-                  <a:schemeClr val="tx1"/>
-                </a:solidFill>
-                <a:latin typeface="Arial" panose="020B0604020202020204" pitchFamily="34" charset="0"/>
-              </a:defRPr>
-            </a:lvl9pPr>
-          </a:lstStyle>
-          <a:p>
-            <a:pPr marL="0" marR="0" lvl="0" indent="0" algn="l" defTabSz="914400" rtl="0" eaLnBrk="0" fontAlgn="ctr" latinLnBrk="0" hangingPunct="0">
-              <a:lnSpc>
-                <a:spcPct val="100000"/>
-              </a:lnSpc>
-              <a:spcBef>
-                <a:spcPct val="0"/>
-              </a:spcBef>
-              <a:spcAft>
-                <a:spcPct val="0"/>
-              </a:spcAft>
-              <a:buClrTx/>
-              <a:buSzTx/>
-              <a:buFontTx/>
-              <a:buNone/>
-              <a:tabLst/>
-            </a:pPr>
-            <a:r>
-              <a:rPr kumimoji="0" lang="zh-TW" altLang="zh-TW" sz="3600" b="1" i="0" u="none" strike="noStrike" cap="none" normalizeH="0" baseline="0" dirty="0">
-                <a:ln>
-                  <a:noFill/>
-                </a:ln>
-                <a:solidFill>
-                  <a:schemeClr val="tx1"/>
-                </a:solidFill>
-                <a:effectLst/>
-                <a:latin typeface="微軟正黑體" panose="020B0604030504040204" pitchFamily="34" charset="-120"/>
-                <a:ea typeface="微軟正黑體" panose="020B0604030504040204" pitchFamily="34" charset="-120"/>
-                <a:cs typeface="Calibri" panose="020F0502020204030204" pitchFamily="34" charset="0"/>
-              </a:rPr>
-              <a:t>專案須注意的地方</a:t>
-            </a:r>
-            <a:endParaRPr kumimoji="0" lang="zh-TW" altLang="zh-TW" sz="3600" b="0" i="0" u="none" strike="noStrike" cap="none" normalizeH="0" baseline="0" dirty="0">
-              <a:ln>
-                <a:noFill/>
-              </a:ln>
-              <a:solidFill>
-                <a:schemeClr val="tx1"/>
-              </a:solidFill>
-              <a:effectLst/>
-            </a:endParaRPr>
-          </a:p>
-        </p:txBody>
-      </p:sp>
-      <p:sp>
-        <p:nvSpPr>
-          <p:cNvPr id="13" name="文字方塊 12">
-            <a:extLst>
-              <a:ext uri="{FF2B5EF4-FFF2-40B4-BE49-F238E27FC236}">
-                <a16:creationId xmlns:a16="http://schemas.microsoft.com/office/drawing/2014/main" id="{ECA205BF-5DF6-28BF-C222-2EBC66A9E2F5}"/>
-              </a:ext>
-            </a:extLst>
-          </p:cNvPr>
-          <p:cNvSpPr txBox="1"/>
-          <p:nvPr/>
-        </p:nvSpPr>
-        <p:spPr>
-          <a:xfrm>
-            <a:off x="262265" y="1874456"/>
-            <a:ext cx="10141823" cy="923330"/>
-          </a:xfrm>
-          <a:prstGeom prst="rect">
-            <a:avLst/>
-          </a:prstGeom>
-          <a:noFill/>
-        </p:spPr>
-        <p:txBody>
-          <a:bodyPr wrap="square">
-            <a:spAutoFit/>
-          </a:bodyPr>
-          <a:lstStyle/>
-          <a:p>
-            <a:pPr marL="742950" marR="0" lvl="1" indent="-285750" algn="l" defTabSz="914400" rtl="0" eaLnBrk="0" fontAlgn="ctr" latinLnBrk="0" hangingPunct="0">
-              <a:lnSpc>
-                <a:spcPct val="150000"/>
-              </a:lnSpc>
-              <a:spcBef>
-                <a:spcPct val="0"/>
-              </a:spcBef>
-              <a:spcAft>
-                <a:spcPct val="0"/>
-              </a:spcAft>
-              <a:buClrTx/>
-              <a:buSzTx/>
-              <a:buFont typeface="Wingdings" panose="05000000000000000000" pitchFamily="2" charset="2"/>
-              <a:buChar char="p"/>
-              <a:tabLst/>
-            </a:pPr>
-            <a:r>
-              <a:rPr kumimoji="0" lang="zh-TW" altLang="zh-TW" b="0" i="0" u="none" strike="noStrike" cap="none" normalizeH="0" baseline="0" dirty="0">
-                <a:ln>
-                  <a:noFill/>
-                </a:ln>
-                <a:solidFill>
-                  <a:schemeClr val="tx1"/>
-                </a:solidFill>
-                <a:effectLst/>
-                <a:latin typeface="微軟正黑體" panose="020B0604030504040204" pitchFamily="34" charset="-120"/>
-                <a:ea typeface="微軟正黑體" panose="020B0604030504040204" pitchFamily="34" charset="-120"/>
-                <a:cs typeface="Calibri" panose="020F0502020204030204" pitchFamily="34" charset="0"/>
-              </a:rPr>
-              <a:t>上傳檔案會有檔案大小的限制，不然會出現 </a:t>
-            </a:r>
-            <a:r>
-              <a:rPr kumimoji="0" lang="zh-TW" altLang="en-US" b="0" i="0" u="none" strike="noStrike" cap="none" normalizeH="0" baseline="0" dirty="0">
-                <a:ln>
-                  <a:noFill/>
-                </a:ln>
-                <a:solidFill>
-                  <a:schemeClr val="tx1"/>
-                </a:solidFill>
-                <a:effectLst/>
-                <a:latin typeface="Calibri" panose="020F0502020204030204" pitchFamily="34" charset="0"/>
-                <a:ea typeface="微軟正黑體" panose="020B0604030504040204" pitchFamily="34" charset="-120"/>
-                <a:cs typeface="Calibri" panose="020F0502020204030204" pitchFamily="34" charset="0"/>
-              </a:rPr>
-              <a:t>“</a:t>
-            </a:r>
-            <a:r>
-              <a:rPr kumimoji="0" lang="zh-TW" altLang="en-US" b="0" i="0" u="none" strike="noStrike" cap="none" normalizeH="0" baseline="0" dirty="0">
-                <a:ln>
-                  <a:noFill/>
-                </a:ln>
-                <a:solidFill>
-                  <a:schemeClr val="tx1"/>
-                </a:solidFill>
-                <a:effectLst/>
-                <a:latin typeface="微軟正黑體" panose="020B0604030504040204" pitchFamily="34" charset="-120"/>
-                <a:ea typeface="微軟正黑體" panose="020B0604030504040204" pitchFamily="34" charset="-120"/>
-                <a:cs typeface="Calibri" panose="020F0502020204030204" pitchFamily="34" charset="0"/>
-              </a:rPr>
-              <a:t>檔案超過限制的</a:t>
-            </a:r>
-            <a:r>
-              <a:rPr kumimoji="0" lang="zh-TW" altLang="en-US" b="0" i="0" u="none" strike="noStrike" cap="none" normalizeH="0" baseline="0" dirty="0">
-                <a:ln>
-                  <a:noFill/>
-                </a:ln>
-                <a:solidFill>
-                  <a:schemeClr val="tx1"/>
-                </a:solidFill>
-                <a:effectLst/>
-                <a:latin typeface="Calibri" panose="020F0502020204030204" pitchFamily="34" charset="0"/>
-                <a:ea typeface="微軟正黑體" panose="020B0604030504040204" pitchFamily="34" charset="-120"/>
-                <a:cs typeface="Calibri" panose="020F0502020204030204" pitchFamily="34" charset="0"/>
-              </a:rPr>
-              <a:t>”</a:t>
-            </a:r>
-            <a:r>
-              <a:rPr kumimoji="0" lang="zh-TW" altLang="en-US" b="0" i="0" u="none" strike="noStrike" cap="none" normalizeH="0" baseline="0" dirty="0">
-                <a:ln>
-                  <a:noFill/>
-                </a:ln>
-                <a:solidFill>
-                  <a:schemeClr val="tx1"/>
-                </a:solidFill>
-                <a:effectLst/>
-                <a:latin typeface="微軟正黑體" panose="020B0604030504040204" pitchFamily="34" charset="-120"/>
-                <a:ea typeface="微軟正黑體" panose="020B0604030504040204" pitchFamily="34" charset="-120"/>
-                <a:cs typeface="Calibri" panose="020F0502020204030204" pitchFamily="34" charset="0"/>
-              </a:rPr>
-              <a:t>的問題</a:t>
-            </a:r>
-            <a:r>
-              <a:rPr lang="zh-TW" altLang="en-US" dirty="0"/>
-              <a:t>，</a:t>
-            </a:r>
-            <a:r>
-              <a:rPr kumimoji="0" lang="zh-TW" altLang="en-US" b="0" i="0" u="none" strike="noStrike" cap="none" normalizeH="0" baseline="0" dirty="0">
-                <a:ln>
-                  <a:noFill/>
-                </a:ln>
-                <a:solidFill>
-                  <a:schemeClr val="tx1"/>
-                </a:solidFill>
-                <a:effectLst/>
-                <a:latin typeface="微軟正黑體" panose="020B0604030504040204" pitchFamily="34" charset="-120"/>
-                <a:ea typeface="微軟正黑體" panose="020B0604030504040204" pitchFamily="34" charset="-120"/>
-                <a:cs typeface="Calibri" panose="020F0502020204030204" pitchFamily="34" charset="0"/>
-              </a:rPr>
-              <a:t>因此需要加入設定</a:t>
-            </a:r>
-          </a:p>
-          <a:p>
-            <a:pPr lvl="2" eaLnBrk="0" fontAlgn="ctr" hangingPunct="0">
-              <a:lnSpc>
-                <a:spcPct val="150000"/>
-              </a:lnSpc>
-              <a:spcBef>
-                <a:spcPct val="0"/>
-              </a:spcBef>
-              <a:spcAft>
-                <a:spcPct val="0"/>
-              </a:spcAft>
-            </a:pPr>
-            <a:r>
-              <a:rPr lang="en-US" altLang="zh-TW" dirty="0">
-                <a:latin typeface="微軟正黑體" panose="020B0604030504040204" pitchFamily="34" charset="-120"/>
-                <a:ea typeface="微軟正黑體" panose="020B0604030504040204" pitchFamily="34" charset="-120"/>
-                <a:cs typeface="Calibri" panose="020F0502020204030204" pitchFamily="34" charset="0"/>
-              </a:rPr>
-              <a:t>3</a:t>
-            </a:r>
-            <a:r>
-              <a:rPr kumimoji="0" lang="en-US" altLang="zh-TW" b="0" i="0" u="none" strike="noStrike" cap="none" normalizeH="0" baseline="0" dirty="0">
-                <a:ln>
-                  <a:noFill/>
-                </a:ln>
-                <a:effectLst/>
-                <a:latin typeface="微軟正黑體" panose="020B0604030504040204" pitchFamily="34" charset="-120"/>
-                <a:ea typeface="微軟正黑體" panose="020B0604030504040204" pitchFamily="34" charset="-120"/>
-                <a:cs typeface="Calibri" panose="020F0502020204030204" pitchFamily="34" charset="0"/>
-              </a:rPr>
-              <a:t>.</a:t>
-            </a:r>
-            <a:r>
-              <a:rPr kumimoji="0" lang="zh-TW" altLang="en-US" b="0" i="0" u="none" strike="noStrike" cap="none" normalizeH="0" baseline="0" dirty="0">
-                <a:ln>
-                  <a:noFill/>
-                </a:ln>
-                <a:effectLst/>
-                <a:latin typeface="微軟正黑體" panose="020B0604030504040204" pitchFamily="34" charset="-120"/>
-                <a:ea typeface="微軟正黑體" panose="020B0604030504040204" pitchFamily="34" charset="-120"/>
-                <a:cs typeface="Calibri" panose="020F0502020204030204" pitchFamily="34" charset="0"/>
-              </a:rPr>
-              <a:t>  </a:t>
-            </a:r>
-            <a:r>
-              <a:rPr kumimoji="0" lang="en-US" altLang="zh-TW" b="0" i="0" u="none" strike="noStrike" cap="none" normalizeH="0" baseline="0" dirty="0">
-                <a:ln>
-                  <a:noFill/>
-                </a:ln>
-                <a:effectLst/>
-                <a:latin typeface="微軟正黑體" panose="020B0604030504040204" pitchFamily="34" charset="-120"/>
-                <a:ea typeface="微軟正黑體" panose="020B0604030504040204" pitchFamily="34" charset="-120"/>
-                <a:cs typeface="Calibri" panose="020F0502020204030204" pitchFamily="34" charset="0"/>
-              </a:rPr>
-              <a:t>IIS</a:t>
-            </a:r>
-            <a:endParaRPr kumimoji="0" lang="en-US" altLang="zh-TW" b="0" i="0" strike="noStrike" cap="none" normalizeH="0" baseline="0" dirty="0">
-              <a:ln>
-                <a:noFill/>
-              </a:ln>
-              <a:effectLst/>
-            </a:endParaRPr>
-          </a:p>
-        </p:txBody>
-      </p:sp>
-      <p:sp>
-        <p:nvSpPr>
-          <p:cNvPr id="17" name="文字方塊 16">
-            <a:extLst>
-              <a:ext uri="{FF2B5EF4-FFF2-40B4-BE49-F238E27FC236}">
-                <a16:creationId xmlns:a16="http://schemas.microsoft.com/office/drawing/2014/main" id="{36BA7CDE-2253-44F6-1CDE-A95D2073EF28}"/>
-              </a:ext>
-            </a:extLst>
-          </p:cNvPr>
-          <p:cNvSpPr txBox="1"/>
-          <p:nvPr/>
-        </p:nvSpPr>
-        <p:spPr>
-          <a:xfrm>
-            <a:off x="0" y="1237058"/>
-            <a:ext cx="6094140" cy="369332"/>
-          </a:xfrm>
-          <a:prstGeom prst="rect">
-            <a:avLst/>
-          </a:prstGeom>
-          <a:noFill/>
-        </p:spPr>
-        <p:txBody>
-          <a:bodyPr wrap="square">
-            <a:spAutoFit/>
-          </a:bodyPr>
-          <a:lstStyle/>
-          <a:p>
-            <a:pPr marL="457200" marR="0" lvl="1" indent="0" algn="l" defTabSz="914400" rtl="0" eaLnBrk="0" fontAlgn="ctr" latinLnBrk="0" hangingPunct="0">
-              <a:lnSpc>
-                <a:spcPct val="100000"/>
-              </a:lnSpc>
-              <a:spcBef>
-                <a:spcPct val="0"/>
-              </a:spcBef>
-              <a:spcAft>
-                <a:spcPct val="0"/>
-              </a:spcAft>
-              <a:buClrTx/>
-              <a:buSzTx/>
-              <a:buFont typeface="Symbol" panose="05050102010706020507" pitchFamily="18" charset="2"/>
-              <a:buChar char=""/>
-              <a:tabLst/>
-            </a:pPr>
-            <a:r>
-              <a:rPr kumimoji="0" lang="zh-TW" altLang="zh-TW" b="1" i="0" u="none" strike="noStrike" cap="none" normalizeH="0" baseline="0" dirty="0">
-                <a:ln>
-                  <a:noFill/>
-                </a:ln>
-                <a:solidFill>
-                  <a:schemeClr val="tx1"/>
-                </a:solidFill>
-                <a:effectLst/>
-                <a:latin typeface="微軟正黑體" panose="020B0604030504040204" pitchFamily="34" charset="-120"/>
-                <a:ea typeface="微軟正黑體" panose="020B0604030504040204" pitchFamily="34" charset="-120"/>
-                <a:cs typeface="Calibri" panose="020F0502020204030204" pitchFamily="34" charset="0"/>
-              </a:rPr>
-              <a:t>上傳檔案</a:t>
-            </a:r>
-            <a:endParaRPr kumimoji="0" lang="zh-TW" altLang="zh-TW" b="0" i="0" u="none" strike="noStrike" cap="none" normalizeH="0" baseline="0" dirty="0">
-              <a:ln>
-                <a:noFill/>
-              </a:ln>
-              <a:solidFill>
-                <a:schemeClr val="tx1"/>
-              </a:solidFill>
-              <a:effectLst/>
-            </a:endParaRPr>
-          </a:p>
-        </p:txBody>
-      </p:sp>
-      <p:sp>
-        <p:nvSpPr>
-          <p:cNvPr id="4" name="矩形 3">
-            <a:extLst>
-              <a:ext uri="{FF2B5EF4-FFF2-40B4-BE49-F238E27FC236}">
-                <a16:creationId xmlns:a16="http://schemas.microsoft.com/office/drawing/2014/main" id="{6C66B68D-BC5D-780E-900C-1500C2DCD326}"/>
-              </a:ext>
-            </a:extLst>
-          </p:cNvPr>
-          <p:cNvSpPr/>
-          <p:nvPr/>
-        </p:nvSpPr>
-        <p:spPr>
-          <a:xfrm>
-            <a:off x="6094139" y="3952874"/>
-            <a:ext cx="3216871" cy="398949"/>
-          </a:xfrm>
-          <a:prstGeom prst="rect">
-            <a:avLst/>
-          </a:prstGeom>
-          <a:noFill/>
-          <a:ln w="57150">
-            <a:solidFill>
-              <a:srgbClr val="C00000"/>
-            </a:solidFill>
-          </a:ln>
-        </p:spPr>
-        <p:style>
-          <a:lnRef idx="2">
-            <a:schemeClr val="accent1">
-              <a:shade val="15000"/>
-            </a:schemeClr>
-          </a:lnRef>
-          <a:fillRef idx="1">
-            <a:schemeClr val="accent1"/>
-          </a:fillRef>
-          <a:effectRef idx="0">
-            <a:schemeClr val="accent1"/>
-          </a:effectRef>
-          <a:fontRef idx="minor">
-            <a:schemeClr val="lt1"/>
-          </a:fontRef>
-        </p:style>
-        <p:txBody>
-          <a:bodyPr rtlCol="0" anchor="ctr"/>
-          <a:lstStyle/>
-          <a:p>
-            <a:pPr algn="ctr"/>
-            <a:endParaRPr lang="zh-TW" altLang="en-US"/>
-          </a:p>
-        </p:txBody>
-      </p:sp>
-      <p:pic>
-        <p:nvPicPr>
-          <p:cNvPr id="5" name="圖片 4">
-            <a:extLst>
-              <a:ext uri="{FF2B5EF4-FFF2-40B4-BE49-F238E27FC236}">
-                <a16:creationId xmlns:a16="http://schemas.microsoft.com/office/drawing/2014/main" id="{44475ABD-120B-21D9-59CD-F82EE5BE7030}"/>
-              </a:ext>
-            </a:extLst>
-          </p:cNvPr>
-          <p:cNvPicPr>
-            <a:picLocks noChangeAspect="1"/>
-          </p:cNvPicPr>
-          <p:nvPr/>
-        </p:nvPicPr>
-        <p:blipFill rotWithShape="1">
-          <a:blip r:embed="rId3"/>
-          <a:srcRect r="41866" b="92196"/>
-          <a:stretch/>
-        </p:blipFill>
-        <p:spPr>
-          <a:xfrm>
-            <a:off x="388510" y="3617486"/>
-            <a:ext cx="2745215" cy="687263"/>
-          </a:xfrm>
-          <a:prstGeom prst="rect">
-            <a:avLst/>
-          </a:prstGeom>
-        </p:spPr>
-      </p:pic>
-      <p:pic>
-        <p:nvPicPr>
-          <p:cNvPr id="8" name="圖片 7">
-            <a:extLst>
-              <a:ext uri="{FF2B5EF4-FFF2-40B4-BE49-F238E27FC236}">
-                <a16:creationId xmlns:a16="http://schemas.microsoft.com/office/drawing/2014/main" id="{44F43B05-14AE-39CA-A08A-D6533659664E}"/>
-              </a:ext>
-            </a:extLst>
-          </p:cNvPr>
-          <p:cNvPicPr>
-            <a:picLocks noChangeAspect="1"/>
-          </p:cNvPicPr>
-          <p:nvPr/>
-        </p:nvPicPr>
-        <p:blipFill rotWithShape="1">
-          <a:blip r:embed="rId3"/>
-          <a:srcRect l="64870" t="82144" r="1"/>
-          <a:stretch/>
-        </p:blipFill>
-        <p:spPr>
-          <a:xfrm>
-            <a:off x="3858554" y="3377154"/>
-            <a:ext cx="1275886" cy="1209425"/>
-          </a:xfrm>
-          <a:prstGeom prst="rect">
-            <a:avLst/>
-          </a:prstGeom>
-        </p:spPr>
-      </p:pic>
-      <p:sp>
-        <p:nvSpPr>
-          <p:cNvPr id="9" name="文字方塊 8">
-            <a:extLst>
-              <a:ext uri="{FF2B5EF4-FFF2-40B4-BE49-F238E27FC236}">
-                <a16:creationId xmlns:a16="http://schemas.microsoft.com/office/drawing/2014/main" id="{55A8EB91-9395-97C7-8AFE-248FD9EE3584}"/>
-              </a:ext>
-            </a:extLst>
-          </p:cNvPr>
-          <p:cNvSpPr txBox="1"/>
-          <p:nvPr/>
-        </p:nvSpPr>
-        <p:spPr>
-          <a:xfrm>
-            <a:off x="-118735" y="3015702"/>
-            <a:ext cx="1752600" cy="507831"/>
-          </a:xfrm>
-          <a:prstGeom prst="rect">
-            <a:avLst/>
-          </a:prstGeom>
-          <a:noFill/>
-        </p:spPr>
-        <p:txBody>
-          <a:bodyPr wrap="square">
-            <a:spAutoFit/>
-          </a:bodyPr>
-          <a:lstStyle/>
-          <a:p>
-            <a:pPr marR="0" lvl="1" algn="l" defTabSz="914400" rtl="0" eaLnBrk="0" fontAlgn="ctr" latinLnBrk="0" hangingPunct="0">
-              <a:lnSpc>
-                <a:spcPct val="150000"/>
-              </a:lnSpc>
-              <a:spcBef>
-                <a:spcPct val="0"/>
-              </a:spcBef>
-              <a:spcAft>
-                <a:spcPct val="0"/>
-              </a:spcAft>
-              <a:buClrTx/>
-              <a:buSzTx/>
-              <a:tabLst/>
-            </a:pPr>
-            <a:r>
-              <a:rPr kumimoji="0" lang="en-US" altLang="zh-TW" b="0" i="0" strike="noStrike" cap="none" normalizeH="0" baseline="0" dirty="0">
-                <a:ln>
-                  <a:noFill/>
-                </a:ln>
-                <a:solidFill>
-                  <a:schemeClr val="tx1"/>
-                </a:solidFill>
-                <a:effectLst/>
-              </a:rPr>
-              <a:t>Step1.</a:t>
-            </a:r>
-          </a:p>
-        </p:txBody>
-      </p:sp>
-      <p:sp>
-        <p:nvSpPr>
-          <p:cNvPr id="11" name="箭號: 向右 10">
-            <a:extLst>
-              <a:ext uri="{FF2B5EF4-FFF2-40B4-BE49-F238E27FC236}">
-                <a16:creationId xmlns:a16="http://schemas.microsoft.com/office/drawing/2014/main" id="{3E92366D-1CD7-9669-F982-7A2A01CD0315}"/>
-              </a:ext>
-            </a:extLst>
-          </p:cNvPr>
-          <p:cNvSpPr/>
-          <p:nvPr/>
-        </p:nvSpPr>
-        <p:spPr>
-          <a:xfrm>
-            <a:off x="3047070" y="3794617"/>
-            <a:ext cx="762930" cy="371475"/>
-          </a:xfrm>
-          <a:prstGeom prst="rightArrow">
-            <a:avLst/>
-          </a:prstGeom>
-        </p:spPr>
-        <p:style>
-          <a:lnRef idx="2">
-            <a:schemeClr val="accent1">
-              <a:shade val="15000"/>
-            </a:schemeClr>
-          </a:lnRef>
-          <a:fillRef idx="1">
-            <a:schemeClr val="accent1"/>
-          </a:fillRef>
-          <a:effectRef idx="0">
-            <a:schemeClr val="accent1"/>
-          </a:effectRef>
-          <a:fontRef idx="minor">
-            <a:schemeClr val="lt1"/>
-          </a:fontRef>
-        </p:style>
-        <p:txBody>
-          <a:bodyPr rtlCol="0" anchor="ctr"/>
-          <a:lstStyle/>
-          <a:p>
-            <a:pPr algn="ctr"/>
-            <a:endParaRPr lang="zh-TW" altLang="en-US"/>
-          </a:p>
-        </p:txBody>
-      </p:sp>
-      <p:sp>
-        <p:nvSpPr>
-          <p:cNvPr id="12" name="文字方塊 11">
-            <a:extLst>
-              <a:ext uri="{FF2B5EF4-FFF2-40B4-BE49-F238E27FC236}">
-                <a16:creationId xmlns:a16="http://schemas.microsoft.com/office/drawing/2014/main" id="{235C056C-CFD9-593B-4D5A-AFBD0ADA043B}"/>
-              </a:ext>
-            </a:extLst>
-          </p:cNvPr>
-          <p:cNvSpPr txBox="1"/>
-          <p:nvPr/>
-        </p:nvSpPr>
-        <p:spPr>
-          <a:xfrm>
-            <a:off x="3428535" y="2904400"/>
-            <a:ext cx="1752600" cy="507831"/>
-          </a:xfrm>
-          <a:prstGeom prst="rect">
-            <a:avLst/>
-          </a:prstGeom>
-          <a:noFill/>
-        </p:spPr>
-        <p:txBody>
-          <a:bodyPr wrap="square">
-            <a:spAutoFit/>
-          </a:bodyPr>
-          <a:lstStyle/>
-          <a:p>
-            <a:pPr marR="0" lvl="1" algn="l" defTabSz="914400" rtl="0" eaLnBrk="0" fontAlgn="ctr" latinLnBrk="0" hangingPunct="0">
-              <a:lnSpc>
-                <a:spcPct val="150000"/>
-              </a:lnSpc>
-              <a:spcBef>
-                <a:spcPct val="0"/>
-              </a:spcBef>
-              <a:spcAft>
-                <a:spcPct val="0"/>
-              </a:spcAft>
-              <a:buClrTx/>
-              <a:buSzTx/>
-              <a:tabLst/>
-            </a:pPr>
-            <a:r>
-              <a:rPr kumimoji="0" lang="en-US" altLang="zh-TW" b="0" i="0" strike="noStrike" cap="none" normalizeH="0" baseline="0" dirty="0">
-                <a:ln>
-                  <a:noFill/>
-                </a:ln>
-                <a:solidFill>
-                  <a:schemeClr val="tx1"/>
-                </a:solidFill>
-                <a:effectLst/>
-              </a:rPr>
-              <a:t>Step2.</a:t>
-            </a:r>
-          </a:p>
-        </p:txBody>
-      </p:sp>
-      <p:sp>
-        <p:nvSpPr>
-          <p:cNvPr id="14" name="箭號: 向右 13">
-            <a:extLst>
-              <a:ext uri="{FF2B5EF4-FFF2-40B4-BE49-F238E27FC236}">
-                <a16:creationId xmlns:a16="http://schemas.microsoft.com/office/drawing/2014/main" id="{6CE1C2CC-679E-460E-66E1-E4151063421D}"/>
-              </a:ext>
-            </a:extLst>
-          </p:cNvPr>
-          <p:cNvSpPr/>
-          <p:nvPr/>
-        </p:nvSpPr>
-        <p:spPr>
-          <a:xfrm>
-            <a:off x="5182994" y="3798284"/>
-            <a:ext cx="762930" cy="371475"/>
-          </a:xfrm>
-          <a:prstGeom prst="rightArrow">
-            <a:avLst/>
-          </a:prstGeom>
-        </p:spPr>
-        <p:style>
-          <a:lnRef idx="2">
-            <a:schemeClr val="accent1">
-              <a:shade val="15000"/>
-            </a:schemeClr>
-          </a:lnRef>
-          <a:fillRef idx="1">
-            <a:schemeClr val="accent1"/>
-          </a:fillRef>
-          <a:effectRef idx="0">
-            <a:schemeClr val="accent1"/>
-          </a:effectRef>
-          <a:fontRef idx="minor">
-            <a:schemeClr val="lt1"/>
-          </a:fontRef>
-        </p:style>
-        <p:txBody>
-          <a:bodyPr rtlCol="0" anchor="ctr"/>
-          <a:lstStyle/>
-          <a:p>
-            <a:pPr algn="ctr"/>
-            <a:endParaRPr lang="zh-TW" altLang="en-US"/>
-          </a:p>
-        </p:txBody>
-      </p:sp>
-      <p:sp>
-        <p:nvSpPr>
-          <p:cNvPr id="18" name="文字方塊 17">
-            <a:extLst>
-              <a:ext uri="{FF2B5EF4-FFF2-40B4-BE49-F238E27FC236}">
-                <a16:creationId xmlns:a16="http://schemas.microsoft.com/office/drawing/2014/main" id="{9AA9A5D1-A5BE-383A-1579-B5119960F72A}"/>
-              </a:ext>
-            </a:extLst>
-          </p:cNvPr>
-          <p:cNvSpPr txBox="1"/>
-          <p:nvPr/>
-        </p:nvSpPr>
-        <p:spPr>
-          <a:xfrm>
-            <a:off x="5611153" y="3010297"/>
-            <a:ext cx="3066121" cy="507831"/>
-          </a:xfrm>
-          <a:prstGeom prst="rect">
-            <a:avLst/>
-          </a:prstGeom>
-          <a:noFill/>
-        </p:spPr>
-        <p:txBody>
-          <a:bodyPr wrap="square">
-            <a:spAutoFit/>
-          </a:bodyPr>
-          <a:lstStyle/>
-          <a:p>
-            <a:pPr marR="0" lvl="1" algn="l" defTabSz="914400" rtl="0" eaLnBrk="0" fontAlgn="ctr" latinLnBrk="0" hangingPunct="0">
-              <a:lnSpc>
-                <a:spcPct val="150000"/>
-              </a:lnSpc>
-              <a:spcBef>
-                <a:spcPct val="0"/>
-              </a:spcBef>
-              <a:spcAft>
-                <a:spcPct val="0"/>
-              </a:spcAft>
-              <a:buClrTx/>
-              <a:buSzTx/>
-              <a:tabLst/>
-            </a:pPr>
-            <a:r>
-              <a:rPr kumimoji="0" lang="en-US" altLang="zh-TW" b="0" i="0" strike="noStrike" cap="none" normalizeH="0" baseline="0" dirty="0">
-                <a:ln>
-                  <a:noFill/>
-                </a:ln>
-                <a:solidFill>
-                  <a:schemeClr val="tx1"/>
-                </a:solidFill>
-                <a:effectLst/>
-              </a:rPr>
-              <a:t>Step3.</a:t>
-            </a:r>
-            <a:r>
-              <a:rPr kumimoji="0" lang="zh-TW" altLang="en-US" b="0" i="0" strike="noStrike" cap="none" normalizeH="0" baseline="0" dirty="0">
-                <a:ln>
-                  <a:noFill/>
-                </a:ln>
-                <a:solidFill>
-                  <a:schemeClr val="tx1"/>
-                </a:solidFill>
-                <a:effectLst/>
-              </a:rPr>
-              <a:t> 下拉選單</a:t>
-            </a:r>
-            <a:endParaRPr kumimoji="0" lang="en-US" altLang="zh-TW" b="0" i="0" strike="noStrike" cap="none" normalizeH="0" baseline="0" dirty="0">
-              <a:ln>
-                <a:noFill/>
-              </a:ln>
-              <a:solidFill>
-                <a:schemeClr val="tx1"/>
-              </a:solidFill>
-              <a:effectLst/>
-            </a:endParaRPr>
-          </a:p>
-        </p:txBody>
-      </p:sp>
-      <p:sp>
-        <p:nvSpPr>
-          <p:cNvPr id="19" name="文字方塊 18">
-            <a:extLst>
-              <a:ext uri="{FF2B5EF4-FFF2-40B4-BE49-F238E27FC236}">
-                <a16:creationId xmlns:a16="http://schemas.microsoft.com/office/drawing/2014/main" id="{861D2051-61D0-ACCD-7DD0-3ACA5A1D27E5}"/>
-              </a:ext>
-            </a:extLst>
-          </p:cNvPr>
-          <p:cNvSpPr txBox="1"/>
-          <p:nvPr/>
-        </p:nvSpPr>
-        <p:spPr>
-          <a:xfrm>
-            <a:off x="5523141" y="5676574"/>
-            <a:ext cx="4225985" cy="923330"/>
-          </a:xfrm>
-          <a:prstGeom prst="rect">
-            <a:avLst/>
-          </a:prstGeom>
-          <a:noFill/>
-        </p:spPr>
-        <p:txBody>
-          <a:bodyPr wrap="square">
-            <a:spAutoFit/>
-          </a:bodyPr>
-          <a:lstStyle/>
-          <a:p>
-            <a:pPr marR="0" lvl="1" algn="l" defTabSz="914400" rtl="0" eaLnBrk="0" fontAlgn="ctr" latinLnBrk="0" hangingPunct="0">
-              <a:lnSpc>
-                <a:spcPct val="150000"/>
-              </a:lnSpc>
-              <a:spcBef>
-                <a:spcPct val="0"/>
-              </a:spcBef>
-              <a:spcAft>
-                <a:spcPct val="0"/>
-              </a:spcAft>
-              <a:buClrTx/>
-              <a:buSzTx/>
-              <a:tabLst/>
-            </a:pPr>
-            <a:r>
-              <a:rPr kumimoji="0" lang="en-US" altLang="zh-TW" b="0" i="0" strike="noStrike" cap="none" normalizeH="0" baseline="0" dirty="0">
-                <a:ln>
-                  <a:noFill/>
-                </a:ln>
-                <a:solidFill>
-                  <a:schemeClr val="tx1"/>
-                </a:solidFill>
-                <a:effectLst/>
-              </a:rPr>
-              <a:t>Step4.</a:t>
-            </a:r>
-            <a:r>
-              <a:rPr kumimoji="0" lang="zh-TW" altLang="en-US" b="0" i="0" strike="noStrike" cap="none" normalizeH="0" baseline="0" dirty="0">
-                <a:ln>
-                  <a:noFill/>
-                </a:ln>
-                <a:solidFill>
-                  <a:schemeClr val="tx1"/>
-                </a:solidFill>
-                <a:effectLst/>
-              </a:rPr>
-              <a:t> </a:t>
-            </a:r>
-            <a:r>
-              <a:rPr lang="zh-TW" altLang="en-US" dirty="0"/>
-              <a:t>點選 </a:t>
-            </a:r>
-            <a:r>
-              <a:rPr lang="en-US" altLang="zh-TW" dirty="0" err="1"/>
-              <a:t>system.webServer</a:t>
-            </a:r>
-            <a:r>
-              <a:rPr lang="zh-TW" altLang="en-US" dirty="0"/>
-              <a:t>資料夾</a:t>
-            </a:r>
-            <a:r>
-              <a:rPr lang="en-US" altLang="zh-TW" dirty="0">
-                <a:sym typeface="Wingdings" panose="05000000000000000000" pitchFamily="2" charset="2"/>
-              </a:rPr>
-              <a:t> </a:t>
-            </a:r>
-            <a:r>
-              <a:rPr lang="zh-TW" altLang="en-US" dirty="0">
-                <a:sym typeface="Wingdings" panose="05000000000000000000" pitchFamily="2" charset="2"/>
-              </a:rPr>
-              <a:t>打開 </a:t>
-            </a:r>
-            <a:r>
-              <a:rPr lang="en-US" altLang="zh-TW" dirty="0" err="1">
-                <a:sym typeface="Wingdings" panose="05000000000000000000" pitchFamily="2" charset="2"/>
-              </a:rPr>
-              <a:t>serverRuntime</a:t>
-            </a:r>
-            <a:endParaRPr kumimoji="0" lang="en-US" altLang="zh-TW" b="0" i="0" strike="noStrike" cap="none" normalizeH="0" baseline="0" dirty="0">
-              <a:ln>
-                <a:noFill/>
-              </a:ln>
-              <a:solidFill>
-                <a:schemeClr val="tx1"/>
-              </a:solidFill>
-              <a:effectLst/>
-            </a:endParaRPr>
-          </a:p>
-        </p:txBody>
-      </p:sp>
-      <p:pic>
-        <p:nvPicPr>
-          <p:cNvPr id="21" name="圖片 20">
-            <a:extLst>
-              <a:ext uri="{FF2B5EF4-FFF2-40B4-BE49-F238E27FC236}">
-                <a16:creationId xmlns:a16="http://schemas.microsoft.com/office/drawing/2014/main" id="{703C1346-8B99-9327-14B7-665AE4DFC935}"/>
-              </a:ext>
-            </a:extLst>
-          </p:cNvPr>
-          <p:cNvPicPr>
-            <a:picLocks noChangeAspect="1"/>
-          </p:cNvPicPr>
-          <p:nvPr/>
-        </p:nvPicPr>
-        <p:blipFill>
-          <a:blip r:embed="rId4"/>
-          <a:stretch>
-            <a:fillRect/>
-          </a:stretch>
-        </p:blipFill>
-        <p:spPr>
-          <a:xfrm>
-            <a:off x="9844616" y="3065852"/>
-            <a:ext cx="1676545" cy="3635055"/>
-          </a:xfrm>
-          <a:prstGeom prst="rect">
-            <a:avLst/>
-          </a:prstGeom>
-        </p:spPr>
-      </p:pic>
-      <p:sp>
-        <p:nvSpPr>
-          <p:cNvPr id="22" name="矩形 21">
-            <a:extLst>
-              <a:ext uri="{FF2B5EF4-FFF2-40B4-BE49-F238E27FC236}">
-                <a16:creationId xmlns:a16="http://schemas.microsoft.com/office/drawing/2014/main" id="{F8E33D9F-CA9E-9C19-CB63-2C917A1A6C13}"/>
-              </a:ext>
-            </a:extLst>
-          </p:cNvPr>
-          <p:cNvSpPr/>
-          <p:nvPr/>
-        </p:nvSpPr>
-        <p:spPr>
-          <a:xfrm>
-            <a:off x="9844616" y="3016541"/>
-            <a:ext cx="1509184" cy="279109"/>
-          </a:xfrm>
-          <a:prstGeom prst="rect">
-            <a:avLst/>
-          </a:prstGeom>
-          <a:noFill/>
-          <a:ln w="57150">
-            <a:solidFill>
-              <a:srgbClr val="C00000"/>
-            </a:solidFill>
-          </a:ln>
-        </p:spPr>
-        <p:style>
-          <a:lnRef idx="2">
-            <a:schemeClr val="accent1">
-              <a:shade val="15000"/>
-            </a:schemeClr>
-          </a:lnRef>
-          <a:fillRef idx="1">
-            <a:schemeClr val="accent1"/>
-          </a:fillRef>
-          <a:effectRef idx="0">
-            <a:schemeClr val="accent1"/>
-          </a:effectRef>
-          <a:fontRef idx="minor">
-            <a:schemeClr val="lt1"/>
-          </a:fontRef>
-        </p:style>
-        <p:txBody>
-          <a:bodyPr rtlCol="0" anchor="ctr"/>
-          <a:lstStyle/>
-          <a:p>
-            <a:pPr algn="ctr"/>
-            <a:endParaRPr lang="zh-TW" altLang="en-US"/>
-          </a:p>
-        </p:txBody>
-      </p:sp>
-      <p:sp>
-        <p:nvSpPr>
-          <p:cNvPr id="24" name="矩形 23">
-            <a:extLst>
-              <a:ext uri="{FF2B5EF4-FFF2-40B4-BE49-F238E27FC236}">
-                <a16:creationId xmlns:a16="http://schemas.microsoft.com/office/drawing/2014/main" id="{5558EB84-705B-E2C3-AE34-16C6710EA165}"/>
-              </a:ext>
-            </a:extLst>
-          </p:cNvPr>
-          <p:cNvSpPr/>
-          <p:nvPr/>
-        </p:nvSpPr>
-        <p:spPr>
-          <a:xfrm>
-            <a:off x="10120841" y="6442027"/>
-            <a:ext cx="1509184" cy="279109"/>
-          </a:xfrm>
-          <a:prstGeom prst="rect">
-            <a:avLst/>
-          </a:prstGeom>
-          <a:noFill/>
-          <a:ln w="57150">
-            <a:solidFill>
-              <a:srgbClr val="C00000"/>
-            </a:solidFill>
-          </a:ln>
-        </p:spPr>
-        <p:style>
-          <a:lnRef idx="2">
-            <a:schemeClr val="accent1">
-              <a:shade val="15000"/>
-            </a:schemeClr>
-          </a:lnRef>
-          <a:fillRef idx="1">
-            <a:schemeClr val="accent1"/>
-          </a:fillRef>
-          <a:effectRef idx="0">
-            <a:schemeClr val="accent1"/>
-          </a:effectRef>
-          <a:fontRef idx="minor">
-            <a:schemeClr val="lt1"/>
-          </a:fontRef>
-        </p:style>
-        <p:txBody>
-          <a:bodyPr rtlCol="0" anchor="ctr"/>
-          <a:lstStyle/>
-          <a:p>
-            <a:pPr algn="ctr"/>
-            <a:endParaRPr lang="zh-TW" altLang="en-US"/>
-          </a:p>
-        </p:txBody>
-      </p:sp>
-      <p:pic>
-        <p:nvPicPr>
-          <p:cNvPr id="26" name="圖片 25">
-            <a:extLst>
-              <a:ext uri="{FF2B5EF4-FFF2-40B4-BE49-F238E27FC236}">
-                <a16:creationId xmlns:a16="http://schemas.microsoft.com/office/drawing/2014/main" id="{D799C6FF-D63C-CCA3-4BB5-A3605B3CF4EE}"/>
-              </a:ext>
-            </a:extLst>
-          </p:cNvPr>
-          <p:cNvPicPr>
-            <a:picLocks noChangeAspect="1"/>
-          </p:cNvPicPr>
-          <p:nvPr/>
-        </p:nvPicPr>
-        <p:blipFill>
-          <a:blip r:embed="rId5"/>
-          <a:stretch>
-            <a:fillRect/>
-          </a:stretch>
-        </p:blipFill>
-        <p:spPr>
-          <a:xfrm>
-            <a:off x="231715" y="4633722"/>
-            <a:ext cx="4346340" cy="2050839"/>
-          </a:xfrm>
-          <a:prstGeom prst="rect">
-            <a:avLst/>
-          </a:prstGeom>
-        </p:spPr>
-      </p:pic>
-      <p:sp>
-        <p:nvSpPr>
-          <p:cNvPr id="27" name="箭號: 向右 26">
-            <a:extLst>
-              <a:ext uri="{FF2B5EF4-FFF2-40B4-BE49-F238E27FC236}">
-                <a16:creationId xmlns:a16="http://schemas.microsoft.com/office/drawing/2014/main" id="{129894E2-C385-4A1A-B9E7-E41B34BFD49E}"/>
-              </a:ext>
-            </a:extLst>
-          </p:cNvPr>
-          <p:cNvSpPr/>
-          <p:nvPr/>
-        </p:nvSpPr>
-        <p:spPr>
-          <a:xfrm rot="5400000">
-            <a:off x="7419218" y="4911018"/>
-            <a:ext cx="849449" cy="415619"/>
-          </a:xfrm>
-          <a:prstGeom prst="rightArrow">
-            <a:avLst/>
-          </a:prstGeom>
-        </p:spPr>
-        <p:style>
-          <a:lnRef idx="2">
-            <a:schemeClr val="accent1">
-              <a:shade val="15000"/>
-            </a:schemeClr>
-          </a:lnRef>
-          <a:fillRef idx="1">
-            <a:schemeClr val="accent1"/>
-          </a:fillRef>
-          <a:effectRef idx="0">
-            <a:schemeClr val="accent1"/>
-          </a:effectRef>
-          <a:fontRef idx="minor">
-            <a:schemeClr val="lt1"/>
-          </a:fontRef>
-        </p:style>
-        <p:txBody>
-          <a:bodyPr rtlCol="0" anchor="ctr"/>
-          <a:lstStyle/>
-          <a:p>
-            <a:pPr algn="ctr"/>
-            <a:endParaRPr lang="zh-TW" altLang="en-US"/>
-          </a:p>
-        </p:txBody>
-      </p:sp>
-      <p:sp>
-        <p:nvSpPr>
-          <p:cNvPr id="28" name="箭號: 向右 27">
-            <a:extLst>
-              <a:ext uri="{FF2B5EF4-FFF2-40B4-BE49-F238E27FC236}">
-                <a16:creationId xmlns:a16="http://schemas.microsoft.com/office/drawing/2014/main" id="{18CFE2E6-0C4D-B1D4-89EC-159101D6BCC7}"/>
-              </a:ext>
-            </a:extLst>
-          </p:cNvPr>
-          <p:cNvSpPr/>
-          <p:nvPr/>
-        </p:nvSpPr>
-        <p:spPr>
-          <a:xfrm rot="10800000">
-            <a:off x="4908451" y="5885584"/>
-            <a:ext cx="849449" cy="415619"/>
-          </a:xfrm>
-          <a:prstGeom prst="rightArrow">
-            <a:avLst/>
-          </a:prstGeom>
-        </p:spPr>
-        <p:style>
-          <a:lnRef idx="2">
-            <a:schemeClr val="accent1">
-              <a:shade val="15000"/>
-            </a:schemeClr>
-          </a:lnRef>
-          <a:fillRef idx="1">
-            <a:schemeClr val="accent1"/>
-          </a:fillRef>
-          <a:effectRef idx="0">
-            <a:schemeClr val="accent1"/>
-          </a:effectRef>
-          <a:fontRef idx="minor">
-            <a:schemeClr val="lt1"/>
-          </a:fontRef>
-        </p:style>
-        <p:txBody>
-          <a:bodyPr rtlCol="0" anchor="ctr"/>
-          <a:lstStyle/>
-          <a:p>
-            <a:pPr algn="ctr"/>
-            <a:endParaRPr lang="zh-TW" altLang="en-US"/>
-          </a:p>
-        </p:txBody>
-      </p:sp>
-      <p:sp>
-        <p:nvSpPr>
-          <p:cNvPr id="29" name="矩形 28">
-            <a:extLst>
-              <a:ext uri="{FF2B5EF4-FFF2-40B4-BE49-F238E27FC236}">
-                <a16:creationId xmlns:a16="http://schemas.microsoft.com/office/drawing/2014/main" id="{92A84576-1F6B-3671-D6CA-73AFD5CA86BF}"/>
-              </a:ext>
-            </a:extLst>
-          </p:cNvPr>
-          <p:cNvSpPr/>
-          <p:nvPr/>
-        </p:nvSpPr>
-        <p:spPr>
-          <a:xfrm>
-            <a:off x="491066" y="6320795"/>
-            <a:ext cx="3649184" cy="410909"/>
-          </a:xfrm>
-          <a:prstGeom prst="rect">
-            <a:avLst/>
-          </a:prstGeom>
-          <a:noFill/>
-          <a:ln w="57150">
-            <a:solidFill>
-              <a:srgbClr val="C00000"/>
-            </a:solidFill>
-          </a:ln>
-        </p:spPr>
-        <p:style>
-          <a:lnRef idx="2">
-            <a:schemeClr val="accent1">
-              <a:shade val="15000"/>
-            </a:schemeClr>
-          </a:lnRef>
-          <a:fillRef idx="1">
-            <a:schemeClr val="accent1"/>
-          </a:fillRef>
-          <a:effectRef idx="0">
-            <a:schemeClr val="accent1"/>
-          </a:effectRef>
-          <a:fontRef idx="minor">
-            <a:schemeClr val="lt1"/>
-          </a:fontRef>
-        </p:style>
-        <p:txBody>
-          <a:bodyPr rtlCol="0" anchor="ctr"/>
-          <a:lstStyle/>
-          <a:p>
-            <a:pPr algn="ctr"/>
-            <a:endParaRPr lang="zh-TW" altLang="en-US"/>
-          </a:p>
-        </p:txBody>
-      </p:sp>
-      <p:sp>
-        <p:nvSpPr>
-          <p:cNvPr id="30" name="文字方塊 29">
-            <a:extLst>
-              <a:ext uri="{FF2B5EF4-FFF2-40B4-BE49-F238E27FC236}">
-                <a16:creationId xmlns:a16="http://schemas.microsoft.com/office/drawing/2014/main" id="{A8B56F18-A4DC-FE48-4ADD-385AFB89BC88}"/>
-              </a:ext>
-            </a:extLst>
-          </p:cNvPr>
-          <p:cNvSpPr txBox="1"/>
-          <p:nvPr/>
-        </p:nvSpPr>
-        <p:spPr>
-          <a:xfrm>
-            <a:off x="3328629" y="4886989"/>
-            <a:ext cx="4043722" cy="923330"/>
-          </a:xfrm>
-          <a:prstGeom prst="rect">
-            <a:avLst/>
-          </a:prstGeom>
-          <a:solidFill>
-            <a:schemeClr val="accent1">
-              <a:lumMod val="20000"/>
-              <a:lumOff val="80000"/>
-            </a:schemeClr>
-          </a:solidFill>
-        </p:spPr>
-        <p:txBody>
-          <a:bodyPr wrap="square">
-            <a:spAutoFit/>
-          </a:bodyPr>
-          <a:lstStyle/>
-          <a:p>
-            <a:pPr marR="0" lvl="1" defTabSz="914400" rtl="0" eaLnBrk="0" fontAlgn="ctr" latinLnBrk="0" hangingPunct="0">
-              <a:lnSpc>
-                <a:spcPct val="150000"/>
-              </a:lnSpc>
-              <a:spcBef>
-                <a:spcPct val="0"/>
-              </a:spcBef>
-              <a:spcAft>
-                <a:spcPct val="0"/>
-              </a:spcAft>
-              <a:buClrTx/>
-              <a:buSzTx/>
-              <a:tabLst/>
-            </a:pPr>
-            <a:r>
-              <a:rPr kumimoji="0" lang="en-US" altLang="zh-TW" b="0" i="0" strike="noStrike" cap="none" normalizeH="0" baseline="0" dirty="0">
-                <a:ln>
-                  <a:noFill/>
-                </a:ln>
-                <a:solidFill>
-                  <a:schemeClr val="tx1"/>
-                </a:solidFill>
-                <a:effectLst/>
-              </a:rPr>
-              <a:t>Step5. </a:t>
-            </a:r>
-            <a:r>
-              <a:rPr kumimoji="0" lang="zh-TW" altLang="en-US" b="0" i="0" strike="noStrike" cap="none" normalizeH="0" baseline="0" dirty="0">
-                <a:ln>
-                  <a:noFill/>
-                </a:ln>
-                <a:solidFill>
-                  <a:schemeClr val="tx1"/>
-                </a:solidFill>
-                <a:effectLst/>
-              </a:rPr>
-              <a:t>更改</a:t>
-            </a:r>
-            <a:r>
-              <a:rPr kumimoji="0" lang="en-US" altLang="zh-TW" b="0" i="0" strike="noStrike" cap="none" normalizeH="0" baseline="0" dirty="0" err="1">
-                <a:ln>
-                  <a:noFill/>
-                </a:ln>
-                <a:solidFill>
-                  <a:schemeClr val="tx1"/>
-                </a:solidFill>
-                <a:effectLst/>
-              </a:rPr>
-              <a:t>uploadReadAheadSize</a:t>
-            </a:r>
-            <a:r>
-              <a:rPr lang="zh-TW" altLang="en-US" dirty="0"/>
-              <a:t>為</a:t>
-            </a:r>
-            <a:endParaRPr lang="en-US" altLang="zh-TW" dirty="0"/>
-          </a:p>
-          <a:p>
-            <a:pPr marR="0" lvl="1" defTabSz="914400" rtl="0" eaLnBrk="0" fontAlgn="ctr" latinLnBrk="0" hangingPunct="0">
-              <a:lnSpc>
-                <a:spcPct val="150000"/>
-              </a:lnSpc>
-              <a:spcBef>
-                <a:spcPct val="0"/>
-              </a:spcBef>
-              <a:spcAft>
-                <a:spcPct val="0"/>
-              </a:spcAft>
-              <a:buClrTx/>
-              <a:buSzTx/>
-              <a:tabLst/>
-            </a:pPr>
-            <a:r>
-              <a:rPr lang="en-US" altLang="zh-TW" dirty="0">
-                <a:solidFill>
-                  <a:schemeClr val="accent1">
-                    <a:lumMod val="75000"/>
-                  </a:schemeClr>
-                </a:solidFill>
-              </a:rPr>
-              <a:t>2147483647</a:t>
-            </a:r>
-          </a:p>
-        </p:txBody>
-      </p:sp>
-      <p:sp>
-        <p:nvSpPr>
-          <p:cNvPr id="31" name="文字方塊 30">
-            <a:extLst>
-              <a:ext uri="{FF2B5EF4-FFF2-40B4-BE49-F238E27FC236}">
-                <a16:creationId xmlns:a16="http://schemas.microsoft.com/office/drawing/2014/main" id="{F5DF7188-8482-0DAB-BDD4-49F28EEFC944}"/>
-              </a:ext>
-            </a:extLst>
-          </p:cNvPr>
-          <p:cNvSpPr txBox="1"/>
-          <p:nvPr/>
-        </p:nvSpPr>
-        <p:spPr>
-          <a:xfrm>
-            <a:off x="1522977" y="1253271"/>
-            <a:ext cx="6770946" cy="369332"/>
-          </a:xfrm>
-          <a:prstGeom prst="rect">
-            <a:avLst/>
-          </a:prstGeom>
-          <a:noFill/>
-        </p:spPr>
-        <p:txBody>
-          <a:bodyPr wrap="square">
-            <a:spAutoFit/>
-          </a:bodyPr>
-          <a:lstStyle/>
-          <a:p>
-            <a:pPr algn="ctr"/>
-            <a:r>
-              <a:rPr lang="zh-TW" altLang="en-US" dirty="0">
-                <a:solidFill>
-                  <a:srgbClr val="C00000"/>
-                </a:solidFill>
-              </a:rPr>
-              <a:t>***如果沒先做這些，就會出現</a:t>
-            </a:r>
-            <a:r>
-              <a:rPr lang="en-US" altLang="zh-TW" dirty="0">
-                <a:solidFill>
-                  <a:srgbClr val="C00000"/>
-                </a:solidFill>
-              </a:rPr>
-              <a:t>”</a:t>
-            </a:r>
-            <a:r>
-              <a:rPr lang="zh-TW" altLang="en-US" dirty="0">
-                <a:solidFill>
-                  <a:srgbClr val="C00000"/>
-                </a:solidFill>
-              </a:rPr>
-              <a:t>檔案大小超過限制</a:t>
-            </a:r>
-            <a:r>
-              <a:rPr lang="en-US" altLang="zh-TW" dirty="0">
-                <a:solidFill>
-                  <a:srgbClr val="C00000"/>
-                </a:solidFill>
-              </a:rPr>
-              <a:t>”</a:t>
-            </a:r>
-            <a:r>
-              <a:rPr lang="zh-TW" altLang="en-US" dirty="0">
-                <a:solidFill>
-                  <a:srgbClr val="C00000"/>
-                </a:solidFill>
-              </a:rPr>
-              <a:t>的錯誤</a:t>
-            </a:r>
-          </a:p>
-        </p:txBody>
-      </p:sp>
-    </p:spTree>
-    <p:extLst>
-      <p:ext uri="{BB962C8B-B14F-4D97-AF65-F5344CB8AC3E}">
-        <p14:creationId xmlns:p14="http://schemas.microsoft.com/office/powerpoint/2010/main" val="3779674501"/>
       </p:ext>
     </p:extLst>
   </p:cSld>

--- a/vs  ASP.NET MVC Final/AzureMVC/使用手冊.pptx
+++ b/vs  ASP.NET MVC Final/AzureMVC/使用手冊.pptx
@@ -8887,6 +8887,88 @@
               </a:rPr>
               <a:t>&gt;</a:t>
             </a:r>
+            <a:r>
+              <a:rPr lang="zh-TW" altLang="en-US" dirty="0">
+                <a:sym typeface="Wingdings" panose="05000000000000000000" pitchFamily="2" charset="2"/>
+              </a:rPr>
+              <a:t> </a:t>
+            </a:r>
+            <a:r>
+              <a:rPr lang="en-US" altLang="zh-TW" dirty="0">
+                <a:sym typeface="Wingdings" panose="05000000000000000000" pitchFamily="2" charset="2"/>
+              </a:rPr>
+              <a:t>EX. </a:t>
+            </a:r>
+            <a:r>
+              <a:rPr lang="en-US" altLang="zh-TW" b="0" dirty="0">
+                <a:solidFill>
+                  <a:srgbClr val="808080"/>
+                </a:solidFill>
+                <a:effectLst/>
+                <a:latin typeface="Consolas" panose="020B0609020204030204" pitchFamily="49" charset="0"/>
+              </a:rPr>
+              <a:t>&lt;</a:t>
+            </a:r>
+            <a:r>
+              <a:rPr lang="en-US" altLang="zh-TW" b="0" dirty="0" err="1">
+                <a:solidFill>
+                  <a:srgbClr val="569CD6"/>
+                </a:solidFill>
+                <a:effectLst/>
+                <a:latin typeface="Consolas" panose="020B0609020204030204" pitchFamily="49" charset="0"/>
+              </a:rPr>
+              <a:t>LangVersion</a:t>
+            </a:r>
+            <a:r>
+              <a:rPr lang="en-US" altLang="zh-TW" b="0" dirty="0">
+                <a:solidFill>
+                  <a:srgbClr val="808080"/>
+                </a:solidFill>
+                <a:effectLst/>
+                <a:latin typeface="Consolas" panose="020B0609020204030204" pitchFamily="49" charset="0"/>
+              </a:rPr>
+              <a:t>&gt;</a:t>
+            </a:r>
+            <a:r>
+              <a:rPr lang="en-US" altLang="zh-TW" b="0" dirty="0">
+                <a:solidFill>
+                  <a:srgbClr val="CCCCCC"/>
+                </a:solidFill>
+                <a:effectLst/>
+                <a:latin typeface="Consolas" panose="020B0609020204030204" pitchFamily="49" charset="0"/>
+              </a:rPr>
+              <a:t>9.0</a:t>
+            </a:r>
+            <a:r>
+              <a:rPr lang="en-US" altLang="zh-TW" b="0" dirty="0">
+                <a:solidFill>
+                  <a:srgbClr val="808080"/>
+                </a:solidFill>
+                <a:effectLst/>
+                <a:latin typeface="Consolas" panose="020B0609020204030204" pitchFamily="49" charset="0"/>
+              </a:rPr>
+              <a:t>&lt;/</a:t>
+            </a:r>
+            <a:r>
+              <a:rPr lang="en-US" altLang="zh-TW" b="0" dirty="0" err="1">
+                <a:solidFill>
+                  <a:srgbClr val="569CD6"/>
+                </a:solidFill>
+                <a:effectLst/>
+                <a:latin typeface="Consolas" panose="020B0609020204030204" pitchFamily="49" charset="0"/>
+              </a:rPr>
+              <a:t>LangVersion</a:t>
+            </a:r>
+            <a:r>
+              <a:rPr lang="en-US" altLang="zh-TW" b="0" dirty="0">
+                <a:solidFill>
+                  <a:srgbClr val="808080"/>
+                </a:solidFill>
+                <a:effectLst/>
+                <a:latin typeface="Consolas" panose="020B0609020204030204" pitchFamily="49" charset="0"/>
+              </a:rPr>
+              <a:t>&gt;</a:t>
+            </a:r>
             <a:endParaRPr lang="zh-TW" altLang="zh-TW" dirty="0"/>
           </a:p>
         </p:txBody>
@@ -15395,299 +15477,378 @@
           </a:p>
         </p:txBody>
       </p:sp>
-      <p:sp>
-        <p:nvSpPr>
-          <p:cNvPr id="13" name="文字方塊 12">
-            <a:extLst>
-              <a:ext uri="{FF2B5EF4-FFF2-40B4-BE49-F238E27FC236}">
-                <a16:creationId xmlns:a16="http://schemas.microsoft.com/office/drawing/2014/main" id="{ECA205BF-5DF6-28BF-C222-2EBC66A9E2F5}"/>
-              </a:ext>
-            </a:extLst>
-          </p:cNvPr>
-          <p:cNvSpPr txBox="1"/>
+      <p:grpSp>
+        <p:nvGrpSpPr>
+          <p:cNvPr id="2" name="群組 1">
+            <a:extLst>
+              <a:ext uri="{FF2B5EF4-FFF2-40B4-BE49-F238E27FC236}">
+                <a16:creationId xmlns:a16="http://schemas.microsoft.com/office/drawing/2014/main" id="{6C13D9EF-5F6D-CB66-A0A5-F28C3B9F308B}"/>
+              </a:ext>
+            </a:extLst>
+          </p:cNvPr>
+          <p:cNvGrpSpPr/>
           <p:nvPr/>
-        </p:nvSpPr>
-        <p:spPr>
+        </p:nvGrpSpPr>
+        <p:grpSpPr>
           <a:xfrm>
-            <a:off x="88645" y="1557363"/>
-            <a:ext cx="10141823" cy="2585323"/>
+            <a:off x="5523340" y="1695863"/>
+            <a:ext cx="6588998" cy="2856288"/>
+            <a:chOff x="-173620" y="1286398"/>
+            <a:chExt cx="10404088" cy="2856288"/>
           </a:xfrm>
-          <a:prstGeom prst="rect">
-            <a:avLst/>
-          </a:prstGeom>
-          <a:noFill/>
-        </p:spPr>
-        <p:txBody>
-          <a:bodyPr wrap="square">
-            <a:spAutoFit/>
-          </a:bodyPr>
-          <a:lstStyle/>
-          <a:p>
-            <a:pPr marL="742950" marR="0" lvl="1" indent="-285750" algn="l" defTabSz="914400" rtl="0" eaLnBrk="0" fontAlgn="ctr" latinLnBrk="0" hangingPunct="0">
-              <a:lnSpc>
-                <a:spcPct val="150000"/>
-              </a:lnSpc>
-              <a:spcBef>
-                <a:spcPct val="0"/>
-              </a:spcBef>
-              <a:spcAft>
-                <a:spcPct val="0"/>
-              </a:spcAft>
-              <a:buClrTx/>
-              <a:buSzTx/>
-              <a:buFont typeface="Wingdings" panose="05000000000000000000" pitchFamily="2" charset="2"/>
-              <a:buChar char="p"/>
-              <a:tabLst/>
-            </a:pPr>
-            <a:r>
-              <a:rPr lang="en-US" altLang="zh-TW" dirty="0">
+        </p:grpSpPr>
+        <p:sp>
+          <p:nvSpPr>
+            <p:cNvPr id="13" name="文字方塊 12">
+              <a:extLst>
+                <a:ext uri="{FF2B5EF4-FFF2-40B4-BE49-F238E27FC236}">
+                  <a16:creationId xmlns:a16="http://schemas.microsoft.com/office/drawing/2014/main" id="{ECA205BF-5DF6-28BF-C222-2EBC66A9E2F5}"/>
+                </a:ext>
+              </a:extLst>
+            </p:cNvPr>
+            <p:cNvSpPr txBox="1"/>
+            <p:nvPr/>
+          </p:nvSpPr>
+          <p:spPr>
+            <a:xfrm>
+              <a:off x="88645" y="1557363"/>
+              <a:ext cx="10141823" cy="2585323"/>
+            </a:xfrm>
+            <a:prstGeom prst="rect">
+              <a:avLst/>
+            </a:prstGeom>
+            <a:noFill/>
+          </p:spPr>
+          <p:txBody>
+            <a:bodyPr wrap="square">
+              <a:spAutoFit/>
+            </a:bodyPr>
+            <a:lstStyle/>
+            <a:p>
+              <a:pPr marL="742950" marR="0" lvl="1" indent="-285750" algn="l" defTabSz="914400" rtl="0" eaLnBrk="0" fontAlgn="ctr" latinLnBrk="0" hangingPunct="0">
+                <a:lnSpc>
+                  <a:spcPct val="150000"/>
+                </a:lnSpc>
+                <a:spcBef>
+                  <a:spcPct val="0"/>
+                </a:spcBef>
+                <a:spcAft>
+                  <a:spcPct val="0"/>
+                </a:spcAft>
+                <a:buClrTx/>
+                <a:buSzTx/>
+                <a:buFont typeface="Wingdings" panose="05000000000000000000" pitchFamily="2" charset="2"/>
+                <a:buChar char="p"/>
+                <a:tabLst/>
+              </a:pPr>
+              <a:r>
+                <a:rPr lang="en-US" altLang="zh-TW" dirty="0">
+                  <a:ea typeface="Microsoft JhengHei" panose="020B0604030504040204" pitchFamily="34" charset="-120"/>
+                  <a:sym typeface="Wingdings" panose="05000000000000000000" pitchFamily="2" charset="2"/>
+                </a:rPr>
+                <a:t>Views &gt; Upload &gt; </a:t>
+              </a:r>
+            </a:p>
+            <a:p>
+              <a:pPr marL="1200150" lvl="2" indent="-285750" eaLnBrk="0" fontAlgn="ctr" hangingPunct="0">
+                <a:lnSpc>
+                  <a:spcPct val="150000"/>
+                </a:lnSpc>
+                <a:spcBef>
+                  <a:spcPct val="0"/>
+                </a:spcBef>
+                <a:spcAft>
+                  <a:spcPct val="0"/>
+                </a:spcAft>
+                <a:buFont typeface="Wingdings" panose="05000000000000000000" pitchFamily="2" charset="2"/>
+                <a:buChar char="u"/>
+              </a:pPr>
+              <a:r>
+                <a:rPr lang="en-US" altLang="zh-TW" dirty="0" err="1">
+                  <a:ea typeface="Microsoft JhengHei" panose="020B0604030504040204" pitchFamily="34" charset="-120"/>
+                  <a:sym typeface="Wingdings" panose="05000000000000000000" pitchFamily="2" charset="2"/>
+                </a:rPr>
+                <a:t>Index.cshtml</a:t>
+              </a:r>
+              <a:r>
+                <a:rPr lang="en-US" altLang="zh-TW" dirty="0">
+                  <a:ea typeface="Microsoft JhengHei" panose="020B0604030504040204" pitchFamily="34" charset="-120"/>
+                  <a:sym typeface="Wingdings" panose="05000000000000000000" pitchFamily="2" charset="2"/>
+                </a:rPr>
+                <a:t>  </a:t>
+              </a:r>
+              <a:r>
+                <a:rPr lang="zh-TW" altLang="en-US" dirty="0">
+                  <a:ea typeface="Microsoft JhengHei" panose="020B0604030504040204" pitchFamily="34" charset="-120"/>
+                  <a:sym typeface="Wingdings" panose="05000000000000000000" pitchFamily="2" charset="2"/>
+                </a:rPr>
+                <a:t>主頁</a:t>
+              </a:r>
+              <a:endParaRPr lang="en-US" altLang="zh-TW" dirty="0">
                 <a:ea typeface="Microsoft JhengHei" panose="020B0604030504040204" pitchFamily="34" charset="-120"/>
                 <a:sym typeface="Wingdings" panose="05000000000000000000" pitchFamily="2" charset="2"/>
-              </a:rPr>
-              <a:t>Views &gt; Upload &gt; </a:t>
-            </a:r>
-          </a:p>
-          <a:p>
-            <a:pPr marL="1200150" lvl="2" indent="-285750" eaLnBrk="0" fontAlgn="ctr" hangingPunct="0">
-              <a:lnSpc>
-                <a:spcPct val="150000"/>
-              </a:lnSpc>
-              <a:spcBef>
-                <a:spcPct val="0"/>
-              </a:spcBef>
-              <a:spcAft>
-                <a:spcPct val="0"/>
-              </a:spcAft>
-              <a:buFont typeface="Wingdings" panose="05000000000000000000" pitchFamily="2" charset="2"/>
-              <a:buChar char="u"/>
-            </a:pPr>
-            <a:r>
-              <a:rPr lang="en-US" altLang="zh-TW" dirty="0" err="1">
+              </a:endParaRPr>
+            </a:p>
+            <a:p>
+              <a:pPr marL="1200150" lvl="2" indent="-285750" eaLnBrk="0" fontAlgn="ctr" hangingPunct="0">
+                <a:lnSpc>
+                  <a:spcPct val="150000"/>
+                </a:lnSpc>
+                <a:spcBef>
+                  <a:spcPct val="0"/>
+                </a:spcBef>
+                <a:spcAft>
+                  <a:spcPct val="0"/>
+                </a:spcAft>
+                <a:buFont typeface="Wingdings" panose="05000000000000000000" pitchFamily="2" charset="2"/>
+                <a:buChar char="u"/>
+              </a:pPr>
+              <a:r>
+                <a:rPr lang="en-US" altLang="zh-TW" dirty="0" err="1">
+                  <a:ea typeface="Microsoft JhengHei" panose="020B0604030504040204" pitchFamily="34" charset="-120"/>
+                  <a:sym typeface="Wingdings" panose="05000000000000000000" pitchFamily="2" charset="2"/>
+                </a:rPr>
+                <a:t>RecordFile.cshtml</a:t>
+              </a:r>
+              <a:r>
+                <a:rPr lang="en-US" altLang="zh-TW" dirty="0">
+                  <a:ea typeface="Microsoft JhengHei" panose="020B0604030504040204" pitchFamily="34" charset="-120"/>
+                  <a:sym typeface="Wingdings" panose="05000000000000000000" pitchFamily="2" charset="2"/>
+                </a:rPr>
+                <a:t>  </a:t>
+              </a:r>
+              <a:r>
+                <a:rPr lang="zh-TW" altLang="en-US" dirty="0">
+                  <a:ea typeface="Microsoft JhengHei" panose="020B0604030504040204" pitchFamily="34" charset="-120"/>
+                  <a:sym typeface="Wingdings" panose="05000000000000000000" pitchFamily="2" charset="2"/>
+                </a:rPr>
+                <a:t>麥克風轉錄</a:t>
+              </a:r>
+              <a:endParaRPr lang="en-US" altLang="zh-TW" dirty="0">
                 <a:ea typeface="Microsoft JhengHei" panose="020B0604030504040204" pitchFamily="34" charset="-120"/>
                 <a:sym typeface="Wingdings" panose="05000000000000000000" pitchFamily="2" charset="2"/>
-              </a:rPr>
-              <a:t>Index.cshtml</a:t>
-            </a:r>
-            <a:r>
-              <a:rPr lang="en-US" altLang="zh-TW" dirty="0">
+              </a:endParaRPr>
+            </a:p>
+            <a:p>
+              <a:pPr marL="1200150" lvl="2" indent="-285750" eaLnBrk="0" fontAlgn="ctr" hangingPunct="0">
+                <a:lnSpc>
+                  <a:spcPct val="150000"/>
+                </a:lnSpc>
+                <a:spcBef>
+                  <a:spcPct val="0"/>
+                </a:spcBef>
+                <a:spcAft>
+                  <a:spcPct val="0"/>
+                </a:spcAft>
+                <a:buFont typeface="Wingdings" panose="05000000000000000000" pitchFamily="2" charset="2"/>
+                <a:buChar char="u"/>
+              </a:pPr>
+              <a:r>
+                <a:rPr lang="en-US" altLang="zh-TW" dirty="0" err="1">
+                  <a:ea typeface="Microsoft JhengHei" panose="020B0604030504040204" pitchFamily="34" charset="-120"/>
+                  <a:sym typeface="Wingdings" panose="05000000000000000000" pitchFamily="2" charset="2"/>
+                </a:rPr>
+                <a:t>SpeakerTranscribe.cshtml</a:t>
+              </a:r>
+              <a:r>
+                <a:rPr lang="en-US" altLang="zh-TW" dirty="0">
+                  <a:ea typeface="Microsoft JhengHei" panose="020B0604030504040204" pitchFamily="34" charset="-120"/>
+                  <a:sym typeface="Wingdings" panose="05000000000000000000" pitchFamily="2" charset="2"/>
+                </a:rPr>
+                <a:t>  </a:t>
+              </a:r>
+              <a:r>
+                <a:rPr lang="zh-TW" altLang="en-US" dirty="0">
+                  <a:ea typeface="Microsoft JhengHei" panose="020B0604030504040204" pitchFamily="34" charset="-120"/>
+                  <a:sym typeface="Wingdings" panose="05000000000000000000" pitchFamily="2" charset="2"/>
+                </a:rPr>
+                <a:t>多人會議轉譯</a:t>
+              </a:r>
+              <a:endParaRPr lang="en-US" altLang="zh-TW" dirty="0">
                 <a:ea typeface="Microsoft JhengHei" panose="020B0604030504040204" pitchFamily="34" charset="-120"/>
                 <a:sym typeface="Wingdings" panose="05000000000000000000" pitchFamily="2" charset="2"/>
-              </a:rPr>
-              <a:t>  </a:t>
-            </a:r>
-            <a:r>
-              <a:rPr lang="zh-TW" altLang="en-US" dirty="0">
+              </a:endParaRPr>
+            </a:p>
+            <a:p>
+              <a:pPr marL="1200150" lvl="2" indent="-285750" eaLnBrk="0" fontAlgn="ctr" hangingPunct="0">
+                <a:lnSpc>
+                  <a:spcPct val="150000"/>
+                </a:lnSpc>
+                <a:spcBef>
+                  <a:spcPct val="0"/>
+                </a:spcBef>
+                <a:spcAft>
+                  <a:spcPct val="0"/>
+                </a:spcAft>
+                <a:buFont typeface="Wingdings" panose="05000000000000000000" pitchFamily="2" charset="2"/>
+                <a:buChar char="u"/>
+              </a:pPr>
+              <a:r>
+                <a:rPr lang="en-US" altLang="zh-TW" dirty="0" err="1">
+                  <a:ea typeface="Microsoft JhengHei" panose="020B0604030504040204" pitchFamily="34" charset="-120"/>
+                  <a:sym typeface="Wingdings" panose="05000000000000000000" pitchFamily="2" charset="2"/>
+                </a:rPr>
+                <a:t>UploadFile.cshtml</a:t>
+              </a:r>
+              <a:r>
+                <a:rPr lang="en-US" altLang="zh-TW" dirty="0">
+                  <a:ea typeface="Microsoft JhengHei" panose="020B0604030504040204" pitchFamily="34" charset="-120"/>
+                  <a:sym typeface="Wingdings" panose="05000000000000000000" pitchFamily="2" charset="2"/>
+                </a:rPr>
+                <a:t>  </a:t>
+              </a:r>
+              <a:r>
+                <a:rPr lang="zh-TW" altLang="en-US" dirty="0">
+                  <a:ea typeface="Microsoft JhengHei" panose="020B0604030504040204" pitchFamily="34" charset="-120"/>
+                  <a:sym typeface="Wingdings" panose="05000000000000000000" pitchFamily="2" charset="2"/>
+                </a:rPr>
+                <a:t>語音檔轉文字</a:t>
+              </a:r>
+              <a:endParaRPr lang="en-US" altLang="zh-TW" dirty="0">
                 <a:ea typeface="Microsoft JhengHei" panose="020B0604030504040204" pitchFamily="34" charset="-120"/>
                 <a:sym typeface="Wingdings" panose="05000000000000000000" pitchFamily="2" charset="2"/>
-              </a:rPr>
-              <a:t>主頁</a:t>
-            </a:r>
-            <a:endParaRPr lang="en-US" altLang="zh-TW" dirty="0">
-              <a:ea typeface="Microsoft JhengHei" panose="020B0604030504040204" pitchFamily="34" charset="-120"/>
-              <a:sym typeface="Wingdings" panose="05000000000000000000" pitchFamily="2" charset="2"/>
-            </a:endParaRPr>
-          </a:p>
-          <a:p>
-            <a:pPr marL="1200150" lvl="2" indent="-285750" eaLnBrk="0" fontAlgn="ctr" hangingPunct="0">
-              <a:lnSpc>
-                <a:spcPct val="150000"/>
-              </a:lnSpc>
-              <a:spcBef>
-                <a:spcPct val="0"/>
-              </a:spcBef>
-              <a:spcAft>
-                <a:spcPct val="0"/>
-              </a:spcAft>
-              <a:buFont typeface="Wingdings" panose="05000000000000000000" pitchFamily="2" charset="2"/>
-              <a:buChar char="u"/>
-            </a:pPr>
-            <a:r>
-              <a:rPr lang="en-US" altLang="zh-TW" dirty="0" err="1">
+              </a:endParaRPr>
+            </a:p>
+            <a:p>
+              <a:pPr marL="1200150" lvl="2" indent="-285750" eaLnBrk="0" fontAlgn="ctr" hangingPunct="0">
+                <a:lnSpc>
+                  <a:spcPct val="150000"/>
+                </a:lnSpc>
+                <a:spcBef>
+                  <a:spcPct val="0"/>
+                </a:spcBef>
+                <a:spcAft>
+                  <a:spcPct val="0"/>
+                </a:spcAft>
+                <a:buFont typeface="Wingdings" panose="05000000000000000000" pitchFamily="2" charset="2"/>
+                <a:buChar char="u"/>
+              </a:pPr>
+              <a:r>
+                <a:rPr lang="en-US" altLang="zh-TW" dirty="0">
+                  <a:ea typeface="Microsoft JhengHei" panose="020B0604030504040204" pitchFamily="34" charset="-120"/>
+                  <a:sym typeface="Wingdings" panose="05000000000000000000" pitchFamily="2" charset="2"/>
+                </a:rPr>
+                <a:t>UploadPersonal_AudioFile.cshtml  </a:t>
+              </a:r>
+              <a:r>
+                <a:rPr lang="zh-TW" altLang="en-US" dirty="0">
+                  <a:ea typeface="Microsoft JhengHei" panose="020B0604030504040204" pitchFamily="34" charset="-120"/>
+                  <a:sym typeface="Wingdings" panose="05000000000000000000" pitchFamily="2" charset="2"/>
+                </a:rPr>
+                <a:t>個人音檔</a:t>
+              </a:r>
+              <a:endParaRPr lang="en-US" altLang="zh-TW" dirty="0">
                 <a:ea typeface="Microsoft JhengHei" panose="020B0604030504040204" pitchFamily="34" charset="-120"/>
                 <a:sym typeface="Wingdings" panose="05000000000000000000" pitchFamily="2" charset="2"/>
-              </a:rPr>
-              <a:t>RecordFile.cshtml</a:t>
-            </a:r>
-            <a:r>
-              <a:rPr lang="en-US" altLang="zh-TW" dirty="0">
-                <a:ea typeface="Microsoft JhengHei" panose="020B0604030504040204" pitchFamily="34" charset="-120"/>
-                <a:sym typeface="Wingdings" panose="05000000000000000000" pitchFamily="2" charset="2"/>
-              </a:rPr>
-              <a:t>  </a:t>
-            </a:r>
-            <a:r>
-              <a:rPr lang="zh-TW" altLang="en-US" dirty="0">
-                <a:ea typeface="Microsoft JhengHei" panose="020B0604030504040204" pitchFamily="34" charset="-120"/>
-                <a:sym typeface="Wingdings" panose="05000000000000000000" pitchFamily="2" charset="2"/>
-              </a:rPr>
-              <a:t>麥克風轉錄</a:t>
-            </a:r>
-            <a:endParaRPr lang="en-US" altLang="zh-TW" dirty="0">
-              <a:ea typeface="Microsoft JhengHei" panose="020B0604030504040204" pitchFamily="34" charset="-120"/>
-              <a:sym typeface="Wingdings" panose="05000000000000000000" pitchFamily="2" charset="2"/>
-            </a:endParaRPr>
-          </a:p>
-          <a:p>
-            <a:pPr marL="1200150" lvl="2" indent="-285750" eaLnBrk="0" fontAlgn="ctr" hangingPunct="0">
-              <a:lnSpc>
-                <a:spcPct val="150000"/>
-              </a:lnSpc>
-              <a:spcBef>
-                <a:spcPct val="0"/>
-              </a:spcBef>
-              <a:spcAft>
-                <a:spcPct val="0"/>
-              </a:spcAft>
-              <a:buFont typeface="Wingdings" panose="05000000000000000000" pitchFamily="2" charset="2"/>
-              <a:buChar char="u"/>
-            </a:pPr>
-            <a:r>
-              <a:rPr lang="en-US" altLang="zh-TW" dirty="0" err="1">
-                <a:ea typeface="Microsoft JhengHei" panose="020B0604030504040204" pitchFamily="34" charset="-120"/>
-                <a:sym typeface="Wingdings" panose="05000000000000000000" pitchFamily="2" charset="2"/>
-              </a:rPr>
-              <a:t>SpeakerTranscribe.cshtml</a:t>
-            </a:r>
-            <a:r>
-              <a:rPr lang="en-US" altLang="zh-TW" dirty="0">
-                <a:ea typeface="Microsoft JhengHei" panose="020B0604030504040204" pitchFamily="34" charset="-120"/>
-                <a:sym typeface="Wingdings" panose="05000000000000000000" pitchFamily="2" charset="2"/>
-              </a:rPr>
-              <a:t>  </a:t>
-            </a:r>
-            <a:r>
-              <a:rPr lang="zh-TW" altLang="en-US" dirty="0">
-                <a:ea typeface="Microsoft JhengHei" panose="020B0604030504040204" pitchFamily="34" charset="-120"/>
-                <a:sym typeface="Wingdings" panose="05000000000000000000" pitchFamily="2" charset="2"/>
-              </a:rPr>
-              <a:t>多人會議轉譯</a:t>
-            </a:r>
-            <a:endParaRPr lang="en-US" altLang="zh-TW" dirty="0">
-              <a:ea typeface="Microsoft JhengHei" panose="020B0604030504040204" pitchFamily="34" charset="-120"/>
-              <a:sym typeface="Wingdings" panose="05000000000000000000" pitchFamily="2" charset="2"/>
-            </a:endParaRPr>
-          </a:p>
-          <a:p>
-            <a:pPr marL="1200150" lvl="2" indent="-285750" eaLnBrk="0" fontAlgn="ctr" hangingPunct="0">
-              <a:lnSpc>
-                <a:spcPct val="150000"/>
-              </a:lnSpc>
-              <a:spcBef>
-                <a:spcPct val="0"/>
-              </a:spcBef>
-              <a:spcAft>
-                <a:spcPct val="0"/>
-              </a:spcAft>
-              <a:buFont typeface="Wingdings" panose="05000000000000000000" pitchFamily="2" charset="2"/>
-              <a:buChar char="u"/>
-            </a:pPr>
-            <a:r>
-              <a:rPr lang="en-US" altLang="zh-TW" dirty="0" err="1">
-                <a:ea typeface="Microsoft JhengHei" panose="020B0604030504040204" pitchFamily="34" charset="-120"/>
-                <a:sym typeface="Wingdings" panose="05000000000000000000" pitchFamily="2" charset="2"/>
-              </a:rPr>
-              <a:t>UploadFile.cshtml</a:t>
-            </a:r>
-            <a:r>
-              <a:rPr lang="en-US" altLang="zh-TW" dirty="0">
-                <a:ea typeface="Microsoft JhengHei" panose="020B0604030504040204" pitchFamily="34" charset="-120"/>
-                <a:sym typeface="Wingdings" panose="05000000000000000000" pitchFamily="2" charset="2"/>
-              </a:rPr>
-              <a:t>  </a:t>
-            </a:r>
-            <a:r>
-              <a:rPr lang="zh-TW" altLang="en-US" dirty="0">
-                <a:ea typeface="Microsoft JhengHei" panose="020B0604030504040204" pitchFamily="34" charset="-120"/>
-                <a:sym typeface="Wingdings" panose="05000000000000000000" pitchFamily="2" charset="2"/>
-              </a:rPr>
-              <a:t>語音檔轉文字</a:t>
-            </a:r>
-            <a:endParaRPr lang="en-US" altLang="zh-TW" dirty="0">
-              <a:ea typeface="Microsoft JhengHei" panose="020B0604030504040204" pitchFamily="34" charset="-120"/>
-              <a:sym typeface="Wingdings" panose="05000000000000000000" pitchFamily="2" charset="2"/>
-            </a:endParaRPr>
-          </a:p>
-          <a:p>
-            <a:pPr marL="1200150" lvl="2" indent="-285750" eaLnBrk="0" fontAlgn="ctr" hangingPunct="0">
-              <a:lnSpc>
-                <a:spcPct val="150000"/>
-              </a:lnSpc>
-              <a:spcBef>
-                <a:spcPct val="0"/>
-              </a:spcBef>
-              <a:spcAft>
-                <a:spcPct val="0"/>
-              </a:spcAft>
-              <a:buFont typeface="Wingdings" panose="05000000000000000000" pitchFamily="2" charset="2"/>
-              <a:buChar char="u"/>
-            </a:pPr>
-            <a:r>
-              <a:rPr lang="en-US" altLang="zh-TW" dirty="0">
-                <a:ea typeface="Microsoft JhengHei" panose="020B0604030504040204" pitchFamily="34" charset="-120"/>
-                <a:sym typeface="Wingdings" panose="05000000000000000000" pitchFamily="2" charset="2"/>
-              </a:rPr>
-              <a:t>UploadPersonal_AudioFile.cshtml  </a:t>
-            </a:r>
-            <a:r>
-              <a:rPr lang="zh-TW" altLang="en-US" dirty="0">
-                <a:ea typeface="Microsoft JhengHei" panose="020B0604030504040204" pitchFamily="34" charset="-120"/>
-                <a:sym typeface="Wingdings" panose="05000000000000000000" pitchFamily="2" charset="2"/>
-              </a:rPr>
-              <a:t>個人音檔</a:t>
-            </a:r>
-            <a:endParaRPr lang="en-US" altLang="zh-TW" dirty="0">
-              <a:ea typeface="Microsoft JhengHei" panose="020B0604030504040204" pitchFamily="34" charset="-120"/>
-              <a:sym typeface="Wingdings" panose="05000000000000000000" pitchFamily="2" charset="2"/>
-            </a:endParaRPr>
-          </a:p>
-        </p:txBody>
-      </p:sp>
-      <p:sp>
-        <p:nvSpPr>
-          <p:cNvPr id="17" name="文字方塊 16">
-            <a:extLst>
-              <a:ext uri="{FF2B5EF4-FFF2-40B4-BE49-F238E27FC236}">
-                <a16:creationId xmlns:a16="http://schemas.microsoft.com/office/drawing/2014/main" id="{36BA7CDE-2253-44F6-1CDE-A95D2073EF28}"/>
-              </a:ext>
-            </a:extLst>
-          </p:cNvPr>
-          <p:cNvSpPr txBox="1"/>
-          <p:nvPr/>
-        </p:nvSpPr>
-        <p:spPr>
-          <a:xfrm>
-            <a:off x="-173620" y="1286398"/>
-            <a:ext cx="6094140" cy="369332"/>
-          </a:xfrm>
-          <a:prstGeom prst="rect">
-            <a:avLst/>
-          </a:prstGeom>
-          <a:noFill/>
-        </p:spPr>
-        <p:txBody>
-          <a:bodyPr wrap="square">
-            <a:spAutoFit/>
-          </a:bodyPr>
-          <a:lstStyle/>
-          <a:p>
-            <a:pPr marL="457200" marR="0" lvl="1" indent="0" algn="l" defTabSz="914400" rtl="0" eaLnBrk="0" fontAlgn="ctr" latinLnBrk="0" hangingPunct="0">
-              <a:lnSpc>
-                <a:spcPct val="100000"/>
-              </a:lnSpc>
-              <a:spcBef>
-                <a:spcPct val="0"/>
-              </a:spcBef>
-              <a:spcAft>
-                <a:spcPct val="0"/>
-              </a:spcAft>
-              <a:buClrTx/>
-              <a:buSzTx/>
-              <a:buFont typeface="Symbol" panose="05050102010706020507" pitchFamily="18" charset="2"/>
-              <a:buChar char=""/>
-              <a:tabLst/>
-            </a:pPr>
-            <a:r>
-              <a:rPr kumimoji="0" lang="zh-TW" altLang="en-US" b="1" i="0" u="none" strike="noStrike" cap="none" normalizeH="0" baseline="0" dirty="0">
+              </a:endParaRPr>
+            </a:p>
+          </p:txBody>
+        </p:sp>
+        <p:sp>
+          <p:nvSpPr>
+            <p:cNvPr id="17" name="文字方塊 16">
+              <a:extLst>
+                <a:ext uri="{FF2B5EF4-FFF2-40B4-BE49-F238E27FC236}">
+                  <a16:creationId xmlns:a16="http://schemas.microsoft.com/office/drawing/2014/main" id="{36BA7CDE-2253-44F6-1CDE-A95D2073EF28}"/>
+                </a:ext>
+              </a:extLst>
+            </p:cNvPr>
+            <p:cNvSpPr txBox="1"/>
+            <p:nvPr/>
+          </p:nvSpPr>
+          <p:spPr>
+            <a:xfrm>
+              <a:off x="-173620" y="1286398"/>
+              <a:ext cx="6094140" cy="369332"/>
+            </a:xfrm>
+            <a:prstGeom prst="rect">
+              <a:avLst/>
+            </a:prstGeom>
+            <a:noFill/>
+          </p:spPr>
+          <p:txBody>
+            <a:bodyPr wrap="square">
+              <a:spAutoFit/>
+            </a:bodyPr>
+            <a:lstStyle/>
+            <a:p>
+              <a:pPr marL="457200" marR="0" lvl="1" indent="0" algn="l" defTabSz="914400" rtl="0" eaLnBrk="0" fontAlgn="ctr" latinLnBrk="0" hangingPunct="0">
+                <a:lnSpc>
+                  <a:spcPct val="100000"/>
+                </a:lnSpc>
+                <a:spcBef>
+                  <a:spcPct val="0"/>
+                </a:spcBef>
+                <a:spcAft>
+                  <a:spcPct val="0"/>
+                </a:spcAft>
+                <a:buClrTx/>
+                <a:buSzTx/>
+                <a:buFont typeface="Symbol" panose="05050102010706020507" pitchFamily="18" charset="2"/>
+                <a:buChar char=""/>
+                <a:tabLst/>
+              </a:pPr>
+              <a:r>
+                <a:rPr kumimoji="0" lang="zh-TW" altLang="en-US" b="1" i="0" u="none" strike="noStrike" cap="none" normalizeH="0" baseline="0" dirty="0">
+                  <a:ln>
+                    <a:noFill/>
+                  </a:ln>
+                  <a:solidFill>
+                    <a:schemeClr val="tx1"/>
+                  </a:solidFill>
+                  <a:effectLst/>
+                  <a:latin typeface="微軟正黑體" panose="020B0604030504040204" pitchFamily="34" charset="-120"/>
+                  <a:ea typeface="微軟正黑體" panose="020B0604030504040204" pitchFamily="34" charset="-120"/>
+                  <a:cs typeface="Calibri" panose="020F0502020204030204" pitchFamily="34" charset="0"/>
+                </a:rPr>
+                <a:t> 專案</a:t>
+              </a:r>
+              <a:r>
+                <a:rPr kumimoji="0" lang="en-US" altLang="zh-TW" b="1" i="0" u="none" strike="noStrike" cap="none" normalizeH="0" baseline="0" dirty="0">
+                  <a:ln>
+                    <a:noFill/>
+                  </a:ln>
+                  <a:solidFill>
+                    <a:schemeClr val="tx1"/>
+                  </a:solidFill>
+                  <a:effectLst/>
+                  <a:latin typeface="微軟正黑體" panose="020B0604030504040204" pitchFamily="34" charset="-120"/>
+                  <a:ea typeface="微軟正黑體" panose="020B0604030504040204" pitchFamily="34" charset="-120"/>
+                  <a:cs typeface="Calibri" panose="020F0502020204030204" pitchFamily="34" charset="0"/>
+                </a:rPr>
+                <a:t>(</a:t>
+              </a:r>
+              <a:r>
+                <a:rPr kumimoji="0" lang="zh-TW" altLang="en-US" b="1" i="0" u="none" strike="noStrike" cap="none" normalizeH="0" baseline="0" dirty="0">
+                  <a:ln>
+                    <a:noFill/>
+                  </a:ln>
+                  <a:solidFill>
+                    <a:schemeClr val="tx1"/>
+                  </a:solidFill>
+                  <a:effectLst/>
+                  <a:latin typeface="微軟正黑體" panose="020B0604030504040204" pitchFamily="34" charset="-120"/>
+                  <a:ea typeface="微軟正黑體" panose="020B0604030504040204" pitchFamily="34" charset="-120"/>
+                  <a:cs typeface="Calibri" panose="020F0502020204030204" pitchFamily="34" charset="0"/>
+                </a:rPr>
+                <a:t>前端</a:t>
+              </a:r>
+              <a:r>
+                <a:rPr kumimoji="0" lang="en-US" altLang="zh-TW" b="1" i="0" u="none" strike="noStrike" cap="none" normalizeH="0" baseline="0" dirty="0">
+                  <a:ln>
+                    <a:noFill/>
+                  </a:ln>
+                  <a:solidFill>
+                    <a:schemeClr val="tx1"/>
+                  </a:solidFill>
+                  <a:effectLst/>
+                  <a:latin typeface="微軟正黑體" panose="020B0604030504040204" pitchFamily="34" charset="-120"/>
+                  <a:ea typeface="微軟正黑體" panose="020B0604030504040204" pitchFamily="34" charset="-120"/>
+                  <a:cs typeface="Calibri" panose="020F0502020204030204" pitchFamily="34" charset="0"/>
+                </a:rPr>
+                <a:t>)</a:t>
+              </a:r>
+              <a:endParaRPr kumimoji="0" lang="zh-TW" altLang="zh-TW" b="0" i="0" u="none" strike="noStrike" cap="none" normalizeH="0" baseline="0" dirty="0">
                 <a:ln>
                   <a:noFill/>
                 </a:ln>
@@ -15695,258 +15856,480 @@
                   <a:schemeClr val="tx1"/>
                 </a:solidFill>
                 <a:effectLst/>
+              </a:endParaRPr>
+            </a:p>
+          </p:txBody>
+        </p:sp>
+      </p:grpSp>
+      <p:grpSp>
+        <p:nvGrpSpPr>
+          <p:cNvPr id="4" name="群組 3">
+            <a:extLst>
+              <a:ext uri="{FF2B5EF4-FFF2-40B4-BE49-F238E27FC236}">
+                <a16:creationId xmlns:a16="http://schemas.microsoft.com/office/drawing/2014/main" id="{F1EF4A41-34C5-1CDA-BB85-2FA2F7646A3F}"/>
+              </a:ext>
+            </a:extLst>
+          </p:cNvPr>
+          <p:cNvGrpSpPr/>
+          <p:nvPr/>
+        </p:nvGrpSpPr>
+        <p:grpSpPr>
+          <a:xfrm>
+            <a:off x="-58677" y="4684616"/>
+            <a:ext cx="10404088" cy="778796"/>
+            <a:chOff x="-262265" y="4521841"/>
+            <a:chExt cx="10404088" cy="778796"/>
+          </a:xfrm>
+        </p:grpSpPr>
+        <p:sp>
+          <p:nvSpPr>
+            <p:cNvPr id="3" name="文字方塊 2">
+              <a:extLst>
+                <a:ext uri="{FF2B5EF4-FFF2-40B4-BE49-F238E27FC236}">
+                  <a16:creationId xmlns:a16="http://schemas.microsoft.com/office/drawing/2014/main" id="{D65C2BBA-291E-BD00-5976-5A1C67E575DD}"/>
+                </a:ext>
+              </a:extLst>
+            </p:cNvPr>
+            <p:cNvSpPr txBox="1"/>
+            <p:nvPr/>
+          </p:nvSpPr>
+          <p:spPr>
+            <a:xfrm>
+              <a:off x="0" y="4792806"/>
+              <a:ext cx="10141823" cy="507831"/>
+            </a:xfrm>
+            <a:prstGeom prst="rect">
+              <a:avLst/>
+            </a:prstGeom>
+            <a:noFill/>
+          </p:spPr>
+          <p:txBody>
+            <a:bodyPr wrap="square">
+              <a:spAutoFit/>
+            </a:bodyPr>
+            <a:lstStyle/>
+            <a:p>
+              <a:pPr marL="742950" marR="0" lvl="1" indent="-285750" algn="l" defTabSz="914400" rtl="0" eaLnBrk="0" fontAlgn="ctr" latinLnBrk="0" hangingPunct="0">
+                <a:lnSpc>
+                  <a:spcPct val="150000"/>
+                </a:lnSpc>
+                <a:spcBef>
+                  <a:spcPct val="0"/>
+                </a:spcBef>
+                <a:spcAft>
+                  <a:spcPct val="0"/>
+                </a:spcAft>
+                <a:buClrTx/>
+                <a:buSzTx/>
+                <a:buFont typeface="Wingdings" panose="05000000000000000000" pitchFamily="2" charset="2"/>
+                <a:buChar char="p"/>
+                <a:tabLst/>
+              </a:pPr>
+              <a:r>
+                <a:rPr lang="en-US" altLang="zh-TW" dirty="0">
+                  <a:ea typeface="Microsoft JhengHei" panose="020B0604030504040204" pitchFamily="34" charset="-120"/>
+                  <a:sym typeface="Wingdings" panose="05000000000000000000" pitchFamily="2" charset="2"/>
+                </a:rPr>
+                <a:t>Controllers &gt; </a:t>
+              </a:r>
+              <a:r>
+                <a:rPr lang="en-US" altLang="zh-TW" dirty="0" err="1">
+                  <a:ea typeface="Microsoft JhengHei" panose="020B0604030504040204" pitchFamily="34" charset="-120"/>
+                  <a:sym typeface="Wingdings" panose="05000000000000000000" pitchFamily="2" charset="2"/>
+                </a:rPr>
+                <a:t>UploadController.cs</a:t>
+              </a:r>
+              <a:endParaRPr lang="en-US" altLang="zh-TW" dirty="0">
+                <a:ea typeface="Microsoft JhengHei" panose="020B0604030504040204" pitchFamily="34" charset="-120"/>
+                <a:sym typeface="Wingdings" panose="05000000000000000000" pitchFamily="2" charset="2"/>
+              </a:endParaRPr>
+            </a:p>
+          </p:txBody>
+        </p:sp>
+        <p:sp>
+          <p:nvSpPr>
+            <p:cNvPr id="5" name="文字方塊 4">
+              <a:extLst>
+                <a:ext uri="{FF2B5EF4-FFF2-40B4-BE49-F238E27FC236}">
+                  <a16:creationId xmlns:a16="http://schemas.microsoft.com/office/drawing/2014/main" id="{79315F34-BD0C-C0DA-B396-FE56F23D51D4}"/>
+                </a:ext>
+              </a:extLst>
+            </p:cNvPr>
+            <p:cNvSpPr txBox="1"/>
+            <p:nvPr/>
+          </p:nvSpPr>
+          <p:spPr>
+            <a:xfrm>
+              <a:off x="-262265" y="4521841"/>
+              <a:ext cx="6094140" cy="369332"/>
+            </a:xfrm>
+            <a:prstGeom prst="rect">
+              <a:avLst/>
+            </a:prstGeom>
+            <a:noFill/>
+          </p:spPr>
+          <p:txBody>
+            <a:bodyPr wrap="square">
+              <a:spAutoFit/>
+            </a:bodyPr>
+            <a:lstStyle/>
+            <a:p>
+              <a:pPr marL="457200" marR="0" lvl="1" indent="0" algn="l" defTabSz="914400" rtl="0" eaLnBrk="0" fontAlgn="ctr" latinLnBrk="0" hangingPunct="0">
+                <a:lnSpc>
+                  <a:spcPct val="100000"/>
+                </a:lnSpc>
+                <a:spcBef>
+                  <a:spcPct val="0"/>
+                </a:spcBef>
+                <a:spcAft>
+                  <a:spcPct val="0"/>
+                </a:spcAft>
+                <a:buClrTx/>
+                <a:buSzTx/>
+                <a:buFont typeface="Symbol" panose="05050102010706020507" pitchFamily="18" charset="2"/>
+                <a:buChar char=""/>
+                <a:tabLst/>
+              </a:pPr>
+              <a:r>
+                <a:rPr kumimoji="0" lang="zh-TW" altLang="en-US" b="1" i="0" u="none" strike="noStrike" cap="none" normalizeH="0" baseline="0" dirty="0">
+                  <a:ln>
+                    <a:noFill/>
+                  </a:ln>
+                  <a:solidFill>
+                    <a:schemeClr val="tx1"/>
+                  </a:solidFill>
+                  <a:effectLst/>
+                  <a:latin typeface="微軟正黑體" panose="020B0604030504040204" pitchFamily="34" charset="-120"/>
+                  <a:ea typeface="微軟正黑體" panose="020B0604030504040204" pitchFamily="34" charset="-120"/>
+                  <a:cs typeface="Calibri" panose="020F0502020204030204" pitchFamily="34" charset="0"/>
+                </a:rPr>
+                <a:t> 專案</a:t>
+              </a:r>
+              <a:r>
+                <a:rPr kumimoji="0" lang="en-US" altLang="zh-TW" b="1" i="0" u="none" strike="noStrike" cap="none" normalizeH="0" baseline="0" dirty="0">
+                  <a:ln>
+                    <a:noFill/>
+                  </a:ln>
+                  <a:solidFill>
+                    <a:schemeClr val="tx1"/>
+                  </a:solidFill>
+                  <a:effectLst/>
+                  <a:latin typeface="微軟正黑體" panose="020B0604030504040204" pitchFamily="34" charset="-120"/>
+                  <a:ea typeface="微軟正黑體" panose="020B0604030504040204" pitchFamily="34" charset="-120"/>
+                  <a:cs typeface="Calibri" panose="020F0502020204030204" pitchFamily="34" charset="0"/>
+                </a:rPr>
+                <a:t>(</a:t>
+              </a:r>
+              <a:r>
+                <a:rPr lang="zh-TW" altLang="en-US" b="1" dirty="0">
+                  <a:latin typeface="微軟正黑體" panose="020B0604030504040204" pitchFamily="34" charset="-120"/>
+                  <a:ea typeface="微軟正黑體" panose="020B0604030504040204" pitchFamily="34" charset="-120"/>
+                  <a:cs typeface="Calibri" panose="020F0502020204030204" pitchFamily="34" charset="0"/>
+                </a:rPr>
+                <a:t>後</a:t>
+              </a:r>
+              <a:r>
+                <a:rPr kumimoji="0" lang="zh-TW" altLang="en-US" b="1" i="0" u="none" strike="noStrike" cap="none" normalizeH="0" baseline="0" dirty="0">
+                  <a:ln>
+                    <a:noFill/>
+                  </a:ln>
+                  <a:solidFill>
+                    <a:schemeClr val="tx1"/>
+                  </a:solidFill>
+                  <a:effectLst/>
+                  <a:latin typeface="微軟正黑體" panose="020B0604030504040204" pitchFamily="34" charset="-120"/>
+                  <a:ea typeface="微軟正黑體" panose="020B0604030504040204" pitchFamily="34" charset="-120"/>
+                  <a:cs typeface="Calibri" panose="020F0502020204030204" pitchFamily="34" charset="0"/>
+                </a:rPr>
+                <a:t>端</a:t>
+              </a:r>
+              <a:r>
+                <a:rPr kumimoji="0" lang="en-US" altLang="zh-TW" b="1" i="0" u="none" strike="noStrike" cap="none" normalizeH="0" baseline="0" dirty="0">
+                  <a:ln>
+                    <a:noFill/>
+                  </a:ln>
+                  <a:solidFill>
+                    <a:schemeClr val="tx1"/>
+                  </a:solidFill>
+                  <a:effectLst/>
+                  <a:latin typeface="微軟正黑體" panose="020B0604030504040204" pitchFamily="34" charset="-120"/>
+                  <a:ea typeface="微軟正黑體" panose="020B0604030504040204" pitchFamily="34" charset="-120"/>
+                  <a:cs typeface="Calibri" panose="020F0502020204030204" pitchFamily="34" charset="0"/>
+                </a:rPr>
+                <a:t>)</a:t>
+              </a:r>
+              <a:endParaRPr kumimoji="0" lang="zh-TW" altLang="zh-TW" b="0" i="0" u="none" strike="noStrike" cap="none" normalizeH="0" baseline="0" dirty="0">
+                <a:ln>
+                  <a:noFill/>
+                </a:ln>
+                <a:solidFill>
+                  <a:schemeClr val="tx1"/>
+                </a:solidFill>
+                <a:effectLst/>
+              </a:endParaRPr>
+            </a:p>
+          </p:txBody>
+        </p:sp>
+      </p:grpSp>
+      <p:grpSp>
+        <p:nvGrpSpPr>
+          <p:cNvPr id="6" name="群組 5">
+            <a:extLst>
+              <a:ext uri="{FF2B5EF4-FFF2-40B4-BE49-F238E27FC236}">
+                <a16:creationId xmlns:a16="http://schemas.microsoft.com/office/drawing/2014/main" id="{DE7B3DE5-B5D6-E8B3-126D-12F36FF37D0C}"/>
+              </a:ext>
+            </a:extLst>
+          </p:cNvPr>
+          <p:cNvGrpSpPr/>
+          <p:nvPr/>
+        </p:nvGrpSpPr>
+        <p:grpSpPr>
+          <a:xfrm>
+            <a:off x="-58677" y="1695863"/>
+            <a:ext cx="5487927" cy="2440790"/>
+            <a:chOff x="-173620" y="1286398"/>
+            <a:chExt cx="10404088" cy="2440790"/>
+          </a:xfrm>
+        </p:grpSpPr>
+        <p:sp>
+          <p:nvSpPr>
+            <p:cNvPr id="8" name="文字方塊 7">
+              <a:extLst>
+                <a:ext uri="{FF2B5EF4-FFF2-40B4-BE49-F238E27FC236}">
+                  <a16:creationId xmlns:a16="http://schemas.microsoft.com/office/drawing/2014/main" id="{4F007A57-8345-3217-B2EA-709DAE4042A6}"/>
+                </a:ext>
+              </a:extLst>
+            </p:cNvPr>
+            <p:cNvSpPr txBox="1"/>
+            <p:nvPr/>
+          </p:nvSpPr>
+          <p:spPr>
+            <a:xfrm>
+              <a:off x="88645" y="1557363"/>
+              <a:ext cx="10141823" cy="2169825"/>
+            </a:xfrm>
+            <a:prstGeom prst="rect">
+              <a:avLst/>
+            </a:prstGeom>
+            <a:noFill/>
+          </p:spPr>
+          <p:txBody>
+            <a:bodyPr wrap="square">
+              <a:spAutoFit/>
+            </a:bodyPr>
+            <a:lstStyle/>
+            <a:p>
+              <a:pPr marL="742950" marR="0" lvl="1" indent="-285750" algn="l" defTabSz="914400" rtl="0" eaLnBrk="0" fontAlgn="ctr" latinLnBrk="0" hangingPunct="0">
+                <a:lnSpc>
+                  <a:spcPct val="150000"/>
+                </a:lnSpc>
+                <a:spcBef>
+                  <a:spcPct val="0"/>
+                </a:spcBef>
+                <a:spcAft>
+                  <a:spcPct val="0"/>
+                </a:spcAft>
+                <a:buClrTx/>
+                <a:buSzTx/>
+                <a:buFont typeface="Wingdings" panose="05000000000000000000" pitchFamily="2" charset="2"/>
+                <a:buChar char="p"/>
+                <a:tabLst/>
+              </a:pPr>
+              <a:r>
+                <a:rPr lang="zh-TW" altLang="zh-TW" dirty="0">
+                  <a:ea typeface="Microsoft JhengHei" panose="020B0604030504040204" pitchFamily="34" charset="-120"/>
+                </a:rPr>
+                <a:t>Microsoft.CognitiveServices.Speech</a:t>
+              </a:r>
+              <a:r>
+                <a:rPr lang="en-US" altLang="zh-TW" dirty="0">
+                  <a:ea typeface="Microsoft JhengHei" panose="020B0604030504040204" pitchFamily="34" charset="-120"/>
+                  <a:sym typeface="Wingdings" panose="05000000000000000000" pitchFamily="2" charset="2"/>
+                </a:rPr>
+                <a:t> 1.30.0</a:t>
+              </a:r>
+            </a:p>
+            <a:p>
+              <a:pPr marL="742950" marR="0" lvl="1" indent="-285750" algn="l" defTabSz="914400" rtl="0" eaLnBrk="0" fontAlgn="ctr" latinLnBrk="0" hangingPunct="0">
+                <a:lnSpc>
+                  <a:spcPct val="150000"/>
+                </a:lnSpc>
+                <a:spcBef>
+                  <a:spcPct val="0"/>
+                </a:spcBef>
+                <a:spcAft>
+                  <a:spcPct val="0"/>
+                </a:spcAft>
+                <a:buClrTx/>
+                <a:buSzTx/>
+                <a:buFont typeface="Wingdings" panose="05000000000000000000" pitchFamily="2" charset="2"/>
+                <a:buChar char="p"/>
+                <a:tabLst/>
+              </a:pPr>
+              <a:r>
+                <a:rPr lang="en-US" altLang="zh-TW" dirty="0">
+                  <a:ea typeface="Microsoft JhengHei" panose="020B0604030504040204" pitchFamily="34" charset="-120"/>
+                </a:rPr>
+                <a:t>Azure.AI.OpenAI</a:t>
+              </a:r>
+            </a:p>
+            <a:p>
+              <a:pPr marL="742950" marR="0" lvl="1" indent="-285750" algn="l" defTabSz="914400" rtl="0" eaLnBrk="0" fontAlgn="ctr" latinLnBrk="0" hangingPunct="0">
+                <a:lnSpc>
+                  <a:spcPct val="150000"/>
+                </a:lnSpc>
+                <a:spcBef>
+                  <a:spcPct val="0"/>
+                </a:spcBef>
+                <a:spcAft>
+                  <a:spcPct val="0"/>
+                </a:spcAft>
+                <a:buClrTx/>
+                <a:buSzTx/>
+                <a:buFont typeface="Wingdings" panose="05000000000000000000" pitchFamily="2" charset="2"/>
+                <a:buChar char="p"/>
+                <a:tabLst/>
+              </a:pPr>
+              <a:r>
+                <a:rPr lang="en-US" altLang="zh-TW" dirty="0">
+                  <a:ea typeface="Microsoft JhengHei" panose="020B0604030504040204" pitchFamily="34" charset="-120"/>
+                </a:rPr>
+                <a:t>Naudio</a:t>
+              </a:r>
+            </a:p>
+            <a:p>
+              <a:pPr marL="742950" marR="0" lvl="1" indent="-285750" algn="l" defTabSz="914400" rtl="0" eaLnBrk="0" fontAlgn="ctr" latinLnBrk="0" hangingPunct="0">
+                <a:lnSpc>
+                  <a:spcPct val="150000"/>
+                </a:lnSpc>
+                <a:spcBef>
+                  <a:spcPct val="0"/>
+                </a:spcBef>
+                <a:spcAft>
+                  <a:spcPct val="0"/>
+                </a:spcAft>
+                <a:buClrTx/>
+                <a:buSzTx/>
+                <a:buFont typeface="Wingdings" panose="05000000000000000000" pitchFamily="2" charset="2"/>
+                <a:buChar char="p"/>
+                <a:tabLst/>
+              </a:pPr>
+              <a:r>
+                <a:rPr lang="en-US" altLang="zh-TW" dirty="0">
+                  <a:ea typeface="Microsoft JhengHei" panose="020B0604030504040204" pitchFamily="34" charset="-120"/>
+                  <a:sym typeface="Wingdings" panose="05000000000000000000" pitchFamily="2" charset="2"/>
+                </a:rPr>
+                <a:t>Microsoft.Office.Interop.Word</a:t>
+              </a:r>
+            </a:p>
+            <a:p>
+              <a:pPr marL="742950" marR="0" lvl="1" indent="-285750" algn="l" defTabSz="914400" rtl="0" eaLnBrk="0" fontAlgn="ctr" latinLnBrk="0" hangingPunct="0">
+                <a:lnSpc>
+                  <a:spcPct val="150000"/>
+                </a:lnSpc>
+                <a:spcBef>
+                  <a:spcPct val="0"/>
+                </a:spcBef>
+                <a:spcAft>
+                  <a:spcPct val="0"/>
+                </a:spcAft>
+                <a:buClrTx/>
+                <a:buSzTx/>
+                <a:buFont typeface="Wingdings" panose="05000000000000000000" pitchFamily="2" charset="2"/>
+                <a:buChar char="p"/>
+                <a:tabLst/>
+              </a:pPr>
+              <a:r>
+                <a:rPr lang="en-US" altLang="zh-TW" dirty="0">
+                  <a:ea typeface="Microsoft JhengHei" panose="020B0604030504040204" pitchFamily="34" charset="-120"/>
+                  <a:sym typeface="Wingdings" panose="05000000000000000000" pitchFamily="2" charset="2"/>
+                </a:rPr>
+                <a:t>Newtonsoft.Json</a:t>
+              </a:r>
+            </a:p>
+          </p:txBody>
+        </p:sp>
+        <p:sp>
+          <p:nvSpPr>
+            <p:cNvPr id="9" name="文字方塊 8">
+              <a:extLst>
+                <a:ext uri="{FF2B5EF4-FFF2-40B4-BE49-F238E27FC236}">
+                  <a16:creationId xmlns:a16="http://schemas.microsoft.com/office/drawing/2014/main" id="{84BCE4A0-BAD8-EE2D-932F-C4BDFA2A9B87}"/>
+                </a:ext>
+              </a:extLst>
+            </p:cNvPr>
+            <p:cNvSpPr txBox="1"/>
+            <p:nvPr/>
+          </p:nvSpPr>
+          <p:spPr>
+            <a:xfrm>
+              <a:off x="-173620" y="1286398"/>
+              <a:ext cx="6094140" cy="369332"/>
+            </a:xfrm>
+            <a:prstGeom prst="rect">
+              <a:avLst/>
+            </a:prstGeom>
+            <a:noFill/>
+          </p:spPr>
+          <p:txBody>
+            <a:bodyPr wrap="square">
+              <a:spAutoFit/>
+            </a:bodyPr>
+            <a:lstStyle/>
+            <a:p>
+              <a:pPr marL="457200" marR="0" lvl="1" indent="0" algn="l" defTabSz="914400" rtl="0" eaLnBrk="0" fontAlgn="ctr" latinLnBrk="0" hangingPunct="0">
+                <a:lnSpc>
+                  <a:spcPct val="100000"/>
+                </a:lnSpc>
+                <a:spcBef>
+                  <a:spcPct val="0"/>
+                </a:spcBef>
+                <a:spcAft>
+                  <a:spcPct val="0"/>
+                </a:spcAft>
+                <a:buClrTx/>
+                <a:buSzTx/>
+                <a:buFont typeface="Symbol" panose="05050102010706020507" pitchFamily="18" charset="2"/>
+                <a:buChar char=""/>
+                <a:tabLst/>
+              </a:pPr>
+              <a:r>
+                <a:rPr kumimoji="0" lang="zh-TW" altLang="en-US" b="0" i="0" u="none" strike="noStrike" cap="none" normalizeH="0" baseline="0" dirty="0">
+                  <a:ln>
+                    <a:noFill/>
+                  </a:ln>
+                  <a:solidFill>
+                    <a:schemeClr val="tx1"/>
+                  </a:solidFill>
+                  <a:effectLst/>
+                </a:rPr>
+                <a:t> </a:t>
+              </a:r>
+              <a:r>
+                <a:rPr lang="zh-TW" altLang="en-US" b="1" dirty="0">
+                  <a:latin typeface="微軟正黑體" panose="020B0604030504040204" pitchFamily="34" charset="-120"/>
+                  <a:ea typeface="微軟正黑體" panose="020B0604030504040204" pitchFamily="34" charset="-120"/>
+                  <a:cs typeface="Calibri" panose="020F0502020204030204" pitchFamily="34" charset="0"/>
+                </a:rPr>
+                <a:t>安裝</a:t>
+              </a:r>
+              <a:r>
+                <a:rPr lang="en-US" altLang="zh-TW" b="1" dirty="0">
+                  <a:latin typeface="微軟正黑體" panose="020B0604030504040204" pitchFamily="34" charset="-120"/>
+                  <a:ea typeface="微軟正黑體" panose="020B0604030504040204" pitchFamily="34" charset="-120"/>
+                  <a:cs typeface="Calibri" panose="020F0502020204030204" pitchFamily="34" charset="0"/>
+                </a:rPr>
+                <a:t>NuGet</a:t>
+              </a:r>
+              <a:endParaRPr lang="zh-TW" altLang="zh-TW" b="1" dirty="0">
                 <a:latin typeface="微軟正黑體" panose="020B0604030504040204" pitchFamily="34" charset="-120"/>
                 <a:ea typeface="微軟正黑體" panose="020B0604030504040204" pitchFamily="34" charset="-120"/>
                 <a:cs typeface="Calibri" panose="020F0502020204030204" pitchFamily="34" charset="0"/>
-              </a:rPr>
-              <a:t> 專案</a:t>
-            </a:r>
-            <a:r>
-              <a:rPr kumimoji="0" lang="en-US" altLang="zh-TW" b="1" i="0" u="none" strike="noStrike" cap="none" normalizeH="0" baseline="0" dirty="0">
-                <a:ln>
-                  <a:noFill/>
-                </a:ln>
-                <a:solidFill>
-                  <a:schemeClr val="tx1"/>
-                </a:solidFill>
-                <a:effectLst/>
-                <a:latin typeface="微軟正黑體" panose="020B0604030504040204" pitchFamily="34" charset="-120"/>
-                <a:ea typeface="微軟正黑體" panose="020B0604030504040204" pitchFamily="34" charset="-120"/>
-                <a:cs typeface="Calibri" panose="020F0502020204030204" pitchFamily="34" charset="0"/>
-              </a:rPr>
-              <a:t>(</a:t>
-            </a:r>
-            <a:r>
-              <a:rPr kumimoji="0" lang="zh-TW" altLang="en-US" b="1" i="0" u="none" strike="noStrike" cap="none" normalizeH="0" baseline="0" dirty="0">
-                <a:ln>
-                  <a:noFill/>
-                </a:ln>
-                <a:solidFill>
-                  <a:schemeClr val="tx1"/>
-                </a:solidFill>
-                <a:effectLst/>
-                <a:latin typeface="微軟正黑體" panose="020B0604030504040204" pitchFamily="34" charset="-120"/>
-                <a:ea typeface="微軟正黑體" panose="020B0604030504040204" pitchFamily="34" charset="-120"/>
-                <a:cs typeface="Calibri" panose="020F0502020204030204" pitchFamily="34" charset="0"/>
-              </a:rPr>
-              <a:t>前端</a:t>
-            </a:r>
-            <a:r>
-              <a:rPr kumimoji="0" lang="en-US" altLang="zh-TW" b="1" i="0" u="none" strike="noStrike" cap="none" normalizeH="0" baseline="0" dirty="0">
-                <a:ln>
-                  <a:noFill/>
-                </a:ln>
-                <a:solidFill>
-                  <a:schemeClr val="tx1"/>
-                </a:solidFill>
-                <a:effectLst/>
-                <a:latin typeface="微軟正黑體" panose="020B0604030504040204" pitchFamily="34" charset="-120"/>
-                <a:ea typeface="微軟正黑體" panose="020B0604030504040204" pitchFamily="34" charset="-120"/>
-                <a:cs typeface="Calibri" panose="020F0502020204030204" pitchFamily="34" charset="0"/>
-              </a:rPr>
-              <a:t>)</a:t>
-            </a:r>
-            <a:endParaRPr kumimoji="0" lang="zh-TW" altLang="zh-TW" b="0" i="0" u="none" strike="noStrike" cap="none" normalizeH="0" baseline="0" dirty="0">
-              <a:ln>
-                <a:noFill/>
-              </a:ln>
-              <a:solidFill>
-                <a:schemeClr val="tx1"/>
-              </a:solidFill>
-              <a:effectLst/>
-            </a:endParaRPr>
-          </a:p>
-        </p:txBody>
-      </p:sp>
-      <p:sp>
-        <p:nvSpPr>
-          <p:cNvPr id="3" name="文字方塊 2">
-            <a:extLst>
-              <a:ext uri="{FF2B5EF4-FFF2-40B4-BE49-F238E27FC236}">
-                <a16:creationId xmlns:a16="http://schemas.microsoft.com/office/drawing/2014/main" id="{D65C2BBA-291E-BD00-5976-5A1C67E575DD}"/>
-              </a:ext>
-            </a:extLst>
-          </p:cNvPr>
-          <p:cNvSpPr txBox="1"/>
-          <p:nvPr/>
-        </p:nvSpPr>
-        <p:spPr>
-          <a:xfrm>
-            <a:off x="0" y="4792806"/>
-            <a:ext cx="10141823" cy="507831"/>
-          </a:xfrm>
-          <a:prstGeom prst="rect">
-            <a:avLst/>
-          </a:prstGeom>
-          <a:noFill/>
-        </p:spPr>
-        <p:txBody>
-          <a:bodyPr wrap="square">
-            <a:spAutoFit/>
-          </a:bodyPr>
-          <a:lstStyle/>
-          <a:p>
-            <a:pPr marL="742950" marR="0" lvl="1" indent="-285750" algn="l" defTabSz="914400" rtl="0" eaLnBrk="0" fontAlgn="ctr" latinLnBrk="0" hangingPunct="0">
-              <a:lnSpc>
-                <a:spcPct val="150000"/>
-              </a:lnSpc>
-              <a:spcBef>
-                <a:spcPct val="0"/>
-              </a:spcBef>
-              <a:spcAft>
-                <a:spcPct val="0"/>
-              </a:spcAft>
-              <a:buClrTx/>
-              <a:buSzTx/>
-              <a:buFont typeface="Wingdings" panose="05000000000000000000" pitchFamily="2" charset="2"/>
-              <a:buChar char="p"/>
-              <a:tabLst/>
-            </a:pPr>
-            <a:r>
-              <a:rPr lang="en-US" altLang="zh-TW" dirty="0">
-                <a:ea typeface="Microsoft JhengHei" panose="020B0604030504040204" pitchFamily="34" charset="-120"/>
-                <a:sym typeface="Wingdings" panose="05000000000000000000" pitchFamily="2" charset="2"/>
-              </a:rPr>
-              <a:t>Controllers &gt; </a:t>
-            </a:r>
-            <a:r>
-              <a:rPr lang="en-US" altLang="zh-TW" dirty="0" err="1">
-                <a:ea typeface="Microsoft JhengHei" panose="020B0604030504040204" pitchFamily="34" charset="-120"/>
-                <a:sym typeface="Wingdings" panose="05000000000000000000" pitchFamily="2" charset="2"/>
-              </a:rPr>
-              <a:t>UploadController.cs</a:t>
-            </a:r>
-            <a:endParaRPr lang="en-US" altLang="zh-TW" dirty="0">
-              <a:ea typeface="Microsoft JhengHei" panose="020B0604030504040204" pitchFamily="34" charset="-120"/>
-              <a:sym typeface="Wingdings" panose="05000000000000000000" pitchFamily="2" charset="2"/>
-            </a:endParaRPr>
-          </a:p>
-        </p:txBody>
-      </p:sp>
-      <p:sp>
-        <p:nvSpPr>
-          <p:cNvPr id="5" name="文字方塊 4">
-            <a:extLst>
-              <a:ext uri="{FF2B5EF4-FFF2-40B4-BE49-F238E27FC236}">
-                <a16:creationId xmlns:a16="http://schemas.microsoft.com/office/drawing/2014/main" id="{79315F34-BD0C-C0DA-B396-FE56F23D51D4}"/>
-              </a:ext>
-            </a:extLst>
-          </p:cNvPr>
-          <p:cNvSpPr txBox="1"/>
-          <p:nvPr/>
-        </p:nvSpPr>
-        <p:spPr>
-          <a:xfrm>
-            <a:off x="-262265" y="4521841"/>
-            <a:ext cx="6094140" cy="369332"/>
-          </a:xfrm>
-          <a:prstGeom prst="rect">
-            <a:avLst/>
-          </a:prstGeom>
-          <a:noFill/>
-        </p:spPr>
-        <p:txBody>
-          <a:bodyPr wrap="square">
-            <a:spAutoFit/>
-          </a:bodyPr>
-          <a:lstStyle/>
-          <a:p>
-            <a:pPr marL="457200" marR="0" lvl="1" indent="0" algn="l" defTabSz="914400" rtl="0" eaLnBrk="0" fontAlgn="ctr" latinLnBrk="0" hangingPunct="0">
-              <a:lnSpc>
-                <a:spcPct val="100000"/>
-              </a:lnSpc>
-              <a:spcBef>
-                <a:spcPct val="0"/>
-              </a:spcBef>
-              <a:spcAft>
-                <a:spcPct val="0"/>
-              </a:spcAft>
-              <a:buClrTx/>
-              <a:buSzTx/>
-              <a:buFont typeface="Symbol" panose="05050102010706020507" pitchFamily="18" charset="2"/>
-              <a:buChar char=""/>
-              <a:tabLst/>
-            </a:pPr>
-            <a:r>
-              <a:rPr kumimoji="0" lang="zh-TW" altLang="en-US" b="1" i="0" u="none" strike="noStrike" cap="none" normalizeH="0" baseline="0" dirty="0">
-                <a:ln>
-                  <a:noFill/>
-                </a:ln>
-                <a:solidFill>
-                  <a:schemeClr val="tx1"/>
-                </a:solidFill>
-                <a:effectLst/>
-                <a:latin typeface="微軟正黑體" panose="020B0604030504040204" pitchFamily="34" charset="-120"/>
-                <a:ea typeface="微軟正黑體" panose="020B0604030504040204" pitchFamily="34" charset="-120"/>
-                <a:cs typeface="Calibri" panose="020F0502020204030204" pitchFamily="34" charset="0"/>
-              </a:rPr>
-              <a:t> 專案</a:t>
-            </a:r>
-            <a:r>
-              <a:rPr kumimoji="0" lang="en-US" altLang="zh-TW" b="1" i="0" u="none" strike="noStrike" cap="none" normalizeH="0" baseline="0" dirty="0">
-                <a:ln>
-                  <a:noFill/>
-                </a:ln>
-                <a:solidFill>
-                  <a:schemeClr val="tx1"/>
-                </a:solidFill>
-                <a:effectLst/>
-                <a:latin typeface="微軟正黑體" panose="020B0604030504040204" pitchFamily="34" charset="-120"/>
-                <a:ea typeface="微軟正黑體" panose="020B0604030504040204" pitchFamily="34" charset="-120"/>
-                <a:cs typeface="Calibri" panose="020F0502020204030204" pitchFamily="34" charset="0"/>
-              </a:rPr>
-              <a:t>(</a:t>
-            </a:r>
-            <a:r>
-              <a:rPr lang="zh-TW" altLang="en-US" b="1" dirty="0">
-                <a:latin typeface="微軟正黑體" panose="020B0604030504040204" pitchFamily="34" charset="-120"/>
-                <a:ea typeface="微軟正黑體" panose="020B0604030504040204" pitchFamily="34" charset="-120"/>
-                <a:cs typeface="Calibri" panose="020F0502020204030204" pitchFamily="34" charset="0"/>
-              </a:rPr>
-              <a:t>後</a:t>
-            </a:r>
-            <a:r>
-              <a:rPr kumimoji="0" lang="zh-TW" altLang="en-US" b="1" i="0" u="none" strike="noStrike" cap="none" normalizeH="0" baseline="0" dirty="0">
-                <a:ln>
-                  <a:noFill/>
-                </a:ln>
-                <a:solidFill>
-                  <a:schemeClr val="tx1"/>
-                </a:solidFill>
-                <a:effectLst/>
-                <a:latin typeface="微軟正黑體" panose="020B0604030504040204" pitchFamily="34" charset="-120"/>
-                <a:ea typeface="微軟正黑體" panose="020B0604030504040204" pitchFamily="34" charset="-120"/>
-                <a:cs typeface="Calibri" panose="020F0502020204030204" pitchFamily="34" charset="0"/>
-              </a:rPr>
-              <a:t>端</a:t>
-            </a:r>
-            <a:r>
-              <a:rPr kumimoji="0" lang="en-US" altLang="zh-TW" b="1" i="0" u="none" strike="noStrike" cap="none" normalizeH="0" baseline="0" dirty="0">
-                <a:ln>
-                  <a:noFill/>
-                </a:ln>
-                <a:solidFill>
-                  <a:schemeClr val="tx1"/>
-                </a:solidFill>
-                <a:effectLst/>
-                <a:latin typeface="微軟正黑體" panose="020B0604030504040204" pitchFamily="34" charset="-120"/>
-                <a:ea typeface="微軟正黑體" panose="020B0604030504040204" pitchFamily="34" charset="-120"/>
-                <a:cs typeface="Calibri" panose="020F0502020204030204" pitchFamily="34" charset="0"/>
-              </a:rPr>
-              <a:t>)</a:t>
-            </a:r>
-            <a:endParaRPr kumimoji="0" lang="zh-TW" altLang="zh-TW" b="0" i="0" u="none" strike="noStrike" cap="none" normalizeH="0" baseline="0" dirty="0">
-              <a:ln>
-                <a:noFill/>
-              </a:ln>
-              <a:solidFill>
-                <a:schemeClr val="tx1"/>
-              </a:solidFill>
-              <a:effectLst/>
-            </a:endParaRPr>
-          </a:p>
-        </p:txBody>
-      </p:sp>
+              </a:endParaRPr>
+            </a:p>
+          </p:txBody>
+        </p:sp>
+      </p:grpSp>
     </p:spTree>
     <p:extLst>
       <p:ext uri="{BB962C8B-B14F-4D97-AF65-F5344CB8AC3E}">
